--- a/LCC/Java/00b_Java開發環境建置.pptx
+++ b/LCC/Java/00b_Java開發環境建置.pptx
@@ -6,28 +6,27 @@
   </p:sldMasterIdLst>
   <p:sldIdLst>
     <p:sldId id="256" r:id="rId2"/>
-    <p:sldId id="258" r:id="rId3"/>
-    <p:sldId id="259" r:id="rId4"/>
-    <p:sldId id="260" r:id="rId5"/>
-    <p:sldId id="257" r:id="rId6"/>
-    <p:sldId id="263" r:id="rId7"/>
-    <p:sldId id="274" r:id="rId8"/>
-    <p:sldId id="264" r:id="rId9"/>
-    <p:sldId id="265" r:id="rId10"/>
-    <p:sldId id="266" r:id="rId11"/>
-    <p:sldId id="267" r:id="rId12"/>
-    <p:sldId id="268" r:id="rId13"/>
-    <p:sldId id="269" r:id="rId14"/>
-    <p:sldId id="270" r:id="rId15"/>
-    <p:sldId id="271" r:id="rId16"/>
-    <p:sldId id="272" r:id="rId17"/>
-    <p:sldId id="273" r:id="rId18"/>
-    <p:sldId id="275" r:id="rId19"/>
-    <p:sldId id="261" r:id="rId20"/>
-    <p:sldId id="276" r:id="rId21"/>
-    <p:sldId id="277" r:id="rId22"/>
-    <p:sldId id="278" r:id="rId23"/>
-    <p:sldId id="279" r:id="rId24"/>
+    <p:sldId id="257" r:id="rId3"/>
+    <p:sldId id="263" r:id="rId4"/>
+    <p:sldId id="274" r:id="rId5"/>
+    <p:sldId id="264" r:id="rId6"/>
+    <p:sldId id="265" r:id="rId7"/>
+    <p:sldId id="266" r:id="rId8"/>
+    <p:sldId id="267" r:id="rId9"/>
+    <p:sldId id="268" r:id="rId10"/>
+    <p:sldId id="269" r:id="rId11"/>
+    <p:sldId id="270" r:id="rId12"/>
+    <p:sldId id="271" r:id="rId13"/>
+    <p:sldId id="272" r:id="rId14"/>
+    <p:sldId id="273" r:id="rId15"/>
+    <p:sldId id="275" r:id="rId16"/>
+    <p:sldId id="261" r:id="rId17"/>
+    <p:sldId id="276" r:id="rId18"/>
+    <p:sldId id="277" r:id="rId19"/>
+    <p:sldId id="278" r:id="rId20"/>
+    <p:sldId id="279" r:id="rId21"/>
+    <p:sldId id="280" r:id="rId22"/>
+    <p:sldId id="281" r:id="rId23"/>
   </p:sldIdLst>
   <p:sldSz cx="12192000" cy="6858000"/>
   <p:notesSz cx="6858000" cy="9144000"/>
@@ -867,7 +866,7 @@
           <a:p>
             <a:fld id="{9D5C10DA-9D88-4773-8D30-78F5C5DDFCBA}" type="datetimeFigureOut">
               <a:rPr lang="zh-TW" altLang="en-US" smtClean="0"/>
-              <a:t>2020/12/27</a:t>
+              <a:t>2021/9/14</a:t>
             </a:fld>
             <a:endParaRPr lang="zh-TW" altLang="en-US"/>
           </a:p>
@@ -1118,7 +1117,7 @@
           <a:p>
             <a:fld id="{9D5C10DA-9D88-4773-8D30-78F5C5DDFCBA}" type="datetimeFigureOut">
               <a:rPr lang="zh-TW" altLang="en-US" smtClean="0"/>
-              <a:t>2020/12/27</a:t>
+              <a:t>2021/9/14</a:t>
             </a:fld>
             <a:endParaRPr lang="zh-TW" altLang="en-US"/>
           </a:p>
@@ -1432,7 +1431,7 @@
           <a:p>
             <a:fld id="{9D5C10DA-9D88-4773-8D30-78F5C5DDFCBA}" type="datetimeFigureOut">
               <a:rPr lang="zh-TW" altLang="en-US" smtClean="0"/>
-              <a:t>2020/12/27</a:t>
+              <a:t>2021/9/14</a:t>
             </a:fld>
             <a:endParaRPr lang="zh-TW" altLang="en-US"/>
           </a:p>
@@ -1773,7 +1772,7 @@
           <a:p>
             <a:fld id="{9D5C10DA-9D88-4773-8D30-78F5C5DDFCBA}" type="datetimeFigureOut">
               <a:rPr lang="zh-TW" altLang="en-US" smtClean="0"/>
-              <a:t>2020/12/27</a:t>
+              <a:t>2021/9/14</a:t>
             </a:fld>
             <a:endParaRPr lang="zh-TW" altLang="en-US"/>
           </a:p>
@@ -2087,7 +2086,7 @@
           <a:p>
             <a:fld id="{9D5C10DA-9D88-4773-8D30-78F5C5DDFCBA}" type="datetimeFigureOut">
               <a:rPr lang="zh-TW" altLang="en-US" smtClean="0"/>
-              <a:t>2020/12/27</a:t>
+              <a:t>2021/9/14</a:t>
             </a:fld>
             <a:endParaRPr lang="zh-TW" altLang="en-US"/>
           </a:p>
@@ -2480,7 +2479,7 @@
           <a:p>
             <a:fld id="{9D5C10DA-9D88-4773-8D30-78F5C5DDFCBA}" type="datetimeFigureOut">
               <a:rPr lang="zh-TW" altLang="en-US" smtClean="0"/>
-              <a:t>2020/12/27</a:t>
+              <a:t>2021/9/14</a:t>
             </a:fld>
             <a:endParaRPr lang="zh-TW" altLang="en-US"/>
           </a:p>
@@ -2650,7 +2649,7 @@
           <a:p>
             <a:fld id="{9D5C10DA-9D88-4773-8D30-78F5C5DDFCBA}" type="datetimeFigureOut">
               <a:rPr lang="zh-TW" altLang="en-US" smtClean="0"/>
-              <a:t>2020/12/27</a:t>
+              <a:t>2021/9/14</a:t>
             </a:fld>
             <a:endParaRPr lang="zh-TW" altLang="en-US"/>
           </a:p>
@@ -2830,7 +2829,7 @@
           <a:p>
             <a:fld id="{9D5C10DA-9D88-4773-8D30-78F5C5DDFCBA}" type="datetimeFigureOut">
               <a:rPr lang="zh-TW" altLang="en-US" smtClean="0"/>
-              <a:t>2020/12/27</a:t>
+              <a:t>2021/9/14</a:t>
             </a:fld>
             <a:endParaRPr lang="zh-TW" altLang="en-US"/>
           </a:p>
@@ -3006,7 +3005,7 @@
           <a:p>
             <a:fld id="{9D5C10DA-9D88-4773-8D30-78F5C5DDFCBA}" type="datetimeFigureOut">
               <a:rPr lang="zh-TW" altLang="en-US" smtClean="0"/>
-              <a:t>2020/12/27</a:t>
+              <a:t>2021/9/14</a:t>
             </a:fld>
             <a:endParaRPr lang="zh-TW" altLang="en-US"/>
           </a:p>
@@ -3253,7 +3252,7 @@
           <a:p>
             <a:fld id="{9D5C10DA-9D88-4773-8D30-78F5C5DDFCBA}" type="datetimeFigureOut">
               <a:rPr lang="zh-TW" altLang="en-US" smtClean="0"/>
-              <a:t>2020/12/27</a:t>
+              <a:t>2021/9/14</a:t>
             </a:fld>
             <a:endParaRPr lang="zh-TW" altLang="en-US"/>
           </a:p>
@@ -3485,7 +3484,7 @@
           <a:p>
             <a:fld id="{9D5C10DA-9D88-4773-8D30-78F5C5DDFCBA}" type="datetimeFigureOut">
               <a:rPr lang="zh-TW" altLang="en-US" smtClean="0"/>
-              <a:t>2020/12/27</a:t>
+              <a:t>2021/9/14</a:t>
             </a:fld>
             <a:endParaRPr lang="zh-TW" altLang="en-US"/>
           </a:p>
@@ -3859,7 +3858,7 @@
           <a:p>
             <a:fld id="{9D5C10DA-9D88-4773-8D30-78F5C5DDFCBA}" type="datetimeFigureOut">
               <a:rPr lang="zh-TW" altLang="en-US" smtClean="0"/>
-              <a:t>2020/12/27</a:t>
+              <a:t>2021/9/14</a:t>
             </a:fld>
             <a:endParaRPr lang="zh-TW" altLang="en-US"/>
           </a:p>
@@ -3982,7 +3981,7 @@
           <a:p>
             <a:fld id="{9D5C10DA-9D88-4773-8D30-78F5C5DDFCBA}" type="datetimeFigureOut">
               <a:rPr lang="zh-TW" altLang="en-US" smtClean="0"/>
-              <a:t>2020/12/27</a:t>
+              <a:t>2021/9/14</a:t>
             </a:fld>
             <a:endParaRPr lang="zh-TW" altLang="en-US"/>
           </a:p>
@@ -4077,7 +4076,7 @@
           <a:p>
             <a:fld id="{9D5C10DA-9D88-4773-8D30-78F5C5DDFCBA}" type="datetimeFigureOut">
               <a:rPr lang="zh-TW" altLang="en-US" smtClean="0"/>
-              <a:t>2020/12/27</a:t>
+              <a:t>2021/9/14</a:t>
             </a:fld>
             <a:endParaRPr lang="zh-TW" altLang="en-US"/>
           </a:p>
@@ -4332,7 +4331,7 @@
           <a:p>
             <a:fld id="{9D5C10DA-9D88-4773-8D30-78F5C5DDFCBA}" type="datetimeFigureOut">
               <a:rPr lang="zh-TW" altLang="en-US" smtClean="0"/>
-              <a:t>2020/12/27</a:t>
+              <a:t>2021/9/14</a:t>
             </a:fld>
             <a:endParaRPr lang="zh-TW" altLang="en-US"/>
           </a:p>
@@ -4595,7 +4594,7 @@
           <a:p>
             <a:fld id="{9D5C10DA-9D88-4773-8D30-78F5C5DDFCBA}" type="datetimeFigureOut">
               <a:rPr lang="zh-TW" altLang="en-US" smtClean="0"/>
-              <a:t>2020/12/27</a:t>
+              <a:t>2021/9/14</a:t>
             </a:fld>
             <a:endParaRPr lang="zh-TW" altLang="en-US"/>
           </a:p>
@@ -5338,7 +5337,7 @@
           <a:p>
             <a:fld id="{9D5C10DA-9D88-4773-8D30-78F5C5DDFCBA}" type="datetimeFigureOut">
               <a:rPr lang="zh-TW" altLang="en-US" smtClean="0"/>
-              <a:t>2020/12/27</a:t>
+              <a:t>2021/9/14</a:t>
             </a:fld>
             <a:endParaRPr lang="zh-TW" altLang="en-US"/>
           </a:p>
@@ -5954,8 +5953,17 @@
         </p:nvSpPr>
         <p:spPr/>
         <p:txBody>
-          <a:bodyPr/>
-          <a:lstStyle/>
+          <a:bodyPr>
+            <a:normAutofit lnSpcReduction="10000"/>
+          </a:bodyPr>
+          <a:lstStyle/>
+          <a:p>
+            <a:r>
+              <a:rPr lang="zh-TW" altLang="en-US" dirty="0" smtClean="0"/>
+              <a:t>工欲善其事 必先利其器</a:t>
+            </a:r>
+            <a:endParaRPr lang="en-US" altLang="zh-TW" dirty="0" smtClean="0"/>
+          </a:p>
           <a:p>
             <a:r>
               <a:rPr lang="zh-TW" altLang="en-US" dirty="0" smtClean="0"/>
@@ -5964,30 +5972,10 @@
             <a:endParaRPr lang="en-US" altLang="zh-TW" dirty="0" smtClean="0"/>
           </a:p>
           <a:p>
-            <a:r>
-              <a:rPr lang="en-US" altLang="zh-TW" dirty="0" smtClean="0"/>
-              <a:t>109</a:t>
-            </a:r>
-            <a:r>
-              <a:rPr lang="zh-TW" altLang="en-US" dirty="0" smtClean="0"/>
-              <a:t>年</a:t>
-            </a:r>
-            <a:r>
-              <a:rPr lang="en-US" altLang="zh-TW" dirty="0" smtClean="0"/>
-              <a:t>11</a:t>
-            </a:r>
-            <a:r>
-              <a:rPr lang="zh-TW" altLang="en-US" dirty="0" smtClean="0"/>
-              <a:t>月</a:t>
-            </a:r>
-            <a:r>
-              <a:rPr lang="en-US" altLang="zh-TW" dirty="0" smtClean="0"/>
-              <a:t>14</a:t>
-            </a:r>
-            <a:r>
-              <a:rPr lang="zh-TW" altLang="en-US" dirty="0" smtClean="0"/>
-              <a:t>日星期六</a:t>
-            </a:r>
+            <a:fld id="{3BB4C709-9C31-4337-925C-74BEB5EA7E8C}" type="datetime3">
+              <a:rPr lang="zh-TW" altLang="en-US" smtClean="0"/>
+              <a:t>110年9月14日</a:t>
+            </a:fld>
             <a:endParaRPr lang="zh-TW" altLang="en-US" dirty="0"/>
           </a:p>
         </p:txBody>
@@ -6054,783 +6042,6 @@
 </file>
 
 <file path=ppt/slides/slide10.xml><?xml version="1.0" encoding="utf-8"?>
-<p:sld xmlns:a="http://schemas.openxmlformats.org/drawingml/2006/main" xmlns:r="http://schemas.openxmlformats.org/officeDocument/2006/relationships" xmlns:p="http://schemas.openxmlformats.org/presentationml/2006/main">
-  <p:cSld>
-    <p:spTree>
-      <p:nvGrpSpPr>
-        <p:cNvPr id="1" name=""/>
-        <p:cNvGrpSpPr/>
-        <p:nvPr/>
-      </p:nvGrpSpPr>
-      <p:grpSpPr>
-        <a:xfrm>
-          <a:off x="0" y="0"/>
-          <a:ext cx="0" cy="0"/>
-          <a:chOff x="0" y="0"/>
-          <a:chExt cx="0" cy="0"/>
-        </a:xfrm>
-      </p:grpSpPr>
-      <p:sp>
-        <p:nvSpPr>
-          <p:cNvPr id="2" name="標題 1"/>
-          <p:cNvSpPr>
-            <a:spLocks noGrp="1"/>
-          </p:cNvSpPr>
-          <p:nvPr>
-            <p:ph type="title"/>
-          </p:nvPr>
-        </p:nvSpPr>
-        <p:spPr/>
-        <p:txBody>
-          <a:bodyPr/>
-          <a:lstStyle/>
-          <a:p>
-            <a:r>
-              <a:rPr lang="en-US" altLang="zh-TW" dirty="0"/>
-              <a:t>JDK</a:t>
-            </a:r>
-            <a:r>
-              <a:rPr lang="zh-TW" altLang="en-US" dirty="0"/>
-              <a:t>安裝</a:t>
-            </a:r>
-            <a:r>
-              <a:rPr lang="en-US" altLang="zh-TW" dirty="0" smtClean="0"/>
-              <a:t>(3/</a:t>
-            </a:r>
-            <a:r>
-              <a:rPr lang="en-US" altLang="zh-TW" dirty="0"/>
-              <a:t>10</a:t>
-            </a:r>
-            <a:r>
-              <a:rPr lang="en-US" altLang="zh-TW" dirty="0" smtClean="0"/>
-              <a:t>)</a:t>
-            </a:r>
-            <a:endParaRPr lang="zh-TW" altLang="en-US" dirty="0"/>
-          </a:p>
-        </p:txBody>
-      </p:sp>
-      <p:sp>
-        <p:nvSpPr>
-          <p:cNvPr id="3" name="內容版面配置區 2"/>
-          <p:cNvSpPr>
-            <a:spLocks noGrp="1"/>
-          </p:cNvSpPr>
-          <p:nvPr>
-            <p:ph idx="1"/>
-          </p:nvPr>
-        </p:nvSpPr>
-        <p:spPr/>
-        <p:txBody>
-          <a:bodyPr/>
-          <a:lstStyle/>
-          <a:p>
-            <a:r>
-              <a:rPr lang="zh-TW" altLang="en-US" dirty="0" smtClean="0"/>
-              <a:t>從剛才的頁面往下找到</a:t>
-            </a:r>
-            <a:r>
-              <a:rPr lang="en-US" altLang="zh-TW" dirty="0" smtClean="0"/>
-              <a:t>Java SE Development Kit 8u271 </a:t>
-            </a:r>
-            <a:r>
-              <a:rPr lang="zh-TW" altLang="en-US" dirty="0" smtClean="0"/>
-              <a:t>如下</a:t>
-            </a:r>
-            <a:r>
-              <a:rPr lang="zh-TW" altLang="en-US" dirty="0">
-                <a:sym typeface="Wingdings" panose="05000000000000000000" pitchFamily="2" charset="2"/>
-              </a:rPr>
-              <a:t>：</a:t>
-            </a:r>
-            <a:r>
-              <a:rPr lang="zh-TW" altLang="en-US" dirty="0" smtClean="0">
-                <a:sym typeface="Wingdings" panose="05000000000000000000" pitchFamily="2" charset="2"/>
-              </a:rPr>
-              <a:t> </a:t>
-            </a:r>
-            <a:r>
-              <a:rPr lang="en-US" altLang="zh-TW" dirty="0" smtClean="0">
-                <a:sym typeface="Wingdings" panose="05000000000000000000" pitchFamily="2" charset="2"/>
-              </a:rPr>
-              <a:t>(</a:t>
-            </a:r>
-            <a:r>
-              <a:rPr lang="zh-TW" altLang="en-US" dirty="0" smtClean="0"/>
-              <a:t>數字可能會變化</a:t>
-            </a:r>
-            <a:r>
-              <a:rPr lang="en-US" altLang="zh-TW" dirty="0" smtClean="0"/>
-              <a:t>)</a:t>
-            </a:r>
-          </a:p>
-          <a:p>
-            <a:endParaRPr lang="en-US" altLang="zh-TW" dirty="0"/>
-          </a:p>
-          <a:p>
-            <a:endParaRPr lang="en-US" altLang="zh-TW" dirty="0" smtClean="0"/>
-          </a:p>
-          <a:p>
-            <a:r>
-              <a:rPr lang="zh-TW" altLang="en-US" dirty="0" smtClean="0"/>
-              <a:t>再往下找，挑選適合版本：</a:t>
-            </a:r>
-            <a:endParaRPr lang="en-US" altLang="zh-TW" dirty="0"/>
-          </a:p>
-          <a:p>
-            <a:endParaRPr lang="en-US" altLang="zh-TW" dirty="0" smtClean="0"/>
-          </a:p>
-          <a:p>
-            <a:endParaRPr lang="en-US" altLang="zh-TW" dirty="0"/>
-          </a:p>
-          <a:p>
-            <a:endParaRPr lang="en-US" altLang="zh-TW" dirty="0" smtClean="0"/>
-          </a:p>
-          <a:p>
-            <a:r>
-              <a:rPr lang="zh-TW" altLang="en-US" dirty="0"/>
-              <a:t>應該大多數都是</a:t>
-            </a:r>
-            <a:r>
-              <a:rPr lang="en-US" altLang="zh-TW" dirty="0"/>
-              <a:t>Windows x64</a:t>
-            </a:r>
-            <a:r>
-              <a:rPr lang="zh-TW" altLang="en-US" dirty="0"/>
-              <a:t>了，點右邊的下載。</a:t>
-            </a:r>
-            <a:endParaRPr lang="en-US" altLang="zh-TW" dirty="0" smtClean="0"/>
-          </a:p>
-        </p:txBody>
-      </p:sp>
-      <p:pic>
-        <p:nvPicPr>
-          <p:cNvPr id="4" name="圖片 3"/>
-          <p:cNvPicPr>
-            <a:picLocks noChangeAspect="1"/>
-          </p:cNvPicPr>
-          <p:nvPr/>
-        </p:nvPicPr>
-        <p:blipFill>
-          <a:blip r:embed="rId2"/>
-          <a:stretch>
-            <a:fillRect/>
-          </a:stretch>
-        </p:blipFill>
-        <p:spPr>
-          <a:xfrm>
-            <a:off x="1038415" y="2516315"/>
-            <a:ext cx="6366891" cy="868212"/>
-          </a:xfrm>
-          <a:prstGeom prst="rect">
-            <a:avLst/>
-          </a:prstGeom>
-          <a:ln>
-            <a:solidFill>
-              <a:schemeClr val="tx1"/>
-            </a:solidFill>
-          </a:ln>
-        </p:spPr>
-      </p:pic>
-      <p:pic>
-        <p:nvPicPr>
-          <p:cNvPr id="5" name="圖片 4"/>
-          <p:cNvPicPr>
-            <a:picLocks noChangeAspect="1"/>
-          </p:cNvPicPr>
-          <p:nvPr/>
-        </p:nvPicPr>
-        <p:blipFill>
-          <a:blip r:embed="rId3"/>
-          <a:stretch>
-            <a:fillRect/>
-          </a:stretch>
-        </p:blipFill>
-        <p:spPr>
-          <a:xfrm>
-            <a:off x="1038415" y="3740253"/>
-            <a:ext cx="9004893" cy="1261515"/>
-          </a:xfrm>
-          <a:prstGeom prst="rect">
-            <a:avLst/>
-          </a:prstGeom>
-          <a:ln>
-            <a:solidFill>
-              <a:schemeClr val="tx1"/>
-            </a:solidFill>
-          </a:ln>
-        </p:spPr>
-      </p:pic>
-      <p:sp>
-        <p:nvSpPr>
-          <p:cNvPr id="6" name="矩形 5"/>
-          <p:cNvSpPr/>
-          <p:nvPr/>
-        </p:nvSpPr>
-        <p:spPr>
-          <a:xfrm>
-            <a:off x="7281942" y="4507883"/>
-            <a:ext cx="2761366" cy="493885"/>
-          </a:xfrm>
-          <a:prstGeom prst="rect">
-            <a:avLst/>
-          </a:prstGeom>
-          <a:noFill/>
-          <a:ln w="57150">
-            <a:solidFill>
-              <a:srgbClr val="FF0000"/>
-            </a:solidFill>
-          </a:ln>
-        </p:spPr>
-        <p:style>
-          <a:lnRef idx="2">
-            <a:schemeClr val="accent1">
-              <a:shade val="50000"/>
-            </a:schemeClr>
-          </a:lnRef>
-          <a:fillRef idx="1">
-            <a:schemeClr val="accent1"/>
-          </a:fillRef>
-          <a:effectRef idx="0">
-            <a:schemeClr val="accent1"/>
-          </a:effectRef>
-          <a:fontRef idx="minor">
-            <a:schemeClr val="lt1"/>
-          </a:fontRef>
-        </p:style>
-        <p:txBody>
-          <a:bodyPr rtlCol="0" anchor="ctr"/>
-          <a:lstStyle/>
-          <a:p>
-            <a:pPr algn="ctr"/>
-            <a:endParaRPr lang="zh-TW" altLang="en-US"/>
-          </a:p>
-        </p:txBody>
-      </p:sp>
-    </p:spTree>
-    <p:extLst>
-      <p:ext uri="{BB962C8B-B14F-4D97-AF65-F5344CB8AC3E}">
-        <p14:creationId xmlns:p14="http://schemas.microsoft.com/office/powerpoint/2010/main" val="2012230117"/>
-      </p:ext>
-    </p:extLst>
-  </p:cSld>
-  <p:clrMapOvr>
-    <a:masterClrMapping/>
-  </p:clrMapOvr>
-  <p:timing>
-    <p:tnLst>
-      <p:par>
-        <p:cTn id="1" dur="indefinite" restart="never" nodeType="tmRoot"/>
-      </p:par>
-    </p:tnLst>
-  </p:timing>
-</p:sld>
-</file>
-
-<file path=ppt/slides/slide11.xml><?xml version="1.0" encoding="utf-8"?>
-<p:sld xmlns:a="http://schemas.openxmlformats.org/drawingml/2006/main" xmlns:r="http://schemas.openxmlformats.org/officeDocument/2006/relationships" xmlns:p="http://schemas.openxmlformats.org/presentationml/2006/main">
-  <p:cSld>
-    <p:spTree>
-      <p:nvGrpSpPr>
-        <p:cNvPr id="1" name=""/>
-        <p:cNvGrpSpPr/>
-        <p:nvPr/>
-      </p:nvGrpSpPr>
-      <p:grpSpPr>
-        <a:xfrm>
-          <a:off x="0" y="0"/>
-          <a:ext cx="0" cy="0"/>
-          <a:chOff x="0" y="0"/>
-          <a:chExt cx="0" cy="0"/>
-        </a:xfrm>
-      </p:grpSpPr>
-      <p:sp>
-        <p:nvSpPr>
-          <p:cNvPr id="3" name="內容版面配置區 2"/>
-          <p:cNvSpPr>
-            <a:spLocks noGrp="1"/>
-          </p:cNvSpPr>
-          <p:nvPr>
-            <p:ph idx="1"/>
-          </p:nvPr>
-        </p:nvSpPr>
-        <p:spPr/>
-        <p:txBody>
-          <a:bodyPr/>
-          <a:lstStyle/>
-          <a:p>
-            <a:r>
-              <a:rPr lang="zh-TW" altLang="en-US" dirty="0" smtClean="0"/>
-              <a:t>出現如下的說明，要點選接受</a:t>
-            </a:r>
-            <a:r>
-              <a:rPr lang="en-US" altLang="zh-TW" dirty="0" smtClean="0"/>
-              <a:t>Oracle</a:t>
-            </a:r>
-            <a:r>
-              <a:rPr lang="zh-TW" altLang="en-US" dirty="0" smtClean="0"/>
-              <a:t>的條款才可以下載。點選好即可下載。</a:t>
-            </a:r>
-            <a:endParaRPr lang="en-US" altLang="zh-TW" dirty="0" smtClean="0"/>
-          </a:p>
-          <a:p>
-            <a:endParaRPr lang="en-US" altLang="zh-TW" dirty="0"/>
-          </a:p>
-          <a:p>
-            <a:endParaRPr lang="en-US" altLang="zh-TW" dirty="0" smtClean="0"/>
-          </a:p>
-          <a:p>
-            <a:endParaRPr lang="en-US" altLang="zh-TW" dirty="0"/>
-          </a:p>
-          <a:p>
-            <a:endParaRPr lang="en-US" altLang="zh-TW" dirty="0" smtClean="0"/>
-          </a:p>
-          <a:p>
-            <a:endParaRPr lang="en-US" altLang="zh-TW" dirty="0"/>
-          </a:p>
-          <a:p>
-            <a:endParaRPr lang="en-US" altLang="zh-TW" dirty="0" smtClean="0"/>
-          </a:p>
-          <a:p>
-            <a:endParaRPr lang="en-US" altLang="zh-TW" dirty="0"/>
-          </a:p>
-          <a:p>
-            <a:r>
-              <a:rPr lang="zh-TW" altLang="en-US" sz="2400" b="1" dirty="0" smtClean="0">
-                <a:solidFill>
-                  <a:srgbClr val="FF0000"/>
-                </a:solidFill>
-              </a:rPr>
-              <a:t>還沒完！</a:t>
-            </a:r>
-            <a:endParaRPr lang="zh-TW" altLang="en-US" sz="2400" b="1" dirty="0">
-              <a:solidFill>
-                <a:srgbClr val="FF0000"/>
-              </a:solidFill>
-            </a:endParaRPr>
-          </a:p>
-        </p:txBody>
-      </p:sp>
-      <p:grpSp>
-        <p:nvGrpSpPr>
-          <p:cNvPr id="7" name="群組 6"/>
-          <p:cNvGrpSpPr/>
-          <p:nvPr/>
-        </p:nvGrpSpPr>
-        <p:grpSpPr>
-          <a:xfrm>
-            <a:off x="1198245" y="2488184"/>
-            <a:ext cx="7023809" cy="2758821"/>
-            <a:chOff x="887349" y="1930400"/>
-            <a:chExt cx="7023809" cy="2758821"/>
-          </a:xfrm>
-        </p:grpSpPr>
-        <p:pic>
-          <p:nvPicPr>
-            <p:cNvPr id="4" name="圖片 3"/>
-            <p:cNvPicPr>
-              <a:picLocks noChangeAspect="1"/>
-            </p:cNvPicPr>
-            <p:nvPr/>
-          </p:nvPicPr>
-          <p:blipFill>
-            <a:blip r:embed="rId2"/>
-            <a:stretch>
-              <a:fillRect/>
-            </a:stretch>
-          </p:blipFill>
-          <p:spPr>
-            <a:xfrm>
-              <a:off x="887349" y="1930400"/>
-              <a:ext cx="7023809" cy="2758821"/>
-            </a:xfrm>
-            <a:prstGeom prst="rect">
-              <a:avLst/>
-            </a:prstGeom>
-            <a:ln>
-              <a:solidFill>
-                <a:schemeClr val="tx1"/>
-              </a:solidFill>
-            </a:ln>
-          </p:spPr>
-        </p:pic>
-        <p:sp>
-          <p:nvSpPr>
-            <p:cNvPr id="5" name="向右箭號 4"/>
-            <p:cNvSpPr/>
-            <p:nvPr/>
-          </p:nvSpPr>
-          <p:spPr>
-            <a:xfrm rot="20392875">
-              <a:off x="914212" y="2977108"/>
-              <a:ext cx="356616" cy="219456"/>
-            </a:xfrm>
-            <a:prstGeom prst="rightArrow">
-              <a:avLst/>
-            </a:prstGeom>
-            <a:noFill/>
-            <a:ln>
-              <a:solidFill>
-                <a:srgbClr val="FF0000"/>
-              </a:solidFill>
-            </a:ln>
-          </p:spPr>
-          <p:style>
-            <a:lnRef idx="2">
-              <a:schemeClr val="accent1">
-                <a:shade val="50000"/>
-              </a:schemeClr>
-            </a:lnRef>
-            <a:fillRef idx="1">
-              <a:schemeClr val="accent1"/>
-            </a:fillRef>
-            <a:effectRef idx="0">
-              <a:schemeClr val="accent1"/>
-            </a:effectRef>
-            <a:fontRef idx="minor">
-              <a:schemeClr val="lt1"/>
-            </a:fontRef>
-          </p:style>
-          <p:txBody>
-            <a:bodyPr rtlCol="0" anchor="ctr"/>
-            <a:lstStyle/>
-            <a:p>
-              <a:pPr algn="ctr"/>
-              <a:endParaRPr lang="zh-TW" altLang="en-US"/>
-            </a:p>
-          </p:txBody>
-        </p:sp>
-        <p:sp>
-          <p:nvSpPr>
-            <p:cNvPr id="6" name="向右箭號 5"/>
-            <p:cNvSpPr/>
-            <p:nvPr/>
-          </p:nvSpPr>
-          <p:spPr>
-            <a:xfrm rot="20392875">
-              <a:off x="2712532" y="3991247"/>
-              <a:ext cx="356616" cy="219456"/>
-            </a:xfrm>
-            <a:prstGeom prst="rightArrow">
-              <a:avLst/>
-            </a:prstGeom>
-            <a:noFill/>
-            <a:ln>
-              <a:solidFill>
-                <a:srgbClr val="FF0000"/>
-              </a:solidFill>
-            </a:ln>
-          </p:spPr>
-          <p:style>
-            <a:lnRef idx="2">
-              <a:schemeClr val="accent1">
-                <a:shade val="50000"/>
-              </a:schemeClr>
-            </a:lnRef>
-            <a:fillRef idx="1">
-              <a:schemeClr val="accent1"/>
-            </a:fillRef>
-            <a:effectRef idx="0">
-              <a:schemeClr val="accent1"/>
-            </a:effectRef>
-            <a:fontRef idx="minor">
-              <a:schemeClr val="lt1"/>
-            </a:fontRef>
-          </p:style>
-          <p:txBody>
-            <a:bodyPr rtlCol="0" anchor="ctr"/>
-            <a:lstStyle/>
-            <a:p>
-              <a:pPr algn="ctr"/>
-              <a:endParaRPr lang="zh-TW" altLang="en-US"/>
-            </a:p>
-          </p:txBody>
-        </p:sp>
-      </p:grpSp>
-      <p:sp>
-        <p:nvSpPr>
-          <p:cNvPr id="2" name="標題 1"/>
-          <p:cNvSpPr>
-            <a:spLocks noGrp="1"/>
-          </p:cNvSpPr>
-          <p:nvPr>
-            <p:ph type="title"/>
-          </p:nvPr>
-        </p:nvSpPr>
-        <p:spPr/>
-        <p:txBody>
-          <a:bodyPr/>
-          <a:lstStyle/>
-          <a:p>
-            <a:r>
-              <a:rPr lang="en-US" altLang="zh-TW" dirty="0"/>
-              <a:t>JDK</a:t>
-            </a:r>
-            <a:r>
-              <a:rPr lang="zh-TW" altLang="en-US" dirty="0"/>
-              <a:t>安裝</a:t>
-            </a:r>
-            <a:r>
-              <a:rPr lang="en-US" altLang="zh-TW" dirty="0" smtClean="0"/>
-              <a:t>(4/</a:t>
-            </a:r>
-            <a:r>
-              <a:rPr lang="en-US" altLang="zh-TW" dirty="0"/>
-              <a:t>10</a:t>
-            </a:r>
-            <a:r>
-              <a:rPr lang="en-US" altLang="zh-TW" dirty="0" smtClean="0"/>
-              <a:t>)</a:t>
-            </a:r>
-            <a:endParaRPr lang="zh-TW" altLang="en-US" dirty="0"/>
-          </a:p>
-        </p:txBody>
-      </p:sp>
-    </p:spTree>
-    <p:extLst>
-      <p:ext uri="{BB962C8B-B14F-4D97-AF65-F5344CB8AC3E}">
-        <p14:creationId xmlns:p14="http://schemas.microsoft.com/office/powerpoint/2010/main" val="1161824047"/>
-      </p:ext>
-    </p:extLst>
-  </p:cSld>
-  <p:clrMapOvr>
-    <a:masterClrMapping/>
-  </p:clrMapOvr>
-  <p:timing>
-    <p:tnLst>
-      <p:par>
-        <p:cTn id="1" dur="indefinite" restart="never" nodeType="tmRoot"/>
-      </p:par>
-    </p:tnLst>
-  </p:timing>
-</p:sld>
-</file>
-
-<file path=ppt/slides/slide12.xml><?xml version="1.0" encoding="utf-8"?>
-<p:sld xmlns:a="http://schemas.openxmlformats.org/drawingml/2006/main" xmlns:r="http://schemas.openxmlformats.org/officeDocument/2006/relationships" xmlns:p="http://schemas.openxmlformats.org/presentationml/2006/main">
-  <p:cSld>
-    <p:spTree>
-      <p:nvGrpSpPr>
-        <p:cNvPr id="1" name=""/>
-        <p:cNvGrpSpPr/>
-        <p:nvPr/>
-      </p:nvGrpSpPr>
-      <p:grpSpPr>
-        <a:xfrm>
-          <a:off x="0" y="0"/>
-          <a:ext cx="0" cy="0"/>
-          <a:chOff x="0" y="0"/>
-          <a:chExt cx="0" cy="0"/>
-        </a:xfrm>
-      </p:grpSpPr>
-      <p:sp>
-        <p:nvSpPr>
-          <p:cNvPr id="2" name="標題 1"/>
-          <p:cNvSpPr>
-            <a:spLocks noGrp="1"/>
-          </p:cNvSpPr>
-          <p:nvPr>
-            <p:ph type="title"/>
-          </p:nvPr>
-        </p:nvSpPr>
-        <p:spPr/>
-        <p:txBody>
-          <a:bodyPr/>
-          <a:lstStyle/>
-          <a:p>
-            <a:r>
-              <a:rPr lang="en-US" altLang="zh-TW" dirty="0"/>
-              <a:t>JDK</a:t>
-            </a:r>
-            <a:r>
-              <a:rPr lang="zh-TW" altLang="en-US" dirty="0"/>
-              <a:t>安裝</a:t>
-            </a:r>
-            <a:r>
-              <a:rPr lang="en-US" altLang="zh-TW" dirty="0" smtClean="0"/>
-              <a:t>(5/</a:t>
-            </a:r>
-            <a:r>
-              <a:rPr lang="en-US" altLang="zh-TW" dirty="0"/>
-              <a:t>10</a:t>
-            </a:r>
-            <a:r>
-              <a:rPr lang="en-US" altLang="zh-TW" dirty="0" smtClean="0"/>
-              <a:t>)</a:t>
-            </a:r>
-            <a:endParaRPr lang="zh-TW" altLang="en-US" dirty="0"/>
-          </a:p>
-        </p:txBody>
-      </p:sp>
-      <p:sp>
-        <p:nvSpPr>
-          <p:cNvPr id="3" name="內容版面配置區 2"/>
-          <p:cNvSpPr>
-            <a:spLocks noGrp="1"/>
-          </p:cNvSpPr>
-          <p:nvPr>
-            <p:ph idx="1"/>
-          </p:nvPr>
-        </p:nvSpPr>
-        <p:spPr/>
-        <p:txBody>
-          <a:bodyPr/>
-          <a:lstStyle/>
-          <a:p>
-            <a:r>
-              <a:rPr lang="zh-TW" altLang="en-US" dirty="0" smtClean="0"/>
-              <a:t>要有</a:t>
-            </a:r>
-            <a:r>
-              <a:rPr lang="en-US" altLang="zh-TW" dirty="0" smtClean="0"/>
-              <a:t>Oracle</a:t>
-            </a:r>
-            <a:r>
-              <a:rPr lang="zh-TW" altLang="en-US" dirty="0" smtClean="0"/>
-              <a:t>帳戶才可以下載！</a:t>
-            </a:r>
-            <a:r>
-              <a:rPr lang="en-US" altLang="zh-TW" dirty="0" smtClean="0"/>
-              <a:t>(</a:t>
-            </a:r>
-            <a:r>
-              <a:rPr lang="zh-TW" altLang="en-US" dirty="0" smtClean="0"/>
-              <a:t>昏</a:t>
-            </a:r>
-            <a:r>
-              <a:rPr lang="en-US" altLang="zh-TW" dirty="0" smtClean="0"/>
-              <a:t>)</a:t>
-            </a:r>
-          </a:p>
-          <a:p>
-            <a:r>
-              <a:rPr lang="zh-TW" altLang="en-US" dirty="0" smtClean="0"/>
-              <a:t>一共約</a:t>
-            </a:r>
-            <a:r>
-              <a:rPr lang="en-US" altLang="zh-TW" dirty="0" smtClean="0"/>
-              <a:t>167M</a:t>
-            </a:r>
-            <a:r>
-              <a:rPr lang="zh-TW" altLang="en-US" dirty="0" smtClean="0"/>
-              <a:t>。</a:t>
-            </a:r>
-            <a:endParaRPr lang="en-US" altLang="zh-TW" dirty="0" smtClean="0"/>
-          </a:p>
-          <a:p>
-            <a:endParaRPr lang="en-US" altLang="zh-TW" dirty="0" smtClean="0"/>
-          </a:p>
-          <a:p>
-            <a:endParaRPr lang="en-US" altLang="zh-TW" dirty="0"/>
-          </a:p>
-          <a:p>
-            <a:endParaRPr lang="en-US" altLang="zh-TW" dirty="0" smtClean="0"/>
-          </a:p>
-          <a:p>
-            <a:endParaRPr lang="en-US" altLang="zh-TW" dirty="0"/>
-          </a:p>
-          <a:p>
-            <a:endParaRPr lang="en-US" altLang="zh-TW" dirty="0" smtClean="0"/>
-          </a:p>
-          <a:p>
-            <a:endParaRPr lang="en-US" altLang="zh-TW" dirty="0">
-              <a:solidFill>
-                <a:schemeClr val="tx1"/>
-              </a:solidFill>
-            </a:endParaRPr>
-          </a:p>
-          <a:p>
-            <a:r>
-              <a:rPr lang="zh-TW" altLang="en-US" sz="1400" dirty="0" smtClean="0">
-                <a:solidFill>
-                  <a:schemeClr val="tx1"/>
-                </a:solidFill>
-              </a:rPr>
-              <a:t>網址</a:t>
-            </a:r>
-            <a:r>
-              <a:rPr lang="en-US" altLang="zh-TW" sz="1400" dirty="0" smtClean="0">
-                <a:solidFill>
-                  <a:schemeClr val="tx1"/>
-                </a:solidFill>
-              </a:rPr>
-              <a:t>:</a:t>
-            </a:r>
-            <a:r>
-              <a:rPr lang="en-US" altLang="zh-TW" sz="1400" dirty="0" smtClean="0">
-                <a:solidFill>
-                  <a:schemeClr val="tx1"/>
-                </a:solidFill>
-                <a:hlinkClick r:id="rId2"/>
-              </a:rPr>
-              <a:t>https</a:t>
-            </a:r>
-            <a:r>
-              <a:rPr lang="en-US" altLang="zh-TW" sz="1400" dirty="0">
-                <a:solidFill>
-                  <a:schemeClr val="tx1"/>
-                </a:solidFill>
-                <a:hlinkClick r:id="rId2"/>
-              </a:rPr>
-              <a:t>://drive.google.com/file/d/14OaAHNxH7OaNSuphzqvXZbeGbeAahuVI/view?usp=sharing</a:t>
-            </a:r>
-            <a:endParaRPr lang="zh-TW" altLang="en-US" sz="1400" dirty="0">
-              <a:solidFill>
-                <a:schemeClr val="tx1"/>
-              </a:solidFill>
-            </a:endParaRPr>
-          </a:p>
-        </p:txBody>
-      </p:sp>
-      <p:pic>
-        <p:nvPicPr>
-          <p:cNvPr id="4" name="圖片 3"/>
-          <p:cNvPicPr>
-            <a:picLocks noChangeAspect="1"/>
-          </p:cNvPicPr>
-          <p:nvPr/>
-        </p:nvPicPr>
-        <p:blipFill>
-          <a:blip r:embed="rId3"/>
-          <a:stretch>
-            <a:fillRect/>
-          </a:stretch>
-        </p:blipFill>
-        <p:spPr>
-          <a:xfrm>
-            <a:off x="6428803" y="849423"/>
-            <a:ext cx="3090101" cy="4421712"/>
-          </a:xfrm>
-          <a:prstGeom prst="rect">
-            <a:avLst/>
-          </a:prstGeom>
-          <a:ln>
-            <a:solidFill>
-              <a:schemeClr val="tx1"/>
-            </a:solidFill>
-          </a:ln>
-        </p:spPr>
-      </p:pic>
-    </p:spTree>
-    <p:extLst>
-      <p:ext uri="{BB962C8B-B14F-4D97-AF65-F5344CB8AC3E}">
-        <p14:creationId xmlns:p14="http://schemas.microsoft.com/office/powerpoint/2010/main" val="3669439553"/>
-      </p:ext>
-    </p:extLst>
-  </p:cSld>
-  <p:clrMapOvr>
-    <a:masterClrMapping/>
-  </p:clrMapOvr>
-  <p:timing>
-    <p:tnLst>
-      <p:par>
-        <p:cTn id="1" dur="indefinite" restart="never" nodeType="tmRoot"/>
-      </p:par>
-    </p:tnLst>
-  </p:timing>
-</p:sld>
-</file>
-
-<file path=ppt/slides/slide13.xml><?xml version="1.0" encoding="utf-8"?>
 <p:sld xmlns:a="http://schemas.openxmlformats.org/drawingml/2006/main" xmlns:r="http://schemas.openxmlformats.org/officeDocument/2006/relationships" xmlns:p="http://schemas.openxmlformats.org/presentationml/2006/main">
   <p:cSld>
     <p:spTree>
@@ -7462,7 +6673,7 @@
 </p:sld>
 </file>
 
-<file path=ppt/slides/slide14.xml><?xml version="1.0" encoding="utf-8"?>
+<file path=ppt/slides/slide11.xml><?xml version="1.0" encoding="utf-8"?>
 <p:sld xmlns:a="http://schemas.openxmlformats.org/drawingml/2006/main" xmlns:r="http://schemas.openxmlformats.org/officeDocument/2006/relationships" xmlns:p="http://schemas.openxmlformats.org/presentationml/2006/main">
   <p:cSld>
     <p:spTree>
@@ -7764,7 +6975,7 @@
 </p:sld>
 </file>
 
-<file path=ppt/slides/slide15.xml><?xml version="1.0" encoding="utf-8"?>
+<file path=ppt/slides/slide12.xml><?xml version="1.0" encoding="utf-8"?>
 <p:sld xmlns:a="http://schemas.openxmlformats.org/drawingml/2006/main" xmlns:r="http://schemas.openxmlformats.org/officeDocument/2006/relationships" xmlns:p="http://schemas.openxmlformats.org/presentationml/2006/main">
   <p:cSld>
     <p:spTree>
@@ -8211,7 +7422,7 @@
 </p:sld>
 </file>
 
-<file path=ppt/slides/slide16.xml><?xml version="1.0" encoding="utf-8"?>
+<file path=ppt/slides/slide13.xml><?xml version="1.0" encoding="utf-8"?>
 <p:sld xmlns:a="http://schemas.openxmlformats.org/drawingml/2006/main" xmlns:r="http://schemas.openxmlformats.org/officeDocument/2006/relationships" xmlns:p="http://schemas.openxmlformats.org/presentationml/2006/main">
   <p:cSld>
     <p:spTree>
@@ -8719,7 +7930,7 @@
 </p:sld>
 </file>
 
-<file path=ppt/slides/slide17.xml><?xml version="1.0" encoding="utf-8"?>
+<file path=ppt/slides/slide14.xml><?xml version="1.0" encoding="utf-8"?>
 <p:sld xmlns:a="http://schemas.openxmlformats.org/drawingml/2006/main" xmlns:r="http://schemas.openxmlformats.org/officeDocument/2006/relationships" xmlns:p="http://schemas.openxmlformats.org/presentationml/2006/main">
   <p:cSld>
     <p:spTree>
@@ -9274,7 +8485,7 @@
 </p:sld>
 </file>
 
-<file path=ppt/slides/slide18.xml><?xml version="1.0" encoding="utf-8"?>
+<file path=ppt/slides/slide15.xml><?xml version="1.0" encoding="utf-8"?>
 <p:sld xmlns:a="http://schemas.openxmlformats.org/drawingml/2006/main" xmlns:r="http://schemas.openxmlformats.org/officeDocument/2006/relationships" xmlns:p="http://schemas.openxmlformats.org/presentationml/2006/main">
   <p:cSld>
     <p:spTree>
@@ -9357,7 +8568,7 @@
 </p:sld>
 </file>
 
-<file path=ppt/slides/slide19.xml><?xml version="1.0" encoding="utf-8"?>
+<file path=ppt/slides/slide16.xml><?xml version="1.0" encoding="utf-8"?>
 <p:sld xmlns:a="http://schemas.openxmlformats.org/drawingml/2006/main" xmlns:r="http://schemas.openxmlformats.org/officeDocument/2006/relationships" xmlns:p="http://schemas.openxmlformats.org/presentationml/2006/main">
   <p:cSld>
     <p:spTree>
@@ -9374,93 +8585,9 @@
           <a:chExt cx="0" cy="0"/>
         </a:xfrm>
       </p:grpSpPr>
-      <p:sp>
-        <p:nvSpPr>
-          <p:cNvPr id="2" name="標題 1"/>
-          <p:cNvSpPr>
-            <a:spLocks noGrp="1"/>
-          </p:cNvSpPr>
-          <p:nvPr>
-            <p:ph type="title"/>
-          </p:nvPr>
-        </p:nvSpPr>
-        <p:spPr/>
-        <p:txBody>
-          <a:bodyPr/>
-          <a:lstStyle/>
-          <a:p>
-            <a:r>
-              <a:rPr lang="en-US" altLang="zh-TW" dirty="0" smtClean="0"/>
-              <a:t>Eclipse Java</a:t>
-            </a:r>
-            <a:r>
-              <a:rPr lang="zh-TW" altLang="en-US" dirty="0" smtClean="0"/>
-              <a:t>安裝</a:t>
-            </a:r>
-            <a:r>
-              <a:rPr lang="en-US" altLang="zh-TW" dirty="0" smtClean="0"/>
-              <a:t>(1/4)</a:t>
-            </a:r>
-            <a:endParaRPr lang="zh-TW" altLang="en-US" dirty="0"/>
-          </a:p>
-        </p:txBody>
-      </p:sp>
-      <p:sp>
-        <p:nvSpPr>
-          <p:cNvPr id="3" name="內容版面配置區 2"/>
-          <p:cNvSpPr>
-            <a:spLocks noGrp="1"/>
-          </p:cNvSpPr>
-          <p:nvPr>
-            <p:ph idx="1"/>
-          </p:nvPr>
-        </p:nvSpPr>
-        <p:spPr/>
-        <p:txBody>
-          <a:bodyPr/>
-          <a:lstStyle/>
-          <a:p>
-            <a:r>
-              <a:rPr lang="zh-TW" altLang="en-US" dirty="0" smtClean="0"/>
-              <a:t>以關鍵字</a:t>
-            </a:r>
-            <a:r>
-              <a:rPr lang="en-US" altLang="zh-TW" dirty="0" smtClean="0"/>
-              <a:t>Eclipse</a:t>
-            </a:r>
-            <a:r>
-              <a:rPr lang="zh-TW" altLang="en-US" dirty="0" smtClean="0"/>
-              <a:t>搜尋，第一個應該就是</a:t>
-            </a:r>
-            <a:r>
-              <a:rPr lang="en-US" altLang="zh-TW" dirty="0" smtClean="0"/>
-              <a:t>Eclipse</a:t>
-            </a:r>
-            <a:r>
-              <a:rPr lang="zh-TW" altLang="en-US" dirty="0" smtClean="0"/>
-              <a:t>官方網頁。點選</a:t>
-            </a:r>
-            <a:r>
-              <a:rPr lang="en-US" altLang="zh-TW" dirty="0" smtClean="0"/>
-              <a:t>Installer</a:t>
-            </a:r>
-            <a:r>
-              <a:rPr lang="zh-TW" altLang="en-US" dirty="0" smtClean="0"/>
-              <a:t>。</a:t>
-            </a:r>
-            <a:endParaRPr lang="en-US" altLang="zh-TW" dirty="0" smtClean="0"/>
-          </a:p>
-          <a:p>
-            <a:endParaRPr lang="en-US" altLang="zh-TW" dirty="0" smtClean="0"/>
-          </a:p>
-          <a:p>
-            <a:endParaRPr lang="en-US" altLang="zh-TW" dirty="0" smtClean="0"/>
-          </a:p>
-        </p:txBody>
-      </p:sp>
       <p:pic>
         <p:nvPicPr>
-          <p:cNvPr id="14" name="圖片 13"/>
+          <p:cNvPr id="4" name="圖片 3"/>
           <p:cNvPicPr>
             <a:picLocks noChangeAspect="1"/>
           </p:cNvPicPr>
@@ -9474,8 +8601,8 @@
         </p:blipFill>
         <p:spPr>
           <a:xfrm>
-            <a:off x="2278381" y="2627302"/>
-            <a:ext cx="5731764" cy="3815053"/>
+            <a:off x="1002840" y="2703241"/>
+            <a:ext cx="7474588" cy="3568310"/>
           </a:xfrm>
           <a:prstGeom prst="rect">
             <a:avLst/>
@@ -9489,14 +8616,87 @@
       </p:pic>
       <p:sp>
         <p:nvSpPr>
+          <p:cNvPr id="2" name="標題 1"/>
+          <p:cNvSpPr>
+            <a:spLocks noGrp="1"/>
+          </p:cNvSpPr>
+          <p:nvPr>
+            <p:ph type="title"/>
+          </p:nvPr>
+        </p:nvSpPr>
+        <p:spPr/>
+        <p:txBody>
+          <a:bodyPr/>
+          <a:lstStyle/>
+          <a:p>
+            <a:r>
+              <a:rPr lang="en-US" altLang="zh-TW" dirty="0" smtClean="0"/>
+              <a:t>Eclipse Java</a:t>
+            </a:r>
+            <a:r>
+              <a:rPr lang="zh-TW" altLang="en-US" dirty="0" smtClean="0"/>
+              <a:t>安裝</a:t>
+            </a:r>
+            <a:r>
+              <a:rPr lang="en-US" altLang="zh-TW" dirty="0" smtClean="0"/>
+              <a:t>(1/4)</a:t>
+            </a:r>
+            <a:endParaRPr lang="zh-TW" altLang="en-US" dirty="0"/>
+          </a:p>
+        </p:txBody>
+      </p:sp>
+      <p:sp>
+        <p:nvSpPr>
+          <p:cNvPr id="3" name="內容版面配置區 2"/>
+          <p:cNvSpPr>
+            <a:spLocks noGrp="1"/>
+          </p:cNvSpPr>
+          <p:nvPr>
+            <p:ph idx="1"/>
+          </p:nvPr>
+        </p:nvSpPr>
+        <p:spPr/>
+        <p:txBody>
+          <a:bodyPr/>
+          <a:lstStyle/>
+          <a:p>
+            <a:r>
+              <a:rPr lang="zh-TW" altLang="en-US" dirty="0" smtClean="0"/>
+              <a:t>以關鍵字</a:t>
+            </a:r>
+            <a:r>
+              <a:rPr lang="en-US" altLang="zh-TW" dirty="0" smtClean="0"/>
+              <a:t>eclipse java</a:t>
+            </a:r>
+            <a:r>
+              <a:rPr lang="zh-TW" altLang="en-US" dirty="0" smtClean="0"/>
+              <a:t>搜尋，第一個應該就是</a:t>
+            </a:r>
+            <a:r>
+              <a:rPr lang="en-US" altLang="zh-TW" dirty="0" smtClean="0"/>
+              <a:t>Eclipse</a:t>
+            </a:r>
+            <a:r>
+              <a:rPr lang="zh-TW" altLang="en-US" dirty="0" smtClean="0"/>
+              <a:t>官方網頁。</a:t>
+            </a:r>
+            <a:endParaRPr lang="en-US" altLang="zh-TW" dirty="0" smtClean="0"/>
+          </a:p>
+          <a:p>
+            <a:endParaRPr lang="en-US" altLang="zh-TW" dirty="0" smtClean="0"/>
+          </a:p>
+        </p:txBody>
+      </p:sp>
+      <p:sp>
+        <p:nvSpPr>
           <p:cNvPr id="15" name="矩形 14"/>
           <p:cNvSpPr/>
           <p:nvPr/>
         </p:nvSpPr>
         <p:spPr>
           <a:xfrm>
-            <a:off x="4975668" y="4910328"/>
-            <a:ext cx="2147508" cy="822960"/>
+            <a:off x="2403382" y="4192481"/>
+            <a:ext cx="5313469" cy="986269"/>
           </a:xfrm>
           <a:prstGeom prst="rect">
             <a:avLst/>
@@ -9553,7 +8753,7 @@
 </p:sld>
 </file>
 
-<file path=ppt/slides/slide2.xml><?xml version="1.0" encoding="utf-8"?>
+<file path=ppt/slides/slide17.xml><?xml version="1.0" encoding="utf-8"?>
 <p:sld xmlns:a="http://schemas.openxmlformats.org/drawingml/2006/main" xmlns:r="http://schemas.openxmlformats.org/officeDocument/2006/relationships" xmlns:p="http://schemas.openxmlformats.org/presentationml/2006/main">
   <p:cSld>
     <p:spTree>
@@ -9572,182 +8772,6 @@
       </p:grpSpPr>
       <p:sp>
         <p:nvSpPr>
-          <p:cNvPr id="4" name="標題 3"/>
-          <p:cNvSpPr>
-            <a:spLocks noGrp="1"/>
-          </p:cNvSpPr>
-          <p:nvPr>
-            <p:ph type="title"/>
-          </p:nvPr>
-        </p:nvSpPr>
-        <p:spPr/>
-        <p:txBody>
-          <a:bodyPr/>
-          <a:lstStyle/>
-          <a:p>
-            <a:r>
-              <a:rPr lang="zh-TW" altLang="en-US" dirty="0" smtClean="0"/>
-              <a:t>程式語言排行榜</a:t>
-            </a:r>
-            <a:endParaRPr lang="zh-TW" altLang="en-US" dirty="0"/>
-          </a:p>
-        </p:txBody>
-      </p:sp>
-      <p:sp>
-        <p:nvSpPr>
-          <p:cNvPr id="24" name="內容版面配置區 23"/>
-          <p:cNvSpPr>
-            <a:spLocks noGrp="1"/>
-          </p:cNvSpPr>
-          <p:nvPr>
-            <p:ph idx="1"/>
-          </p:nvPr>
-        </p:nvSpPr>
-        <p:spPr>
-          <a:xfrm>
-            <a:off x="6096000" y="2160589"/>
-            <a:ext cx="4273296" cy="3965891"/>
-          </a:xfrm>
-        </p:spPr>
-        <p:txBody>
-          <a:bodyPr/>
-          <a:lstStyle/>
-          <a:p>
-            <a:r>
-              <a:rPr lang="en-US" altLang="zh-TW" dirty="0"/>
-              <a:t>TIOBE</a:t>
-            </a:r>
-            <a:r>
-              <a:rPr lang="zh-TW" altLang="en-US" dirty="0"/>
-              <a:t>編程社區索引是編程語言受歡迎程度的指標。索引每月更新一次。評級基於全球熟練的工程師，課程和第三方供應商的數量。諸如</a:t>
-            </a:r>
-            <a:r>
-              <a:rPr lang="en-US" altLang="zh-TW" dirty="0"/>
-              <a:t>Google</a:t>
-            </a:r>
-            <a:r>
-              <a:rPr lang="zh-TW" altLang="en-US" dirty="0"/>
-              <a:t>，</a:t>
-            </a:r>
-            <a:r>
-              <a:rPr lang="en-US" altLang="zh-TW" dirty="0"/>
-              <a:t>Bing</a:t>
-            </a:r>
-            <a:r>
-              <a:rPr lang="zh-TW" altLang="en-US" dirty="0"/>
-              <a:t>，</a:t>
-            </a:r>
-            <a:r>
-              <a:rPr lang="en-US" altLang="zh-TW" dirty="0"/>
-              <a:t>Yahoo</a:t>
-            </a:r>
-            <a:r>
-              <a:rPr lang="zh-TW" altLang="en-US" dirty="0"/>
-              <a:t>！，</a:t>
-            </a:r>
-            <a:r>
-              <a:rPr lang="en-US" altLang="zh-TW" dirty="0"/>
-              <a:t>Wikipedia</a:t>
-            </a:r>
-            <a:r>
-              <a:rPr lang="zh-TW" altLang="en-US" dirty="0"/>
-              <a:t>，</a:t>
-            </a:r>
-            <a:r>
-              <a:rPr lang="en-US" altLang="zh-TW" dirty="0"/>
-              <a:t>Amazon</a:t>
-            </a:r>
-            <a:r>
-              <a:rPr lang="zh-TW" altLang="en-US" dirty="0"/>
-              <a:t>，</a:t>
-            </a:r>
-            <a:r>
-              <a:rPr lang="en-US" altLang="zh-TW" dirty="0"/>
-              <a:t>YouTube</a:t>
-            </a:r>
-            <a:r>
-              <a:rPr lang="zh-TW" altLang="en-US" dirty="0"/>
-              <a:t>和</a:t>
-            </a:r>
-            <a:r>
-              <a:rPr lang="en-US" altLang="zh-TW" dirty="0"/>
-              <a:t>Baidu</a:t>
-            </a:r>
-            <a:r>
-              <a:rPr lang="zh-TW" altLang="en-US" dirty="0"/>
-              <a:t>等流行的搜索引擎用於計算評分。</a:t>
-            </a:r>
-          </a:p>
-        </p:txBody>
-      </p:sp>
-      <p:pic>
-        <p:nvPicPr>
-          <p:cNvPr id="23" name="圖片 22"/>
-          <p:cNvPicPr>
-            <a:picLocks noChangeAspect="1"/>
-          </p:cNvPicPr>
-          <p:nvPr/>
-        </p:nvPicPr>
-        <p:blipFill>
-          <a:blip r:embed="rId2"/>
-          <a:stretch>
-            <a:fillRect/>
-          </a:stretch>
-        </p:blipFill>
-        <p:spPr>
-          <a:xfrm>
-            <a:off x="388620" y="1508630"/>
-            <a:ext cx="5564124" cy="5097719"/>
-          </a:xfrm>
-          <a:prstGeom prst="rect">
-            <a:avLst/>
-          </a:prstGeom>
-          <a:ln>
-            <a:solidFill>
-              <a:schemeClr val="tx1"/>
-            </a:solidFill>
-          </a:ln>
-        </p:spPr>
-      </p:pic>
-    </p:spTree>
-    <p:extLst>
-      <p:ext uri="{BB962C8B-B14F-4D97-AF65-F5344CB8AC3E}">
-        <p14:creationId xmlns:p14="http://schemas.microsoft.com/office/powerpoint/2010/main" val="823597170"/>
-      </p:ext>
-    </p:extLst>
-  </p:cSld>
-  <p:clrMapOvr>
-    <a:masterClrMapping/>
-  </p:clrMapOvr>
-  <p:timing>
-    <p:tnLst>
-      <p:par>
-        <p:cTn id="1" dur="indefinite" restart="never" nodeType="tmRoot"/>
-      </p:par>
-    </p:tnLst>
-  </p:timing>
-</p:sld>
-</file>
-
-<file path=ppt/slides/slide20.xml><?xml version="1.0" encoding="utf-8"?>
-<p:sld xmlns:a="http://schemas.openxmlformats.org/drawingml/2006/main" xmlns:r="http://schemas.openxmlformats.org/officeDocument/2006/relationships" xmlns:p="http://schemas.openxmlformats.org/presentationml/2006/main">
-  <p:cSld>
-    <p:spTree>
-      <p:nvGrpSpPr>
-        <p:cNvPr id="1" name=""/>
-        <p:cNvGrpSpPr/>
-        <p:nvPr/>
-      </p:nvGrpSpPr>
-      <p:grpSpPr>
-        <a:xfrm>
-          <a:off x="0" y="0"/>
-          <a:ext cx="0" cy="0"/>
-          <a:chOff x="0" y="0"/>
-          <a:chExt cx="0" cy="0"/>
-        </a:xfrm>
-      </p:grpSpPr>
-      <p:sp>
-        <p:nvSpPr>
           <p:cNvPr id="2" name="標題 1"/>
           <p:cNvSpPr>
             <a:spLocks noGrp="1"/>
@@ -9794,31 +8818,23 @@
           <a:p>
             <a:r>
               <a:rPr lang="zh-TW" altLang="en-US" dirty="0" smtClean="0"/>
-              <a:t>點選</a:t>
+              <a:t>點選右邊</a:t>
+            </a:r>
+            <a:r>
+              <a:rPr lang="en-US" altLang="zh-TW" dirty="0"/>
+              <a:t>The Eclipse Installer</a:t>
+            </a:r>
+            <a:r>
+              <a:rPr lang="zh-TW" altLang="en-US" dirty="0" smtClean="0"/>
+              <a:t>有含</a:t>
             </a:r>
             <a:r>
               <a:rPr lang="en-US" altLang="zh-TW" dirty="0" smtClean="0"/>
-              <a:t>Windows</a:t>
+              <a:t>JRE</a:t>
             </a:r>
             <a:r>
               <a:rPr lang="zh-TW" altLang="en-US" dirty="0" smtClean="0"/>
-              <a:t>版本。新版</a:t>
-            </a:r>
-            <a:r>
-              <a:rPr lang="en-US" altLang="zh-TW" dirty="0" smtClean="0"/>
-              <a:t>Eclipse</a:t>
-            </a:r>
-            <a:r>
-              <a:rPr lang="zh-TW" altLang="en-US" dirty="0" smtClean="0"/>
-              <a:t>目前只提供</a:t>
-            </a:r>
-            <a:r>
-              <a:rPr lang="en-US" altLang="zh-TW" dirty="0" smtClean="0"/>
-              <a:t>x86_64</a:t>
-            </a:r>
-            <a:r>
-              <a:rPr lang="zh-TW" altLang="en-US" dirty="0" smtClean="0"/>
-              <a:t>版本了喔！</a:t>
+              <a:t>的版本！</a:t>
             </a:r>
             <a:endParaRPr lang="en-US" altLang="zh-TW" dirty="0" smtClean="0"/>
           </a:p>
@@ -9848,131 +8864,6 @@
               <a:t>102M)</a:t>
             </a:r>
             <a:endParaRPr lang="zh-TW" altLang="en-US" dirty="0"/>
-          </a:p>
-        </p:txBody>
-      </p:sp>
-      <p:pic>
-        <p:nvPicPr>
-          <p:cNvPr id="4" name="圖片 3"/>
-          <p:cNvPicPr>
-            <a:picLocks noChangeAspect="1"/>
-          </p:cNvPicPr>
-          <p:nvPr/>
-        </p:nvPicPr>
-        <p:blipFill>
-          <a:blip r:embed="rId2"/>
-          <a:stretch>
-            <a:fillRect/>
-          </a:stretch>
-        </p:blipFill>
-        <p:spPr>
-          <a:xfrm>
-            <a:off x="5430774" y="3023075"/>
-            <a:ext cx="6761226" cy="3834925"/>
-          </a:xfrm>
-          <a:prstGeom prst="rect">
-            <a:avLst/>
-          </a:prstGeom>
-          <a:ln>
-            <a:solidFill>
-              <a:schemeClr val="tx1"/>
-            </a:solidFill>
-          </a:ln>
-        </p:spPr>
-      </p:pic>
-      <p:sp>
-        <p:nvSpPr>
-          <p:cNvPr id="6" name="向右箭號 5"/>
-          <p:cNvSpPr/>
-          <p:nvPr/>
-        </p:nvSpPr>
-        <p:spPr>
-          <a:xfrm rot="10800000">
-            <a:off x="11222082" y="5879974"/>
-            <a:ext cx="512064" cy="335506"/>
-          </a:xfrm>
-          <a:prstGeom prst="rightArrow">
-            <a:avLst/>
-          </a:prstGeom>
-          <a:solidFill>
-            <a:srgbClr val="FF0000"/>
-          </a:solidFill>
-          <a:ln>
-            <a:solidFill>
-              <a:srgbClr val="FF0000"/>
-            </a:solidFill>
-          </a:ln>
-        </p:spPr>
-        <p:style>
-          <a:lnRef idx="2">
-            <a:schemeClr val="accent1">
-              <a:shade val="50000"/>
-            </a:schemeClr>
-          </a:lnRef>
-          <a:fillRef idx="1">
-            <a:schemeClr val="accent1"/>
-          </a:fillRef>
-          <a:effectRef idx="0">
-            <a:schemeClr val="accent1"/>
-          </a:effectRef>
-          <a:fontRef idx="minor">
-            <a:schemeClr val="lt1"/>
-          </a:fontRef>
-        </p:style>
-        <p:txBody>
-          <a:bodyPr rtlCol="0" anchor="ctr"/>
-          <a:lstStyle/>
-          <a:p>
-            <a:pPr algn="ctr"/>
-            <a:endParaRPr lang="zh-TW" altLang="en-US">
-              <a:solidFill>
-                <a:schemeClr val="accent5">
-                  <a:lumMod val="40000"/>
-                  <a:lumOff val="60000"/>
-                </a:schemeClr>
-              </a:solidFill>
-            </a:endParaRPr>
-          </a:p>
-        </p:txBody>
-      </p:sp>
-      <p:sp>
-        <p:nvSpPr>
-          <p:cNvPr id="9" name="文字方塊 8"/>
-          <p:cNvSpPr txBox="1"/>
-          <p:nvPr/>
-        </p:nvSpPr>
-        <p:spPr>
-          <a:xfrm>
-            <a:off x="11324867" y="5524998"/>
-            <a:ext cx="306494" cy="369332"/>
-          </a:xfrm>
-          <a:prstGeom prst="rect">
-            <a:avLst/>
-          </a:prstGeom>
-          <a:noFill/>
-          <a:ln>
-            <a:noFill/>
-          </a:ln>
-        </p:spPr>
-        <p:txBody>
-          <a:bodyPr wrap="none" rtlCol="0">
-            <a:spAutoFit/>
-          </a:bodyPr>
-          <a:lstStyle/>
-          <a:p>
-            <a:r>
-              <a:rPr lang="en-US" altLang="zh-TW" dirty="0" smtClean="0">
-                <a:solidFill>
-                  <a:srgbClr val="FF0000"/>
-                </a:solidFill>
-              </a:rPr>
-              <a:t>1</a:t>
-            </a:r>
-            <a:endParaRPr lang="zh-TW" altLang="en-US" dirty="0">
-              <a:solidFill>
-                <a:srgbClr val="FF0000"/>
-              </a:solidFill>
-            </a:endParaRPr>
           </a:p>
         </p:txBody>
       </p:sp>
@@ -9999,7 +8890,7 @@
             <p:nvPr/>
           </p:nvPicPr>
           <p:blipFill>
-            <a:blip r:embed="rId3"/>
+            <a:blip r:embed="rId2"/>
             <a:stretch>
               <a:fillRect/>
             </a:stretch>
@@ -10156,6 +9047,205 @@
           </p:txBody>
         </p:sp>
       </p:grpSp>
+      <p:pic>
+        <p:nvPicPr>
+          <p:cNvPr id="10" name="圖片 9"/>
+          <p:cNvPicPr>
+            <a:picLocks noChangeAspect="1"/>
+          </p:cNvPicPr>
+          <p:nvPr/>
+        </p:nvPicPr>
+        <p:blipFill>
+          <a:blip r:embed="rId3"/>
+          <a:stretch>
+            <a:fillRect/>
+          </a:stretch>
+        </p:blipFill>
+        <p:spPr>
+          <a:xfrm>
+            <a:off x="5562457" y="2988932"/>
+            <a:ext cx="5333822" cy="3673020"/>
+          </a:xfrm>
+          <a:prstGeom prst="rect">
+            <a:avLst/>
+          </a:prstGeom>
+          <a:ln>
+            <a:solidFill>
+              <a:schemeClr val="tx1"/>
+            </a:solidFill>
+          </a:ln>
+        </p:spPr>
+      </p:pic>
+      <p:sp>
+        <p:nvSpPr>
+          <p:cNvPr id="6" name="向右箭號 5"/>
+          <p:cNvSpPr/>
+          <p:nvPr/>
+        </p:nvSpPr>
+        <p:spPr>
+          <a:xfrm rot="10800000">
+            <a:off x="10685797" y="6189398"/>
+            <a:ext cx="512064" cy="335506"/>
+          </a:xfrm>
+          <a:prstGeom prst="rightArrow">
+            <a:avLst/>
+          </a:prstGeom>
+          <a:solidFill>
+            <a:srgbClr val="FF0000"/>
+          </a:solidFill>
+          <a:ln>
+            <a:solidFill>
+              <a:srgbClr val="FF0000"/>
+            </a:solidFill>
+          </a:ln>
+        </p:spPr>
+        <p:style>
+          <a:lnRef idx="2">
+            <a:schemeClr val="accent1">
+              <a:shade val="50000"/>
+            </a:schemeClr>
+          </a:lnRef>
+          <a:fillRef idx="1">
+            <a:schemeClr val="accent1"/>
+          </a:fillRef>
+          <a:effectRef idx="0">
+            <a:schemeClr val="accent1"/>
+          </a:effectRef>
+          <a:fontRef idx="minor">
+            <a:schemeClr val="lt1"/>
+          </a:fontRef>
+        </p:style>
+        <p:txBody>
+          <a:bodyPr rtlCol="0" anchor="ctr"/>
+          <a:lstStyle/>
+          <a:p>
+            <a:pPr algn="ctr"/>
+            <a:endParaRPr lang="zh-TW" altLang="en-US">
+              <a:solidFill>
+                <a:schemeClr val="accent5">
+                  <a:lumMod val="40000"/>
+                  <a:lumOff val="60000"/>
+                </a:schemeClr>
+              </a:solidFill>
+            </a:endParaRPr>
+          </a:p>
+        </p:txBody>
+      </p:sp>
+      <p:sp>
+        <p:nvSpPr>
+          <p:cNvPr id="9" name="文字方塊 8"/>
+          <p:cNvSpPr txBox="1"/>
+          <p:nvPr/>
+        </p:nvSpPr>
+        <p:spPr>
+          <a:xfrm>
+            <a:off x="10893823" y="5867685"/>
+            <a:ext cx="306494" cy="369332"/>
+          </a:xfrm>
+          <a:prstGeom prst="rect">
+            <a:avLst/>
+          </a:prstGeom>
+          <a:noFill/>
+          <a:ln>
+            <a:noFill/>
+          </a:ln>
+        </p:spPr>
+        <p:txBody>
+          <a:bodyPr wrap="none" rtlCol="0">
+            <a:spAutoFit/>
+          </a:bodyPr>
+          <a:lstStyle/>
+          <a:p>
+            <a:r>
+              <a:rPr lang="en-US" altLang="zh-TW" dirty="0" smtClean="0">
+                <a:solidFill>
+                  <a:srgbClr val="FF0000"/>
+                </a:solidFill>
+              </a:rPr>
+              <a:t>1</a:t>
+            </a:r>
+            <a:endParaRPr lang="zh-TW" altLang="en-US" dirty="0">
+              <a:solidFill>
+                <a:srgbClr val="FF0000"/>
+              </a:solidFill>
+            </a:endParaRPr>
+          </a:p>
+        </p:txBody>
+      </p:sp>
+      <p:sp>
+        <p:nvSpPr>
+          <p:cNvPr id="13" name="文字方塊 12"/>
+          <p:cNvSpPr txBox="1"/>
+          <p:nvPr/>
+        </p:nvSpPr>
+        <p:spPr>
+          <a:xfrm>
+            <a:off x="8284647" y="2488477"/>
+            <a:ext cx="1800493" cy="369332"/>
+          </a:xfrm>
+          <a:prstGeom prst="rect">
+            <a:avLst/>
+          </a:prstGeom>
+          <a:noFill/>
+        </p:spPr>
+        <p:txBody>
+          <a:bodyPr wrap="none" rtlCol="0">
+            <a:spAutoFit/>
+          </a:bodyPr>
+          <a:lstStyle/>
+          <a:p>
+            <a:r>
+              <a:rPr lang="zh-TW" altLang="en-US" b="1" dirty="0" smtClean="0">
+                <a:solidFill>
+                  <a:srgbClr val="FF0000"/>
+                </a:solidFill>
+              </a:rPr>
+              <a:t>不要選這個喔！</a:t>
+            </a:r>
+            <a:endParaRPr lang="zh-TW" altLang="en-US" b="1" dirty="0">
+              <a:solidFill>
+                <a:srgbClr val="FF0000"/>
+              </a:solidFill>
+            </a:endParaRPr>
+          </a:p>
+        </p:txBody>
+      </p:sp>
+      <p:cxnSp>
+        <p:nvCxnSpPr>
+          <p:cNvPr id="15" name="直線單箭頭接點 14"/>
+          <p:cNvCxnSpPr/>
+          <p:nvPr/>
+        </p:nvCxnSpPr>
+        <p:spPr>
+          <a:xfrm>
+            <a:off x="9032905" y="2871387"/>
+            <a:ext cx="151989" cy="1871995"/>
+          </a:xfrm>
+          <a:prstGeom prst="straightConnector1">
+            <a:avLst/>
+          </a:prstGeom>
+          <a:ln>
+            <a:solidFill>
+              <a:schemeClr val="tx1"/>
+            </a:solidFill>
+            <a:tailEnd type="triangle"/>
+          </a:ln>
+        </p:spPr>
+        <p:style>
+          <a:lnRef idx="1">
+            <a:schemeClr val="accent1"/>
+          </a:lnRef>
+          <a:fillRef idx="0">
+            <a:schemeClr val="accent1"/>
+          </a:fillRef>
+          <a:effectRef idx="0">
+            <a:schemeClr val="accent1"/>
+          </a:effectRef>
+          <a:fontRef idx="minor">
+            <a:schemeClr val="tx1"/>
+          </a:fontRef>
+        </p:style>
+      </p:cxnSp>
     </p:spTree>
     <p:extLst>
       <p:ext uri="{BB962C8B-B14F-4D97-AF65-F5344CB8AC3E}">
@@ -10244,7 +9334,7 @@
 </p:sld>
 </file>
 
-<file path=ppt/slides/slide21.xml><?xml version="1.0" encoding="utf-8"?>
+<file path=ppt/slides/slide18.xml><?xml version="1.0" encoding="utf-8"?>
 <p:sld xmlns:a="http://schemas.openxmlformats.org/drawingml/2006/main" xmlns:r="http://schemas.openxmlformats.org/officeDocument/2006/relationships" xmlns:p="http://schemas.openxmlformats.org/presentationml/2006/main">
   <p:cSld>
     <p:spTree>
@@ -10744,7 +9834,7 @@
 </p:sld>
 </file>
 
-<file path=ppt/slides/slide22.xml><?xml version="1.0" encoding="utf-8"?>
+<file path=ppt/slides/slide19.xml><?xml version="1.0" encoding="utf-8"?>
 <p:sld xmlns:a="http://schemas.openxmlformats.org/drawingml/2006/main" xmlns:r="http://schemas.openxmlformats.org/officeDocument/2006/relationships" xmlns:p="http://schemas.openxmlformats.org/presentationml/2006/main">
   <p:cSld>
     <p:spTree>
@@ -11242,7 +10332,357 @@
 </p:sld>
 </file>
 
-<file path=ppt/slides/slide23.xml><?xml version="1.0" encoding="utf-8"?>
+<file path=ppt/slides/slide2.xml><?xml version="1.0" encoding="utf-8"?>
+<p:sld xmlns:a="http://schemas.openxmlformats.org/drawingml/2006/main" xmlns:r="http://schemas.openxmlformats.org/officeDocument/2006/relationships" xmlns:p="http://schemas.openxmlformats.org/presentationml/2006/main">
+  <p:cSld>
+    <p:spTree>
+      <p:nvGrpSpPr>
+        <p:cNvPr id="1" name=""/>
+        <p:cNvGrpSpPr/>
+        <p:nvPr/>
+      </p:nvGrpSpPr>
+      <p:grpSpPr>
+        <a:xfrm>
+          <a:off x="0" y="0"/>
+          <a:ext cx="0" cy="0"/>
+          <a:chOff x="0" y="0"/>
+          <a:chExt cx="0" cy="0"/>
+        </a:xfrm>
+      </p:grpSpPr>
+      <p:sp>
+        <p:nvSpPr>
+          <p:cNvPr id="2" name="標題 1"/>
+          <p:cNvSpPr>
+            <a:spLocks noGrp="1"/>
+          </p:cNvSpPr>
+          <p:nvPr>
+            <p:ph type="title"/>
+          </p:nvPr>
+        </p:nvSpPr>
+        <p:spPr/>
+        <p:txBody>
+          <a:bodyPr/>
+          <a:lstStyle/>
+          <a:p>
+            <a:r>
+              <a:rPr lang="zh-TW" altLang="en-US" dirty="0" smtClean="0"/>
+              <a:t>常見的</a:t>
+            </a:r>
+            <a:r>
+              <a:rPr lang="en-US" altLang="zh-TW" dirty="0" smtClean="0"/>
+              <a:t>Java IDE</a:t>
+            </a:r>
+            <a:r>
+              <a:rPr lang="zh-TW" altLang="en-US" dirty="0" smtClean="0"/>
+              <a:t>工具</a:t>
+            </a:r>
+            <a:endParaRPr lang="zh-TW" altLang="en-US" dirty="0"/>
+          </a:p>
+        </p:txBody>
+      </p:sp>
+      <p:sp>
+        <p:nvSpPr>
+          <p:cNvPr id="3" name="內容版面配置區 2"/>
+          <p:cNvSpPr>
+            <a:spLocks noGrp="1"/>
+          </p:cNvSpPr>
+          <p:nvPr>
+            <p:ph idx="1"/>
+          </p:nvPr>
+        </p:nvSpPr>
+        <p:spPr/>
+        <p:txBody>
+          <a:bodyPr/>
+          <a:lstStyle/>
+          <a:p>
+            <a:r>
+              <a:rPr lang="en-US" altLang="zh-TW" dirty="0" smtClean="0"/>
+              <a:t>IntelliJ </a:t>
+            </a:r>
+            <a:r>
+              <a:rPr lang="en-US" altLang="zh-TW" dirty="0"/>
+              <a:t>IDEA</a:t>
+            </a:r>
+          </a:p>
+          <a:p>
+            <a:pPr lvl="1"/>
+            <a:r>
+              <a:rPr lang="zh-TW" altLang="en-US" dirty="0"/>
+              <a:t>兩個版本：免費的社區版和付費的終極版</a:t>
+            </a:r>
+            <a:r>
+              <a:rPr lang="zh-TW" altLang="en-US" dirty="0" smtClean="0"/>
+              <a:t>。</a:t>
+            </a:r>
+            <a:endParaRPr lang="en-US" altLang="zh-TW" dirty="0" smtClean="0"/>
+          </a:p>
+          <a:p>
+            <a:pPr lvl="1"/>
+            <a:r>
+              <a:rPr lang="zh-TW" altLang="en-US" dirty="0"/>
+              <a:t>社區版可用於</a:t>
+            </a:r>
+            <a:r>
+              <a:rPr lang="en-US" altLang="zh-TW" dirty="0"/>
+              <a:t>JVM</a:t>
+            </a:r>
+            <a:r>
+              <a:rPr lang="zh-TW" altLang="en-US" dirty="0"/>
+              <a:t>和</a:t>
+            </a:r>
+            <a:r>
+              <a:rPr lang="en-US" altLang="zh-TW" dirty="0"/>
+              <a:t>Android</a:t>
+            </a:r>
+            <a:r>
+              <a:rPr lang="zh-TW" altLang="en-US" dirty="0"/>
+              <a:t>開發。支持</a:t>
+            </a:r>
+            <a:r>
+              <a:rPr lang="en-US" altLang="zh-TW" dirty="0"/>
+              <a:t>Java</a:t>
+            </a:r>
+            <a:r>
+              <a:rPr lang="zh-TW" altLang="en-US" dirty="0"/>
+              <a:t>，</a:t>
+            </a:r>
+            <a:r>
+              <a:rPr lang="en-US" altLang="zh-TW" dirty="0" err="1"/>
+              <a:t>Kotlin</a:t>
+            </a:r>
+            <a:r>
+              <a:rPr lang="zh-TW" altLang="en-US" dirty="0"/>
+              <a:t>，</a:t>
+            </a:r>
+            <a:r>
+              <a:rPr lang="en-US" altLang="zh-TW" dirty="0"/>
+              <a:t>Groovy</a:t>
+            </a:r>
+            <a:r>
+              <a:rPr lang="zh-TW" altLang="en-US" dirty="0"/>
+              <a:t>，</a:t>
+            </a:r>
+            <a:r>
+              <a:rPr lang="en-US" altLang="zh-TW" dirty="0"/>
+              <a:t>Scala</a:t>
+            </a:r>
+            <a:r>
+              <a:rPr lang="zh-TW" altLang="en-US" dirty="0"/>
+              <a:t>；</a:t>
+            </a:r>
+            <a:r>
+              <a:rPr lang="en-US" altLang="zh-TW" dirty="0"/>
+              <a:t>Android</a:t>
+            </a:r>
+            <a:r>
+              <a:rPr lang="zh-TW" altLang="en-US" dirty="0"/>
+              <a:t>；</a:t>
+            </a:r>
+            <a:r>
+              <a:rPr lang="en-US" altLang="zh-TW" dirty="0"/>
+              <a:t>Maven</a:t>
+            </a:r>
+            <a:r>
+              <a:rPr lang="zh-TW" altLang="en-US" dirty="0"/>
+              <a:t>，</a:t>
+            </a:r>
+            <a:r>
+              <a:rPr lang="en-US" altLang="zh-TW" dirty="0" err="1"/>
+              <a:t>Gradle</a:t>
+            </a:r>
+            <a:r>
+              <a:rPr lang="zh-TW" altLang="en-US" dirty="0"/>
+              <a:t>，</a:t>
+            </a:r>
+            <a:r>
+              <a:rPr lang="en-US" altLang="zh-TW" dirty="0"/>
+              <a:t>SBT; </a:t>
+            </a:r>
+            <a:r>
+              <a:rPr lang="en-US" altLang="zh-TW" dirty="0" err="1"/>
+              <a:t>Git</a:t>
+            </a:r>
+            <a:r>
+              <a:rPr lang="zh-TW" altLang="en-US" dirty="0"/>
+              <a:t>，</a:t>
+            </a:r>
+            <a:r>
+              <a:rPr lang="en-US" altLang="zh-TW" dirty="0"/>
+              <a:t>SVN</a:t>
+            </a:r>
+            <a:r>
+              <a:rPr lang="zh-TW" altLang="en-US" dirty="0"/>
+              <a:t>，</a:t>
+            </a:r>
+            <a:r>
+              <a:rPr lang="en-US" altLang="zh-TW" dirty="0"/>
+              <a:t>Mercurial</a:t>
+            </a:r>
+            <a:r>
+              <a:rPr lang="zh-TW" altLang="en-US" dirty="0"/>
+              <a:t>和</a:t>
+            </a:r>
+            <a:r>
+              <a:rPr lang="en-US" altLang="zh-TW" dirty="0"/>
+              <a:t>CVS</a:t>
+            </a:r>
+            <a:r>
+              <a:rPr lang="zh-TW" altLang="en-US" dirty="0" smtClean="0"/>
+              <a:t>。</a:t>
+            </a:r>
+            <a:endParaRPr lang="en-US" altLang="zh-TW" dirty="0" smtClean="0"/>
+          </a:p>
+          <a:p>
+            <a:r>
+              <a:rPr lang="en-US" altLang="zh-TW" dirty="0" smtClean="0"/>
+              <a:t>Eclipse</a:t>
+            </a:r>
+          </a:p>
+          <a:p>
+            <a:pPr lvl="1"/>
+            <a:r>
+              <a:rPr lang="zh-TW" altLang="en-US" dirty="0"/>
+              <a:t>萬金油</a:t>
+            </a:r>
+            <a:r>
+              <a:rPr lang="en-US" altLang="zh-TW" dirty="0"/>
+              <a:t>IDE</a:t>
+            </a:r>
+            <a:r>
+              <a:rPr lang="zh-TW" altLang="en-US" dirty="0"/>
+              <a:t>，幾乎各大程式語言他都</a:t>
+            </a:r>
+            <a:r>
+              <a:rPr lang="zh-TW" altLang="en-US" dirty="0" smtClean="0"/>
+              <a:t>支援。可以</a:t>
+            </a:r>
+            <a:r>
+              <a:rPr lang="zh-TW" altLang="en-US" dirty="0"/>
+              <a:t>運行在</a:t>
+            </a:r>
+            <a:r>
+              <a:rPr lang="en-US" altLang="zh-TW" dirty="0"/>
+              <a:t>Linux</a:t>
+            </a:r>
+            <a:r>
+              <a:rPr lang="zh-TW" altLang="en-US" dirty="0"/>
+              <a:t>，</a:t>
+            </a:r>
+            <a:r>
+              <a:rPr lang="en-US" altLang="zh-TW" dirty="0"/>
+              <a:t>Mac OS X</a:t>
+            </a:r>
+            <a:r>
+              <a:rPr lang="zh-TW" altLang="en-US" dirty="0"/>
+              <a:t>，</a:t>
+            </a:r>
+            <a:r>
+              <a:rPr lang="en-US" altLang="zh-TW" dirty="0"/>
+              <a:t>Solaris</a:t>
+            </a:r>
+            <a:r>
+              <a:rPr lang="zh-TW" altLang="en-US" dirty="0"/>
+              <a:t>，</a:t>
+            </a:r>
+            <a:r>
+              <a:rPr lang="en-US" altLang="zh-TW" dirty="0"/>
+              <a:t>Windows</a:t>
+            </a:r>
+            <a:r>
+              <a:rPr lang="zh-TW" altLang="en-US" dirty="0"/>
+              <a:t>等</a:t>
+            </a:r>
+            <a:r>
+              <a:rPr lang="zh-TW" altLang="en-US" dirty="0" smtClean="0"/>
+              <a:t>。</a:t>
+            </a:r>
+            <a:endParaRPr lang="en-US" altLang="zh-TW" dirty="0" smtClean="0"/>
+          </a:p>
+          <a:p>
+            <a:pPr lvl="1"/>
+            <a:r>
+              <a:rPr lang="zh-TW" altLang="en-US" dirty="0"/>
+              <a:t>支持超過</a:t>
+            </a:r>
+            <a:r>
+              <a:rPr lang="en-US" altLang="zh-TW" dirty="0"/>
+              <a:t>100</a:t>
+            </a:r>
+            <a:r>
+              <a:rPr lang="zh-TW" altLang="en-US" dirty="0"/>
+              <a:t>種程式語言和近</a:t>
+            </a:r>
+            <a:r>
+              <a:rPr lang="en-US" altLang="zh-TW" dirty="0"/>
+              <a:t>200</a:t>
+            </a:r>
+            <a:r>
+              <a:rPr lang="zh-TW" altLang="en-US" dirty="0"/>
+              <a:t>個應用程式開發框架</a:t>
+            </a:r>
+            <a:r>
+              <a:rPr lang="zh-TW" altLang="en-US" dirty="0" smtClean="0"/>
+              <a:t>。</a:t>
+            </a:r>
+            <a:endParaRPr lang="en-US" altLang="zh-TW" dirty="0" smtClean="0"/>
+          </a:p>
+          <a:p>
+            <a:r>
+              <a:rPr lang="en-US" altLang="zh-TW" dirty="0" smtClean="0"/>
+              <a:t>NetBeans</a:t>
+            </a:r>
+          </a:p>
+          <a:p>
+            <a:pPr lvl="1"/>
+            <a:r>
+              <a:rPr lang="zh-TW" altLang="en-US" dirty="0" smtClean="0"/>
+              <a:t>輕量、免費</a:t>
+            </a:r>
+            <a:r>
+              <a:rPr lang="zh-TW" altLang="en-US" dirty="0"/>
+              <a:t>、</a:t>
+            </a:r>
+            <a:r>
+              <a:rPr lang="zh-TW" altLang="en-US" dirty="0" smtClean="0"/>
+              <a:t>穩定的</a:t>
+            </a:r>
+            <a:r>
+              <a:rPr lang="en-US" altLang="zh-TW" dirty="0" smtClean="0"/>
+              <a:t>Java</a:t>
+            </a:r>
+            <a:r>
+              <a:rPr lang="zh-TW" altLang="en-US" dirty="0" smtClean="0"/>
+              <a:t>開發環境</a:t>
+            </a:r>
+            <a:endParaRPr lang="en-US" altLang="zh-TW" dirty="0" smtClean="0"/>
+          </a:p>
+          <a:p>
+            <a:pPr lvl="1"/>
+            <a:endParaRPr lang="zh-TW" altLang="en-US" dirty="0"/>
+          </a:p>
+        </p:txBody>
+      </p:sp>
+    </p:spTree>
+    <p:extLst>
+      <p:ext uri="{BB962C8B-B14F-4D97-AF65-F5344CB8AC3E}">
+        <p14:creationId xmlns:p14="http://schemas.microsoft.com/office/powerpoint/2010/main" val="2816880057"/>
+      </p:ext>
+    </p:extLst>
+  </p:cSld>
+  <p:clrMapOvr>
+    <a:masterClrMapping/>
+  </p:clrMapOvr>
+  <p:timing>
+    <p:tnLst>
+      <p:par>
+        <p:cTn id="1" dur="indefinite" restart="never" nodeType="tmRoot"/>
+      </p:par>
+    </p:tnLst>
+  </p:timing>
+</p:sld>
+</file>
+
+<file path=ppt/slides/slide20.xml><?xml version="1.0" encoding="utf-8"?>
 <p:sld xmlns:a="http://schemas.openxmlformats.org/drawingml/2006/main" xmlns:r="http://schemas.openxmlformats.org/officeDocument/2006/relationships" xmlns:p="http://schemas.openxmlformats.org/presentationml/2006/main">
   <p:cSld>
     <p:spTree>
@@ -11807,7 +11247,7 @@
 </p:sld>
 </file>
 
-<file path=ppt/slides/slide3.xml><?xml version="1.0" encoding="utf-8"?>
+<file path=ppt/slides/slide21.xml><?xml version="1.0" encoding="utf-8"?>
 <p:sld xmlns:a="http://schemas.openxmlformats.org/drawingml/2006/main" xmlns:r="http://schemas.openxmlformats.org/officeDocument/2006/relationships" xmlns:p="http://schemas.openxmlformats.org/presentationml/2006/main">
   <p:cSld>
     <p:spTree>
@@ -11841,19 +11281,22 @@
           <a:p>
             <a:r>
               <a:rPr lang="zh-TW" altLang="en-US" dirty="0" smtClean="0"/>
-              <a:t>哪個語言比較有</a:t>
-            </a:r>
-            <a:r>
-              <a:rPr lang="zh-TW" altLang="en-US" b="1" dirty="0">
-                <a:solidFill>
-                  <a:srgbClr val="FF0000"/>
-                </a:solidFill>
-              </a:rPr>
-              <a:t>錢</a:t>
+              <a:t>其他設定</a:t>
+            </a:r>
+            <a:r>
+              <a:rPr lang="en-US" altLang="zh-TW" dirty="0" smtClean="0"/>
+              <a:t/>
+            </a:r>
+            <a:br>
+              <a:rPr lang="en-US" altLang="zh-TW" dirty="0" smtClean="0"/>
+            </a:br>
+            <a:r>
+              <a:rPr lang="en-US" altLang="zh-TW" dirty="0" smtClean="0"/>
+              <a:t>1.</a:t>
             </a:r>
             <a:r>
               <a:rPr lang="zh-TW" altLang="en-US" dirty="0" smtClean="0"/>
-              <a:t>途</a:t>
+              <a:t>換深色背景</a:t>
             </a:r>
             <a:endParaRPr lang="zh-TW" altLang="en-US" dirty="0"/>
           </a:p>
@@ -11861,112 +11304,51 @@
       </p:sp>
       <p:pic>
         <p:nvPicPr>
-          <p:cNvPr id="3074" name="Picture 2" descr="https://uploads-ssl.webflow.com/5d3a7aed4e11720246d46f49/5e03089b66a70d47be1d979d_2020%E8%81%B7%E7%BC%BA%E6%9C%80%E5%A4%9A%E7%9A%84%E7%A8%8B%E5%BC%8F%E8%AA%9E%E8%A8%80.png"/>
+          <p:cNvPr id="4" name="圖片 3"/>
           <p:cNvPicPr>
-            <a:picLocks noChangeAspect="1" noChangeArrowheads="1"/>
+            <a:picLocks noChangeAspect="1"/>
           </p:cNvPicPr>
           <p:nvPr/>
         </p:nvPicPr>
         <p:blipFill>
-          <a:blip r:embed="rId2">
-            <a:extLst>
-              <a:ext uri="{28A0092B-C50C-407E-A947-70E740481C1C}">
-                <a14:useLocalDpi xmlns:a14="http://schemas.microsoft.com/office/drawing/2010/main" val="0"/>
-              </a:ext>
-            </a:extLst>
-          </a:blip>
-          <a:srcRect/>
+          <a:blip r:embed="rId2"/>
           <a:stretch>
             <a:fillRect/>
           </a:stretch>
         </p:blipFill>
-        <p:spPr bwMode="auto">
+        <p:spPr>
           <a:xfrm>
-            <a:off x="5930028" y="1624170"/>
-            <a:ext cx="5654377" cy="4740053"/>
+            <a:off x="529972" y="2224728"/>
+            <a:ext cx="2962275" cy="2124075"/>
           </a:xfrm>
           <a:prstGeom prst="rect">
             <a:avLst/>
           </a:prstGeom>
-          <a:noFill/>
           <a:ln>
             <a:solidFill>
               <a:schemeClr val="tx1"/>
             </a:solidFill>
           </a:ln>
-          <a:extLst>
-            <a:ext uri="{909E8E84-426E-40DD-AFC4-6F175D3DCCD1}">
-              <a14:hiddenFill xmlns:a14="http://schemas.microsoft.com/office/drawing/2010/main">
-                <a:solidFill>
-                  <a:srgbClr val="FFFFFF"/>
-                </a:solidFill>
-              </a14:hiddenFill>
-            </a:ext>
-          </a:extLst>
         </p:spPr>
       </p:pic>
-      <p:pic>
-        <p:nvPicPr>
-          <p:cNvPr id="3076" name="Picture 4" descr="https://uploads-ssl.webflow.com/5d3a7aed4e11720246d46f49/5e019a67bb25d02983285136_2020%E8%81%B7%E7%BC%BA%E6%9C%80%E5%A4%9A%E7%9A%84%E7%A8%8B%E5%BC%8F%E8%AA%9E%E8%A8%80.jpg"/>
-          <p:cNvPicPr>
-            <a:picLocks noChangeAspect="1" noChangeArrowheads="1"/>
-          </p:cNvPicPr>
+      <p:sp>
+        <p:nvSpPr>
+          <p:cNvPr id="5" name="向右箭號 4"/>
+          <p:cNvSpPr/>
           <p:nvPr/>
-        </p:nvPicPr>
-        <p:blipFill>
-          <a:blip r:embed="rId3">
-            <a:extLst>
-              <a:ext uri="{28A0092B-C50C-407E-A947-70E740481C1C}">
-                <a14:useLocalDpi xmlns:a14="http://schemas.microsoft.com/office/drawing/2010/main" val="0"/>
-              </a:ext>
-            </a:extLst>
-          </a:blip>
-          <a:srcRect/>
-          <a:stretch>
-            <a:fillRect/>
-          </a:stretch>
-        </p:blipFill>
-        <p:spPr bwMode="auto">
-          <a:xfrm>
-            <a:off x="275652" y="1624171"/>
-            <a:ext cx="5654377" cy="4740053"/>
+        </p:nvSpPr>
+        <p:spPr>
+          <a:xfrm rot="2178573">
+            <a:off x="1238056" y="2087542"/>
+            <a:ext cx="434472" cy="181371"/>
           </a:xfrm>
-          <a:prstGeom prst="rect">
+          <a:prstGeom prst="rightArrow">
             <a:avLst/>
           </a:prstGeom>
-          <a:noFill/>
+          <a:solidFill>
+            <a:srgbClr val="FF0000"/>
+          </a:solidFill>
           <a:ln>
-            <a:solidFill>
-              <a:schemeClr val="tx1"/>
-            </a:solidFill>
-          </a:ln>
-          <a:extLst>
-            <a:ext uri="{909E8E84-426E-40DD-AFC4-6F175D3DCCD1}">
-              <a14:hiddenFill xmlns:a14="http://schemas.microsoft.com/office/drawing/2010/main">
-                <a:solidFill>
-                  <a:srgbClr val="FFFFFF"/>
-                </a:solidFill>
-              </a14:hiddenFill>
-            </a:ext>
-          </a:extLst>
-        </p:spPr>
-      </p:pic>
-      <p:sp>
-        <p:nvSpPr>
-          <p:cNvPr id="4" name="橢圓 3"/>
-          <p:cNvSpPr/>
-          <p:nvPr/>
-        </p:nvSpPr>
-        <p:spPr>
-          <a:xfrm>
-            <a:off x="877824" y="2880963"/>
-            <a:ext cx="630936" cy="374904"/>
-          </a:xfrm>
-          <a:prstGeom prst="ellipse">
-            <a:avLst/>
-          </a:prstGeom>
-          <a:noFill/>
-          <a:ln w="38100">
             <a:solidFill>
               <a:srgbClr val="FF0000"/>
             </a:solidFill>
@@ -11999,20 +11381,60 @@
       </p:sp>
       <p:sp>
         <p:nvSpPr>
-          <p:cNvPr id="7" name="橢圓 6"/>
-          <p:cNvSpPr/>
+          <p:cNvPr id="6" name="文字方塊 5"/>
+          <p:cNvSpPr txBox="1"/>
           <p:nvPr/>
         </p:nvSpPr>
         <p:spPr>
           <a:xfrm>
-            <a:off x="6577921" y="2533491"/>
-            <a:ext cx="630936" cy="374904"/>
+            <a:off x="1530799" y="1855396"/>
+            <a:ext cx="306494" cy="369332"/>
           </a:xfrm>
-          <a:prstGeom prst="ellipse">
+          <a:prstGeom prst="rect">
             <a:avLst/>
           </a:prstGeom>
           <a:noFill/>
-          <a:ln w="38100">
+        </p:spPr>
+        <p:txBody>
+          <a:bodyPr wrap="none" rtlCol="0">
+            <a:spAutoFit/>
+          </a:bodyPr>
+          <a:lstStyle/>
+          <a:p>
+            <a:r>
+              <a:rPr lang="en-US" altLang="zh-TW" dirty="0" smtClean="0">
+                <a:solidFill>
+                  <a:srgbClr val="FF0000"/>
+                </a:solidFill>
+              </a:rPr>
+              <a:t>1</a:t>
+            </a:r>
+            <a:endParaRPr lang="zh-TW" altLang="en-US" dirty="0">
+              <a:solidFill>
+                <a:srgbClr val="FF0000"/>
+              </a:solidFill>
+            </a:endParaRPr>
+          </a:p>
+        </p:txBody>
+      </p:sp>
+      <p:sp>
+        <p:nvSpPr>
+          <p:cNvPr id="7" name="向右箭號 6"/>
+          <p:cNvSpPr/>
+          <p:nvPr/>
+        </p:nvSpPr>
+        <p:spPr>
+          <a:xfrm rot="19635824">
+            <a:off x="1313563" y="4258116"/>
+            <a:ext cx="434472" cy="181371"/>
+          </a:xfrm>
+          <a:prstGeom prst="rightArrow">
+            <a:avLst/>
+          </a:prstGeom>
+          <a:solidFill>
+            <a:srgbClr val="FF0000"/>
+          </a:solidFill>
+          <a:ln>
             <a:solidFill>
               <a:srgbClr val="FF0000"/>
             </a:solidFill>
@@ -12045,14 +11467,14 @@
       </p:sp>
       <p:sp>
         <p:nvSpPr>
-          <p:cNvPr id="5" name="文字方塊 4"/>
+          <p:cNvPr id="8" name="文字方塊 7"/>
           <p:cNvSpPr txBox="1"/>
           <p:nvPr/>
         </p:nvSpPr>
         <p:spPr>
           <a:xfrm>
-            <a:off x="8046720" y="900668"/>
-            <a:ext cx="1838965" cy="369332"/>
+            <a:off x="1148798" y="4076349"/>
+            <a:ext cx="306494" cy="369332"/>
           </a:xfrm>
           <a:prstGeom prst="rect">
             <a:avLst/>
@@ -12066,33 +11488,1489 @@
           <a:lstStyle/>
           <a:p>
             <a:r>
-              <a:rPr lang="en-US" altLang="zh-TW" dirty="0" smtClean="0"/>
-              <a:t>2019</a:t>
-            </a:r>
-            <a:r>
-              <a:rPr lang="zh-TW" altLang="en-US" dirty="0" smtClean="0"/>
-              <a:t>年</a:t>
-            </a:r>
-            <a:r>
-              <a:rPr lang="en-US" altLang="zh-TW" dirty="0" smtClean="0"/>
-              <a:t>12</a:t>
-            </a:r>
-            <a:r>
-              <a:rPr lang="zh-TW" altLang="en-US" dirty="0"/>
-              <a:t>月</a:t>
-            </a:r>
-            <a:r>
-              <a:rPr lang="zh-TW" altLang="en-US" dirty="0" smtClean="0"/>
-              <a:t>資料</a:t>
-            </a:r>
-            <a:endParaRPr lang="zh-TW" altLang="en-US" dirty="0"/>
+              <a:rPr lang="en-US" altLang="zh-TW" dirty="0" smtClean="0">
+                <a:solidFill>
+                  <a:srgbClr val="FF0000"/>
+                </a:solidFill>
+              </a:rPr>
+              <a:t>2</a:t>
+            </a:r>
+            <a:endParaRPr lang="zh-TW" altLang="en-US" dirty="0">
+              <a:solidFill>
+                <a:srgbClr val="FF0000"/>
+              </a:solidFill>
+            </a:endParaRPr>
+          </a:p>
+        </p:txBody>
+      </p:sp>
+      <p:pic>
+        <p:nvPicPr>
+          <p:cNvPr id="9" name="圖片 8"/>
+          <p:cNvPicPr>
+            <a:picLocks noChangeAspect="1"/>
+          </p:cNvPicPr>
+          <p:nvPr/>
+        </p:nvPicPr>
+        <p:blipFill>
+          <a:blip r:embed="rId3"/>
+          <a:stretch>
+            <a:fillRect/>
+          </a:stretch>
+        </p:blipFill>
+        <p:spPr>
+          <a:xfrm>
+            <a:off x="4345712" y="1777525"/>
+            <a:ext cx="4864653" cy="4300635"/>
+          </a:xfrm>
+          <a:prstGeom prst="rect">
+            <a:avLst/>
+          </a:prstGeom>
+          <a:ln>
+            <a:solidFill>
+              <a:schemeClr val="tx1"/>
+            </a:solidFill>
+          </a:ln>
+        </p:spPr>
+      </p:pic>
+      <p:sp>
+        <p:nvSpPr>
+          <p:cNvPr id="10" name="向右箭號 9"/>
+          <p:cNvSpPr/>
+          <p:nvPr/>
+        </p:nvSpPr>
+        <p:spPr>
+          <a:xfrm rot="19635824">
+            <a:off x="4222333" y="2402690"/>
+            <a:ext cx="434472" cy="181371"/>
+          </a:xfrm>
+          <a:prstGeom prst="rightArrow">
+            <a:avLst/>
+          </a:prstGeom>
+          <a:solidFill>
+            <a:srgbClr val="FF0000"/>
+          </a:solidFill>
+          <a:ln>
+            <a:solidFill>
+              <a:srgbClr val="FF0000"/>
+            </a:solidFill>
+          </a:ln>
+        </p:spPr>
+        <p:style>
+          <a:lnRef idx="2">
+            <a:schemeClr val="accent1">
+              <a:shade val="50000"/>
+            </a:schemeClr>
+          </a:lnRef>
+          <a:fillRef idx="1">
+            <a:schemeClr val="accent1"/>
+          </a:fillRef>
+          <a:effectRef idx="0">
+            <a:schemeClr val="accent1"/>
+          </a:effectRef>
+          <a:fontRef idx="minor">
+            <a:schemeClr val="lt1"/>
+          </a:fontRef>
+        </p:style>
+        <p:txBody>
+          <a:bodyPr rtlCol="0" anchor="ctr"/>
+          <a:lstStyle/>
+          <a:p>
+            <a:pPr algn="ctr"/>
+            <a:endParaRPr lang="zh-TW" altLang="en-US"/>
+          </a:p>
+        </p:txBody>
+      </p:sp>
+      <p:sp>
+        <p:nvSpPr>
+          <p:cNvPr id="11" name="文字方塊 10"/>
+          <p:cNvSpPr txBox="1"/>
+          <p:nvPr/>
+        </p:nvSpPr>
+        <p:spPr>
+          <a:xfrm>
+            <a:off x="4057568" y="2220923"/>
+            <a:ext cx="306494" cy="369332"/>
+          </a:xfrm>
+          <a:prstGeom prst="rect">
+            <a:avLst/>
+          </a:prstGeom>
+          <a:noFill/>
+        </p:spPr>
+        <p:txBody>
+          <a:bodyPr wrap="none" rtlCol="0">
+            <a:spAutoFit/>
+          </a:bodyPr>
+          <a:lstStyle/>
+          <a:p>
+            <a:r>
+              <a:rPr lang="en-US" altLang="zh-TW" dirty="0" smtClean="0">
+                <a:solidFill>
+                  <a:srgbClr val="FF0000"/>
+                </a:solidFill>
+              </a:rPr>
+              <a:t>3</a:t>
+            </a:r>
+            <a:endParaRPr lang="zh-TW" altLang="en-US" dirty="0">
+              <a:solidFill>
+                <a:srgbClr val="FF0000"/>
+              </a:solidFill>
+            </a:endParaRPr>
+          </a:p>
+        </p:txBody>
+      </p:sp>
+      <p:sp>
+        <p:nvSpPr>
+          <p:cNvPr id="12" name="向右箭號 11"/>
+          <p:cNvSpPr/>
+          <p:nvPr/>
+        </p:nvSpPr>
+        <p:spPr>
+          <a:xfrm rot="10800000">
+            <a:off x="9131045" y="2505762"/>
+            <a:ext cx="434472" cy="181371"/>
+          </a:xfrm>
+          <a:prstGeom prst="rightArrow">
+            <a:avLst/>
+          </a:prstGeom>
+          <a:solidFill>
+            <a:srgbClr val="FF0000"/>
+          </a:solidFill>
+          <a:ln>
+            <a:solidFill>
+              <a:srgbClr val="FF0000"/>
+            </a:solidFill>
+          </a:ln>
+        </p:spPr>
+        <p:style>
+          <a:lnRef idx="2">
+            <a:schemeClr val="accent1">
+              <a:shade val="50000"/>
+            </a:schemeClr>
+          </a:lnRef>
+          <a:fillRef idx="1">
+            <a:schemeClr val="accent1"/>
+          </a:fillRef>
+          <a:effectRef idx="0">
+            <a:schemeClr val="accent1"/>
+          </a:effectRef>
+          <a:fontRef idx="minor">
+            <a:schemeClr val="lt1"/>
+          </a:fontRef>
+        </p:style>
+        <p:txBody>
+          <a:bodyPr rtlCol="0" anchor="ctr"/>
+          <a:lstStyle/>
+          <a:p>
+            <a:pPr algn="ctr"/>
+            <a:endParaRPr lang="zh-TW" altLang="en-US"/>
+          </a:p>
+        </p:txBody>
+      </p:sp>
+      <p:sp>
+        <p:nvSpPr>
+          <p:cNvPr id="13" name="文字方塊 12"/>
+          <p:cNvSpPr txBox="1"/>
+          <p:nvPr/>
+        </p:nvSpPr>
+        <p:spPr>
+          <a:xfrm>
+            <a:off x="9237467" y="2242225"/>
+            <a:ext cx="306494" cy="369332"/>
+          </a:xfrm>
+          <a:prstGeom prst="rect">
+            <a:avLst/>
+          </a:prstGeom>
+          <a:noFill/>
+        </p:spPr>
+        <p:txBody>
+          <a:bodyPr wrap="none" rtlCol="0">
+            <a:spAutoFit/>
+          </a:bodyPr>
+          <a:lstStyle/>
+          <a:p>
+            <a:r>
+              <a:rPr lang="en-US" altLang="zh-TW" dirty="0" smtClean="0">
+                <a:solidFill>
+                  <a:srgbClr val="FF0000"/>
+                </a:solidFill>
+              </a:rPr>
+              <a:t>4</a:t>
+            </a:r>
+            <a:endParaRPr lang="zh-TW" altLang="en-US" dirty="0">
+              <a:solidFill>
+                <a:srgbClr val="FF0000"/>
+              </a:solidFill>
+            </a:endParaRPr>
+          </a:p>
+        </p:txBody>
+      </p:sp>
+      <p:sp>
+        <p:nvSpPr>
+          <p:cNvPr id="14" name="向右箭號 13"/>
+          <p:cNvSpPr/>
+          <p:nvPr/>
+        </p:nvSpPr>
+        <p:spPr>
+          <a:xfrm rot="10800000">
+            <a:off x="9109645" y="5452637"/>
+            <a:ext cx="434472" cy="181371"/>
+          </a:xfrm>
+          <a:prstGeom prst="rightArrow">
+            <a:avLst/>
+          </a:prstGeom>
+          <a:solidFill>
+            <a:srgbClr val="FF0000"/>
+          </a:solidFill>
+          <a:ln>
+            <a:solidFill>
+              <a:srgbClr val="FF0000"/>
+            </a:solidFill>
+          </a:ln>
+        </p:spPr>
+        <p:style>
+          <a:lnRef idx="2">
+            <a:schemeClr val="accent1">
+              <a:shade val="50000"/>
+            </a:schemeClr>
+          </a:lnRef>
+          <a:fillRef idx="1">
+            <a:schemeClr val="accent1"/>
+          </a:fillRef>
+          <a:effectRef idx="0">
+            <a:schemeClr val="accent1"/>
+          </a:effectRef>
+          <a:fontRef idx="minor">
+            <a:schemeClr val="lt1"/>
+          </a:fontRef>
+        </p:style>
+        <p:txBody>
+          <a:bodyPr rtlCol="0" anchor="ctr"/>
+          <a:lstStyle/>
+          <a:p>
+            <a:pPr algn="ctr"/>
+            <a:endParaRPr lang="zh-TW" altLang="en-US"/>
+          </a:p>
+        </p:txBody>
+      </p:sp>
+      <p:sp>
+        <p:nvSpPr>
+          <p:cNvPr id="15" name="文字方塊 14"/>
+          <p:cNvSpPr txBox="1"/>
+          <p:nvPr/>
+        </p:nvSpPr>
+        <p:spPr>
+          <a:xfrm>
+            <a:off x="9216067" y="5189100"/>
+            <a:ext cx="306494" cy="369332"/>
+          </a:xfrm>
+          <a:prstGeom prst="rect">
+            <a:avLst/>
+          </a:prstGeom>
+          <a:noFill/>
+        </p:spPr>
+        <p:txBody>
+          <a:bodyPr wrap="none" rtlCol="0">
+            <a:spAutoFit/>
+          </a:bodyPr>
+          <a:lstStyle/>
+          <a:p>
+            <a:r>
+              <a:rPr lang="en-US" altLang="zh-TW" dirty="0" smtClean="0">
+                <a:solidFill>
+                  <a:srgbClr val="FF0000"/>
+                </a:solidFill>
+              </a:rPr>
+              <a:t>5</a:t>
+            </a:r>
+            <a:endParaRPr lang="zh-TW" altLang="en-US" dirty="0">
+              <a:solidFill>
+                <a:srgbClr val="FF0000"/>
+              </a:solidFill>
+            </a:endParaRPr>
+          </a:p>
+        </p:txBody>
+      </p:sp>
+      <p:sp>
+        <p:nvSpPr>
+          <p:cNvPr id="16" name="向右箭號 15"/>
+          <p:cNvSpPr/>
+          <p:nvPr/>
+        </p:nvSpPr>
+        <p:spPr>
+          <a:xfrm rot="19635824">
+            <a:off x="7083750" y="5987474"/>
+            <a:ext cx="434472" cy="181371"/>
+          </a:xfrm>
+          <a:prstGeom prst="rightArrow">
+            <a:avLst/>
+          </a:prstGeom>
+          <a:solidFill>
+            <a:srgbClr val="FF0000"/>
+          </a:solidFill>
+          <a:ln>
+            <a:solidFill>
+              <a:srgbClr val="FF0000"/>
+            </a:solidFill>
+          </a:ln>
+        </p:spPr>
+        <p:style>
+          <a:lnRef idx="2">
+            <a:schemeClr val="accent1">
+              <a:shade val="50000"/>
+            </a:schemeClr>
+          </a:lnRef>
+          <a:fillRef idx="1">
+            <a:schemeClr val="accent1"/>
+          </a:fillRef>
+          <a:effectRef idx="0">
+            <a:schemeClr val="accent1"/>
+          </a:effectRef>
+          <a:fontRef idx="minor">
+            <a:schemeClr val="lt1"/>
+          </a:fontRef>
+        </p:style>
+        <p:txBody>
+          <a:bodyPr rtlCol="0" anchor="ctr"/>
+          <a:lstStyle/>
+          <a:p>
+            <a:pPr algn="ctr"/>
+            <a:endParaRPr lang="zh-TW" altLang="en-US"/>
+          </a:p>
+        </p:txBody>
+      </p:sp>
+      <p:sp>
+        <p:nvSpPr>
+          <p:cNvPr id="17" name="文字方塊 16"/>
+          <p:cNvSpPr txBox="1"/>
+          <p:nvPr/>
+        </p:nvSpPr>
+        <p:spPr>
+          <a:xfrm>
+            <a:off x="6918985" y="5805707"/>
+            <a:ext cx="306494" cy="369332"/>
+          </a:xfrm>
+          <a:prstGeom prst="rect">
+            <a:avLst/>
+          </a:prstGeom>
+          <a:noFill/>
+        </p:spPr>
+        <p:txBody>
+          <a:bodyPr wrap="none" rtlCol="0">
+            <a:spAutoFit/>
+          </a:bodyPr>
+          <a:lstStyle/>
+          <a:p>
+            <a:r>
+              <a:rPr lang="en-US" altLang="zh-TW" dirty="0" smtClean="0">
+                <a:solidFill>
+                  <a:srgbClr val="FF0000"/>
+                </a:solidFill>
+              </a:rPr>
+              <a:t>6</a:t>
+            </a:r>
+            <a:endParaRPr lang="zh-TW" altLang="en-US" dirty="0">
+              <a:solidFill>
+                <a:srgbClr val="FF0000"/>
+              </a:solidFill>
+            </a:endParaRPr>
+          </a:p>
+        </p:txBody>
+      </p:sp>
+      <p:sp>
+        <p:nvSpPr>
+          <p:cNvPr id="18" name="向右箭號 17"/>
+          <p:cNvSpPr/>
+          <p:nvPr/>
+        </p:nvSpPr>
+        <p:spPr>
+          <a:xfrm>
+            <a:off x="3699523" y="3040874"/>
+            <a:ext cx="438912" cy="886968"/>
+          </a:xfrm>
+          <a:prstGeom prst="rightArrow">
+            <a:avLst/>
+          </a:prstGeom>
+        </p:spPr>
+        <p:style>
+          <a:lnRef idx="2">
+            <a:schemeClr val="accent1">
+              <a:shade val="50000"/>
+            </a:schemeClr>
+          </a:lnRef>
+          <a:fillRef idx="1">
+            <a:schemeClr val="accent1"/>
+          </a:fillRef>
+          <a:effectRef idx="0">
+            <a:schemeClr val="accent1"/>
+          </a:effectRef>
+          <a:fontRef idx="minor">
+            <a:schemeClr val="lt1"/>
+          </a:fontRef>
+        </p:style>
+        <p:txBody>
+          <a:bodyPr rtlCol="0" anchor="ctr"/>
+          <a:lstStyle/>
+          <a:p>
+            <a:pPr algn="ctr"/>
+            <a:endParaRPr lang="zh-TW" altLang="en-US"/>
           </a:p>
         </p:txBody>
       </p:sp>
     </p:spTree>
     <p:extLst>
       <p:ext uri="{BB962C8B-B14F-4D97-AF65-F5344CB8AC3E}">
-        <p14:creationId xmlns:p14="http://schemas.microsoft.com/office/powerpoint/2010/main" val="784301048"/>
+        <p14:creationId xmlns:p14="http://schemas.microsoft.com/office/powerpoint/2010/main" val="2649898680"/>
+      </p:ext>
+    </p:extLst>
+  </p:cSld>
+  <p:clrMapOvr>
+    <a:masterClrMapping/>
+  </p:clrMapOvr>
+</p:sld>
+</file>
+
+<file path=ppt/slides/slide22.xml><?xml version="1.0" encoding="utf-8"?>
+<p:sld xmlns:a="http://schemas.openxmlformats.org/drawingml/2006/main" xmlns:r="http://schemas.openxmlformats.org/officeDocument/2006/relationships" xmlns:p="http://schemas.openxmlformats.org/presentationml/2006/main">
+  <p:cSld>
+    <p:spTree>
+      <p:nvGrpSpPr>
+        <p:cNvPr id="1" name=""/>
+        <p:cNvGrpSpPr/>
+        <p:nvPr/>
+      </p:nvGrpSpPr>
+      <p:grpSpPr>
+        <a:xfrm>
+          <a:off x="0" y="0"/>
+          <a:ext cx="0" cy="0"/>
+          <a:chOff x="0" y="0"/>
+          <a:chExt cx="0" cy="0"/>
+        </a:xfrm>
+      </p:grpSpPr>
+      <p:sp>
+        <p:nvSpPr>
+          <p:cNvPr id="2" name="標題 1"/>
+          <p:cNvSpPr>
+            <a:spLocks noGrp="1"/>
+          </p:cNvSpPr>
+          <p:nvPr>
+            <p:ph type="title"/>
+          </p:nvPr>
+        </p:nvSpPr>
+        <p:spPr/>
+        <p:txBody>
+          <a:bodyPr/>
+          <a:lstStyle/>
+          <a:p>
+            <a:r>
+              <a:rPr lang="zh-TW" altLang="en-US" dirty="0"/>
+              <a:t>其他</a:t>
+            </a:r>
+            <a:r>
+              <a:rPr lang="zh-TW" altLang="en-US" dirty="0" smtClean="0"/>
+              <a:t>設定</a:t>
+            </a:r>
+            <a:r>
+              <a:rPr lang="en-US" altLang="zh-TW" dirty="0" smtClean="0"/>
+              <a:t/>
+            </a:r>
+            <a:br>
+              <a:rPr lang="en-US" altLang="zh-TW" dirty="0" smtClean="0"/>
+            </a:br>
+            <a:r>
+              <a:rPr lang="en-US" altLang="zh-TW" dirty="0" smtClean="0"/>
+              <a:t>2.</a:t>
+            </a:r>
+            <a:r>
+              <a:rPr lang="zh-TW" altLang="en-US" dirty="0" smtClean="0"/>
+              <a:t>字體大小</a:t>
+            </a:r>
+            <a:endParaRPr lang="zh-TW" altLang="en-US" dirty="0"/>
+          </a:p>
+        </p:txBody>
+      </p:sp>
+      <p:pic>
+        <p:nvPicPr>
+          <p:cNvPr id="3" name="圖片 2"/>
+          <p:cNvPicPr>
+            <a:picLocks noChangeAspect="1"/>
+          </p:cNvPicPr>
+          <p:nvPr/>
+        </p:nvPicPr>
+        <p:blipFill>
+          <a:blip r:embed="rId2"/>
+          <a:stretch>
+            <a:fillRect/>
+          </a:stretch>
+        </p:blipFill>
+        <p:spPr>
+          <a:xfrm>
+            <a:off x="3343210" y="1227207"/>
+            <a:ext cx="5955060" cy="5308888"/>
+          </a:xfrm>
+          <a:prstGeom prst="rect">
+            <a:avLst/>
+          </a:prstGeom>
+        </p:spPr>
+      </p:pic>
+      <p:pic>
+        <p:nvPicPr>
+          <p:cNvPr id="4" name="圖片 3"/>
+          <p:cNvPicPr>
+            <a:picLocks noChangeAspect="1"/>
+          </p:cNvPicPr>
+          <p:nvPr/>
+        </p:nvPicPr>
+        <p:blipFill>
+          <a:blip r:embed="rId3"/>
+          <a:stretch>
+            <a:fillRect/>
+          </a:stretch>
+        </p:blipFill>
+        <p:spPr>
+          <a:xfrm>
+            <a:off x="303394" y="2215699"/>
+            <a:ext cx="2582306" cy="1851621"/>
+          </a:xfrm>
+          <a:prstGeom prst="rect">
+            <a:avLst/>
+          </a:prstGeom>
+          <a:ln>
+            <a:solidFill>
+              <a:schemeClr val="tx1"/>
+            </a:solidFill>
+          </a:ln>
+        </p:spPr>
+      </p:pic>
+      <p:sp>
+        <p:nvSpPr>
+          <p:cNvPr id="5" name="向右箭號 4"/>
+          <p:cNvSpPr/>
+          <p:nvPr/>
+        </p:nvSpPr>
+        <p:spPr>
+          <a:xfrm rot="2178573">
+            <a:off x="788767" y="2026741"/>
+            <a:ext cx="434472" cy="181371"/>
+          </a:xfrm>
+          <a:prstGeom prst="rightArrow">
+            <a:avLst/>
+          </a:prstGeom>
+          <a:solidFill>
+            <a:srgbClr val="FF0000"/>
+          </a:solidFill>
+          <a:ln>
+            <a:solidFill>
+              <a:srgbClr val="FF0000"/>
+            </a:solidFill>
+          </a:ln>
+        </p:spPr>
+        <p:style>
+          <a:lnRef idx="2">
+            <a:schemeClr val="accent1">
+              <a:shade val="50000"/>
+            </a:schemeClr>
+          </a:lnRef>
+          <a:fillRef idx="1">
+            <a:schemeClr val="accent1"/>
+          </a:fillRef>
+          <a:effectRef idx="0">
+            <a:schemeClr val="accent1"/>
+          </a:effectRef>
+          <a:fontRef idx="minor">
+            <a:schemeClr val="lt1"/>
+          </a:fontRef>
+        </p:style>
+        <p:txBody>
+          <a:bodyPr rtlCol="0" anchor="ctr"/>
+          <a:lstStyle/>
+          <a:p>
+            <a:pPr algn="ctr"/>
+            <a:endParaRPr lang="zh-TW" altLang="en-US"/>
+          </a:p>
+        </p:txBody>
+      </p:sp>
+      <p:sp>
+        <p:nvSpPr>
+          <p:cNvPr id="6" name="文字方塊 5"/>
+          <p:cNvSpPr txBox="1"/>
+          <p:nvPr/>
+        </p:nvSpPr>
+        <p:spPr>
+          <a:xfrm>
+            <a:off x="928601" y="1766611"/>
+            <a:ext cx="306494" cy="369332"/>
+          </a:xfrm>
+          <a:prstGeom prst="rect">
+            <a:avLst/>
+          </a:prstGeom>
+          <a:noFill/>
+        </p:spPr>
+        <p:txBody>
+          <a:bodyPr wrap="none" rtlCol="0">
+            <a:spAutoFit/>
+          </a:bodyPr>
+          <a:lstStyle/>
+          <a:p>
+            <a:r>
+              <a:rPr lang="en-US" altLang="zh-TW" dirty="0" smtClean="0">
+                <a:solidFill>
+                  <a:srgbClr val="FF0000"/>
+                </a:solidFill>
+              </a:rPr>
+              <a:t>1</a:t>
+            </a:r>
+            <a:endParaRPr lang="zh-TW" altLang="en-US" dirty="0">
+              <a:solidFill>
+                <a:srgbClr val="FF0000"/>
+              </a:solidFill>
+            </a:endParaRPr>
+          </a:p>
+        </p:txBody>
+      </p:sp>
+      <p:sp>
+        <p:nvSpPr>
+          <p:cNvPr id="7" name="向右箭號 6"/>
+          <p:cNvSpPr/>
+          <p:nvPr/>
+        </p:nvSpPr>
+        <p:spPr>
+          <a:xfrm rot="19635824">
+            <a:off x="1017522" y="3878752"/>
+            <a:ext cx="434472" cy="181371"/>
+          </a:xfrm>
+          <a:prstGeom prst="rightArrow">
+            <a:avLst/>
+          </a:prstGeom>
+          <a:solidFill>
+            <a:srgbClr val="FF0000"/>
+          </a:solidFill>
+          <a:ln>
+            <a:solidFill>
+              <a:srgbClr val="FF0000"/>
+            </a:solidFill>
+          </a:ln>
+        </p:spPr>
+        <p:style>
+          <a:lnRef idx="2">
+            <a:schemeClr val="accent1">
+              <a:shade val="50000"/>
+            </a:schemeClr>
+          </a:lnRef>
+          <a:fillRef idx="1">
+            <a:schemeClr val="accent1"/>
+          </a:fillRef>
+          <a:effectRef idx="0">
+            <a:schemeClr val="accent1"/>
+          </a:effectRef>
+          <a:fontRef idx="minor">
+            <a:schemeClr val="lt1"/>
+          </a:fontRef>
+        </p:style>
+        <p:txBody>
+          <a:bodyPr rtlCol="0" anchor="ctr"/>
+          <a:lstStyle/>
+          <a:p>
+            <a:pPr algn="ctr"/>
+            <a:endParaRPr lang="zh-TW" altLang="en-US"/>
+          </a:p>
+        </p:txBody>
+      </p:sp>
+      <p:sp>
+        <p:nvSpPr>
+          <p:cNvPr id="8" name="文字方塊 7"/>
+          <p:cNvSpPr txBox="1"/>
+          <p:nvPr/>
+        </p:nvSpPr>
+        <p:spPr>
+          <a:xfrm>
+            <a:off x="852757" y="3696985"/>
+            <a:ext cx="306494" cy="369332"/>
+          </a:xfrm>
+          <a:prstGeom prst="rect">
+            <a:avLst/>
+          </a:prstGeom>
+          <a:noFill/>
+        </p:spPr>
+        <p:txBody>
+          <a:bodyPr wrap="none" rtlCol="0">
+            <a:spAutoFit/>
+          </a:bodyPr>
+          <a:lstStyle/>
+          <a:p>
+            <a:r>
+              <a:rPr lang="en-US" altLang="zh-TW" dirty="0" smtClean="0">
+                <a:solidFill>
+                  <a:srgbClr val="FF0000"/>
+                </a:solidFill>
+              </a:rPr>
+              <a:t>2</a:t>
+            </a:r>
+            <a:endParaRPr lang="zh-TW" altLang="en-US" dirty="0">
+              <a:solidFill>
+                <a:srgbClr val="FF0000"/>
+              </a:solidFill>
+            </a:endParaRPr>
+          </a:p>
+        </p:txBody>
+      </p:sp>
+      <p:sp>
+        <p:nvSpPr>
+          <p:cNvPr id="9" name="向右箭號 8"/>
+          <p:cNvSpPr/>
+          <p:nvPr/>
+        </p:nvSpPr>
+        <p:spPr>
+          <a:xfrm>
+            <a:off x="2741752" y="2888712"/>
+            <a:ext cx="438912" cy="886968"/>
+          </a:xfrm>
+          <a:prstGeom prst="rightArrow">
+            <a:avLst/>
+          </a:prstGeom>
+        </p:spPr>
+        <p:style>
+          <a:lnRef idx="2">
+            <a:schemeClr val="accent1">
+              <a:shade val="50000"/>
+            </a:schemeClr>
+          </a:lnRef>
+          <a:fillRef idx="1">
+            <a:schemeClr val="accent1"/>
+          </a:fillRef>
+          <a:effectRef idx="0">
+            <a:schemeClr val="accent1"/>
+          </a:effectRef>
+          <a:fontRef idx="minor">
+            <a:schemeClr val="lt1"/>
+          </a:fontRef>
+        </p:style>
+        <p:txBody>
+          <a:bodyPr rtlCol="0" anchor="ctr"/>
+          <a:lstStyle/>
+          <a:p>
+            <a:pPr algn="ctr"/>
+            <a:endParaRPr lang="zh-TW" altLang="en-US"/>
+          </a:p>
+        </p:txBody>
+      </p:sp>
+      <p:sp>
+        <p:nvSpPr>
+          <p:cNvPr id="10" name="向右箭號 9"/>
+          <p:cNvSpPr/>
+          <p:nvPr/>
+        </p:nvSpPr>
+        <p:spPr>
+          <a:xfrm rot="19635824">
+            <a:off x="3125973" y="1964032"/>
+            <a:ext cx="434472" cy="181371"/>
+          </a:xfrm>
+          <a:prstGeom prst="rightArrow">
+            <a:avLst/>
+          </a:prstGeom>
+          <a:solidFill>
+            <a:srgbClr val="FF0000"/>
+          </a:solidFill>
+          <a:ln>
+            <a:solidFill>
+              <a:srgbClr val="FF0000"/>
+            </a:solidFill>
+          </a:ln>
+        </p:spPr>
+        <p:style>
+          <a:lnRef idx="2">
+            <a:schemeClr val="accent1">
+              <a:shade val="50000"/>
+            </a:schemeClr>
+          </a:lnRef>
+          <a:fillRef idx="1">
+            <a:schemeClr val="accent1"/>
+          </a:fillRef>
+          <a:effectRef idx="0">
+            <a:schemeClr val="accent1"/>
+          </a:effectRef>
+          <a:fontRef idx="minor">
+            <a:schemeClr val="lt1"/>
+          </a:fontRef>
+        </p:style>
+        <p:txBody>
+          <a:bodyPr rtlCol="0" anchor="ctr"/>
+          <a:lstStyle/>
+          <a:p>
+            <a:pPr algn="ctr"/>
+            <a:endParaRPr lang="zh-TW" altLang="en-US"/>
+          </a:p>
+        </p:txBody>
+      </p:sp>
+      <p:sp>
+        <p:nvSpPr>
+          <p:cNvPr id="11" name="文字方塊 10"/>
+          <p:cNvSpPr txBox="1"/>
+          <p:nvPr/>
+        </p:nvSpPr>
+        <p:spPr>
+          <a:xfrm>
+            <a:off x="2961208" y="1782265"/>
+            <a:ext cx="306494" cy="369332"/>
+          </a:xfrm>
+          <a:prstGeom prst="rect">
+            <a:avLst/>
+          </a:prstGeom>
+          <a:noFill/>
+        </p:spPr>
+        <p:txBody>
+          <a:bodyPr wrap="none" rtlCol="0">
+            <a:spAutoFit/>
+          </a:bodyPr>
+          <a:lstStyle/>
+          <a:p>
+            <a:r>
+              <a:rPr lang="en-US" altLang="zh-TW" dirty="0" smtClean="0">
+                <a:solidFill>
+                  <a:srgbClr val="FF0000"/>
+                </a:solidFill>
+              </a:rPr>
+              <a:t>3</a:t>
+            </a:r>
+            <a:endParaRPr lang="zh-TW" altLang="en-US" dirty="0">
+              <a:solidFill>
+                <a:srgbClr val="FF0000"/>
+              </a:solidFill>
+            </a:endParaRPr>
+          </a:p>
+        </p:txBody>
+      </p:sp>
+      <p:sp>
+        <p:nvSpPr>
+          <p:cNvPr id="12" name="向右箭號 11"/>
+          <p:cNvSpPr/>
+          <p:nvPr/>
+        </p:nvSpPr>
+        <p:spPr>
+          <a:xfrm rot="19635824">
+            <a:off x="4780927" y="2651078"/>
+            <a:ext cx="434472" cy="181371"/>
+          </a:xfrm>
+          <a:prstGeom prst="rightArrow">
+            <a:avLst/>
+          </a:prstGeom>
+          <a:solidFill>
+            <a:srgbClr val="FF0000"/>
+          </a:solidFill>
+          <a:ln>
+            <a:solidFill>
+              <a:srgbClr val="FF0000"/>
+            </a:solidFill>
+          </a:ln>
+        </p:spPr>
+        <p:style>
+          <a:lnRef idx="2">
+            <a:schemeClr val="accent1">
+              <a:shade val="50000"/>
+            </a:schemeClr>
+          </a:lnRef>
+          <a:fillRef idx="1">
+            <a:schemeClr val="accent1"/>
+          </a:fillRef>
+          <a:effectRef idx="0">
+            <a:schemeClr val="accent1"/>
+          </a:effectRef>
+          <a:fontRef idx="minor">
+            <a:schemeClr val="lt1"/>
+          </a:fontRef>
+        </p:style>
+        <p:txBody>
+          <a:bodyPr rtlCol="0" anchor="ctr"/>
+          <a:lstStyle/>
+          <a:p>
+            <a:pPr algn="ctr"/>
+            <a:endParaRPr lang="zh-TW" altLang="en-US"/>
+          </a:p>
+        </p:txBody>
+      </p:sp>
+      <p:sp>
+        <p:nvSpPr>
+          <p:cNvPr id="13" name="文字方塊 12"/>
+          <p:cNvSpPr txBox="1"/>
+          <p:nvPr/>
+        </p:nvSpPr>
+        <p:spPr>
+          <a:xfrm>
+            <a:off x="4616162" y="2469311"/>
+            <a:ext cx="306494" cy="369332"/>
+          </a:xfrm>
+          <a:prstGeom prst="rect">
+            <a:avLst/>
+          </a:prstGeom>
+          <a:noFill/>
+        </p:spPr>
+        <p:txBody>
+          <a:bodyPr wrap="none" rtlCol="0">
+            <a:spAutoFit/>
+          </a:bodyPr>
+          <a:lstStyle/>
+          <a:p>
+            <a:r>
+              <a:rPr lang="en-US" altLang="zh-TW" dirty="0" smtClean="0">
+                <a:solidFill>
+                  <a:srgbClr val="FF0000"/>
+                </a:solidFill>
+              </a:rPr>
+              <a:t>4</a:t>
+            </a:r>
+            <a:endParaRPr lang="zh-TW" altLang="en-US" dirty="0">
+              <a:solidFill>
+                <a:srgbClr val="FF0000"/>
+              </a:solidFill>
+            </a:endParaRPr>
+          </a:p>
+        </p:txBody>
+      </p:sp>
+      <p:sp>
+        <p:nvSpPr>
+          <p:cNvPr id="14" name="向右箭號 13"/>
+          <p:cNvSpPr/>
+          <p:nvPr/>
+        </p:nvSpPr>
+        <p:spPr>
+          <a:xfrm rot="19635824">
+            <a:off x="4855648" y="3665593"/>
+            <a:ext cx="434472" cy="181371"/>
+          </a:xfrm>
+          <a:prstGeom prst="rightArrow">
+            <a:avLst/>
+          </a:prstGeom>
+          <a:solidFill>
+            <a:srgbClr val="FF0000"/>
+          </a:solidFill>
+          <a:ln>
+            <a:solidFill>
+              <a:srgbClr val="FF0000"/>
+            </a:solidFill>
+          </a:ln>
+        </p:spPr>
+        <p:style>
+          <a:lnRef idx="2">
+            <a:schemeClr val="accent1">
+              <a:shade val="50000"/>
+            </a:schemeClr>
+          </a:lnRef>
+          <a:fillRef idx="1">
+            <a:schemeClr val="accent1"/>
+          </a:fillRef>
+          <a:effectRef idx="0">
+            <a:schemeClr val="accent1"/>
+          </a:effectRef>
+          <a:fontRef idx="minor">
+            <a:schemeClr val="lt1"/>
+          </a:fontRef>
+        </p:style>
+        <p:txBody>
+          <a:bodyPr rtlCol="0" anchor="ctr"/>
+          <a:lstStyle/>
+          <a:p>
+            <a:pPr algn="ctr"/>
+            <a:endParaRPr lang="zh-TW" altLang="en-US"/>
+          </a:p>
+        </p:txBody>
+      </p:sp>
+      <p:sp>
+        <p:nvSpPr>
+          <p:cNvPr id="15" name="文字方塊 14"/>
+          <p:cNvSpPr txBox="1"/>
+          <p:nvPr/>
+        </p:nvSpPr>
+        <p:spPr>
+          <a:xfrm>
+            <a:off x="4690883" y="3483826"/>
+            <a:ext cx="306494" cy="369332"/>
+          </a:xfrm>
+          <a:prstGeom prst="rect">
+            <a:avLst/>
+          </a:prstGeom>
+          <a:noFill/>
+        </p:spPr>
+        <p:txBody>
+          <a:bodyPr wrap="none" rtlCol="0">
+            <a:spAutoFit/>
+          </a:bodyPr>
+          <a:lstStyle/>
+          <a:p>
+            <a:r>
+              <a:rPr lang="en-US" altLang="zh-TW" dirty="0" smtClean="0">
+                <a:solidFill>
+                  <a:srgbClr val="FF0000"/>
+                </a:solidFill>
+              </a:rPr>
+              <a:t>5</a:t>
+            </a:r>
+            <a:endParaRPr lang="zh-TW" altLang="en-US" dirty="0">
+              <a:solidFill>
+                <a:srgbClr val="FF0000"/>
+              </a:solidFill>
+            </a:endParaRPr>
+          </a:p>
+        </p:txBody>
+      </p:sp>
+      <p:sp>
+        <p:nvSpPr>
+          <p:cNvPr id="16" name="向右箭號 15"/>
+          <p:cNvSpPr/>
+          <p:nvPr/>
+        </p:nvSpPr>
+        <p:spPr>
+          <a:xfrm rot="10800000">
+            <a:off x="9196732" y="2125010"/>
+            <a:ext cx="434472" cy="181371"/>
+          </a:xfrm>
+          <a:prstGeom prst="rightArrow">
+            <a:avLst/>
+          </a:prstGeom>
+          <a:solidFill>
+            <a:srgbClr val="FF0000"/>
+          </a:solidFill>
+          <a:ln>
+            <a:solidFill>
+              <a:srgbClr val="FF0000"/>
+            </a:solidFill>
+          </a:ln>
+        </p:spPr>
+        <p:style>
+          <a:lnRef idx="2">
+            <a:schemeClr val="accent1">
+              <a:shade val="50000"/>
+            </a:schemeClr>
+          </a:lnRef>
+          <a:fillRef idx="1">
+            <a:schemeClr val="accent1"/>
+          </a:fillRef>
+          <a:effectRef idx="0">
+            <a:schemeClr val="accent1"/>
+          </a:effectRef>
+          <a:fontRef idx="minor">
+            <a:schemeClr val="lt1"/>
+          </a:fontRef>
+        </p:style>
+        <p:txBody>
+          <a:bodyPr rtlCol="0" anchor="ctr"/>
+          <a:lstStyle/>
+          <a:p>
+            <a:pPr algn="ctr"/>
+            <a:endParaRPr lang="zh-TW" altLang="en-US"/>
+          </a:p>
+        </p:txBody>
+      </p:sp>
+      <p:sp>
+        <p:nvSpPr>
+          <p:cNvPr id="17" name="文字方塊 16"/>
+          <p:cNvSpPr txBox="1"/>
+          <p:nvPr/>
+        </p:nvSpPr>
+        <p:spPr>
+          <a:xfrm>
+            <a:off x="9344008" y="1870051"/>
+            <a:ext cx="306494" cy="369332"/>
+          </a:xfrm>
+          <a:prstGeom prst="rect">
+            <a:avLst/>
+          </a:prstGeom>
+          <a:noFill/>
+        </p:spPr>
+        <p:txBody>
+          <a:bodyPr wrap="none" rtlCol="0">
+            <a:spAutoFit/>
+          </a:bodyPr>
+          <a:lstStyle/>
+          <a:p>
+            <a:r>
+              <a:rPr lang="en-US" altLang="zh-TW" dirty="0" smtClean="0">
+                <a:solidFill>
+                  <a:srgbClr val="FF0000"/>
+                </a:solidFill>
+              </a:rPr>
+              <a:t>6</a:t>
+            </a:r>
+            <a:endParaRPr lang="zh-TW" altLang="en-US" dirty="0">
+              <a:solidFill>
+                <a:srgbClr val="FF0000"/>
+              </a:solidFill>
+            </a:endParaRPr>
+          </a:p>
+        </p:txBody>
+      </p:sp>
+      <p:pic>
+        <p:nvPicPr>
+          <p:cNvPr id="18" name="圖片 17"/>
+          <p:cNvPicPr>
+            <a:picLocks noChangeAspect="1"/>
+          </p:cNvPicPr>
+          <p:nvPr/>
+        </p:nvPicPr>
+        <p:blipFill>
+          <a:blip r:embed="rId4"/>
+          <a:stretch>
+            <a:fillRect/>
+          </a:stretch>
+        </p:blipFill>
+        <p:spPr>
+          <a:xfrm>
+            <a:off x="9770753" y="2772574"/>
+            <a:ext cx="2193393" cy="2393726"/>
+          </a:xfrm>
+          <a:prstGeom prst="rect">
+            <a:avLst/>
+          </a:prstGeom>
+        </p:spPr>
+      </p:pic>
+      <p:sp>
+        <p:nvSpPr>
+          <p:cNvPr id="19" name="向右箭號 18"/>
+          <p:cNvSpPr/>
+          <p:nvPr/>
+        </p:nvSpPr>
+        <p:spPr>
+          <a:xfrm>
+            <a:off x="9373778" y="3756278"/>
+            <a:ext cx="438912" cy="886968"/>
+          </a:xfrm>
+          <a:prstGeom prst="rightArrow">
+            <a:avLst/>
+          </a:prstGeom>
+        </p:spPr>
+        <p:style>
+          <a:lnRef idx="2">
+            <a:schemeClr val="accent1">
+              <a:shade val="50000"/>
+            </a:schemeClr>
+          </a:lnRef>
+          <a:fillRef idx="1">
+            <a:schemeClr val="accent1"/>
+          </a:fillRef>
+          <a:effectRef idx="0">
+            <a:schemeClr val="accent1"/>
+          </a:effectRef>
+          <a:fontRef idx="minor">
+            <a:schemeClr val="lt1"/>
+          </a:fontRef>
+        </p:style>
+        <p:txBody>
+          <a:bodyPr rtlCol="0" anchor="ctr"/>
+          <a:lstStyle/>
+          <a:p>
+            <a:pPr algn="ctr"/>
+            <a:endParaRPr lang="zh-TW" altLang="en-US"/>
+          </a:p>
+        </p:txBody>
+      </p:sp>
+    </p:spTree>
+    <p:extLst>
+      <p:ext uri="{BB962C8B-B14F-4D97-AF65-F5344CB8AC3E}">
+        <p14:creationId xmlns:p14="http://schemas.microsoft.com/office/powerpoint/2010/main" val="546181356"/>
+      </p:ext>
+    </p:extLst>
+  </p:cSld>
+  <p:clrMapOvr>
+    <a:masterClrMapping/>
+  </p:clrMapOvr>
+</p:sld>
+</file>
+
+<file path=ppt/slides/slide3.xml><?xml version="1.0" encoding="utf-8"?>
+<p:sld xmlns:a="http://schemas.openxmlformats.org/drawingml/2006/main" xmlns:r="http://schemas.openxmlformats.org/officeDocument/2006/relationships" xmlns:p="http://schemas.openxmlformats.org/presentationml/2006/main">
+  <p:cSld>
+    <p:spTree>
+      <p:nvGrpSpPr>
+        <p:cNvPr id="1" name=""/>
+        <p:cNvGrpSpPr/>
+        <p:nvPr/>
+      </p:nvGrpSpPr>
+      <p:grpSpPr>
+        <a:xfrm>
+          <a:off x="0" y="0"/>
+          <a:ext cx="0" cy="0"/>
+          <a:chOff x="0" y="0"/>
+          <a:chExt cx="0" cy="0"/>
+        </a:xfrm>
+      </p:grpSpPr>
+      <p:sp>
+        <p:nvSpPr>
+          <p:cNvPr id="2" name="標題 1"/>
+          <p:cNvSpPr>
+            <a:spLocks noGrp="1"/>
+          </p:cNvSpPr>
+          <p:nvPr>
+            <p:ph type="title"/>
+          </p:nvPr>
+        </p:nvSpPr>
+        <p:spPr/>
+        <p:txBody>
+          <a:bodyPr/>
+          <a:lstStyle/>
+          <a:p>
+            <a:r>
+              <a:rPr lang="en-US" altLang="zh-TW" dirty="0" smtClean="0"/>
+              <a:t>Java JDK</a:t>
+            </a:r>
+            <a:r>
+              <a:rPr lang="zh-TW" altLang="en-US" dirty="0" smtClean="0"/>
+              <a:t>及</a:t>
+            </a:r>
+            <a:r>
+              <a:rPr lang="en-US" altLang="zh-TW" dirty="0" smtClean="0"/>
+              <a:t>Eclipse</a:t>
+            </a:r>
+            <a:r>
+              <a:rPr lang="zh-TW" altLang="en-US" dirty="0"/>
+              <a:t>安裝指引</a:t>
+            </a:r>
+          </a:p>
+        </p:txBody>
+      </p:sp>
+      <p:sp>
+        <p:nvSpPr>
+          <p:cNvPr id="3" name="內容版面配置區 2"/>
+          <p:cNvSpPr>
+            <a:spLocks noGrp="1"/>
+          </p:cNvSpPr>
+          <p:nvPr>
+            <p:ph idx="1"/>
+          </p:nvPr>
+        </p:nvSpPr>
+        <p:spPr/>
+        <p:txBody>
+          <a:bodyPr/>
+          <a:lstStyle/>
+          <a:p>
+            <a:r>
+              <a:rPr lang="zh-TW" altLang="en-US" dirty="0" smtClean="0"/>
+              <a:t>先安裝</a:t>
+            </a:r>
+            <a:r>
+              <a:rPr lang="en-US" altLang="zh-TW" dirty="0"/>
+              <a:t>JDK(Java SE Development </a:t>
+            </a:r>
+            <a:r>
+              <a:rPr lang="en-US" altLang="zh-TW" dirty="0" smtClean="0"/>
+              <a:t>Kit)</a:t>
+            </a:r>
+          </a:p>
+          <a:p>
+            <a:pPr lvl="1"/>
+            <a:r>
+              <a:rPr lang="zh-TW" altLang="en-US" dirty="0" smtClean="0"/>
+              <a:t>因為</a:t>
+            </a:r>
+            <a:r>
+              <a:rPr lang="en-US" altLang="zh-TW" dirty="0"/>
+              <a:t>Eclipse</a:t>
+            </a:r>
+            <a:r>
+              <a:rPr lang="zh-TW" altLang="en-US" dirty="0"/>
+              <a:t>必須依靠</a:t>
+            </a:r>
+            <a:r>
+              <a:rPr lang="en-US" altLang="zh-TW" dirty="0"/>
+              <a:t>Oracle</a:t>
+            </a:r>
+            <a:r>
+              <a:rPr lang="zh-TW" altLang="en-US" dirty="0"/>
+              <a:t>的</a:t>
+            </a:r>
+            <a:r>
+              <a:rPr lang="en-US" altLang="zh-TW" dirty="0"/>
+              <a:t>Java</a:t>
+            </a:r>
+            <a:r>
+              <a:rPr lang="zh-TW" altLang="en-US" dirty="0"/>
+              <a:t>的虛擬機</a:t>
+            </a:r>
+            <a:r>
+              <a:rPr lang="en-US" altLang="zh-TW" dirty="0"/>
+              <a:t>(Java Virtual Machine)</a:t>
+            </a:r>
+            <a:r>
+              <a:rPr lang="zh-TW" altLang="en-US" dirty="0"/>
+              <a:t>來執行，所以要先安裝這個「軟體」，這個「軟體」放在</a:t>
+            </a:r>
+            <a:r>
+              <a:rPr lang="en-US" altLang="zh-TW" dirty="0"/>
+              <a:t>JDK(Java SE Development Kit)</a:t>
+            </a:r>
+            <a:r>
+              <a:rPr lang="zh-TW" altLang="en-US" dirty="0"/>
+              <a:t>裡面，中文稱為</a:t>
+            </a:r>
+            <a:r>
+              <a:rPr lang="en-US" altLang="zh-TW" dirty="0"/>
+              <a:t>Java</a:t>
+            </a:r>
+            <a:r>
+              <a:rPr lang="zh-TW" altLang="en-US" dirty="0"/>
+              <a:t>開發工具包。</a:t>
+            </a:r>
+          </a:p>
+          <a:p>
+            <a:pPr lvl="1"/>
+            <a:r>
+              <a:rPr lang="zh-TW" altLang="en-US" dirty="0"/>
+              <a:t>雖然目前</a:t>
+            </a:r>
+            <a:r>
+              <a:rPr lang="en-US" altLang="zh-TW" dirty="0"/>
+              <a:t>JDK</a:t>
+            </a:r>
+            <a:r>
+              <a:rPr lang="zh-TW" altLang="en-US" dirty="0"/>
+              <a:t>的版本已經來到</a:t>
+            </a:r>
+            <a:r>
+              <a:rPr lang="en-US" altLang="zh-TW" dirty="0"/>
+              <a:t>12(2019/5/8)</a:t>
+            </a:r>
+            <a:r>
+              <a:rPr lang="zh-TW" altLang="en-US" dirty="0"/>
+              <a:t>，但目前大多數（</a:t>
+            </a:r>
+            <a:r>
+              <a:rPr lang="en-US" altLang="zh-TW" dirty="0"/>
+              <a:t>80%</a:t>
+            </a:r>
+            <a:r>
+              <a:rPr lang="zh-TW" altLang="en-US" dirty="0"/>
+              <a:t>以上）的公司還是用</a:t>
+            </a:r>
+            <a:r>
+              <a:rPr lang="en-US" altLang="zh-TW" dirty="0"/>
+              <a:t>Java 8</a:t>
+            </a:r>
+            <a:r>
+              <a:rPr lang="zh-TW" altLang="en-US" dirty="0"/>
+              <a:t>，請</a:t>
+            </a:r>
+            <a:r>
+              <a:rPr lang="zh-TW" altLang="en-US" dirty="0" smtClean="0"/>
+              <a:t>參考，</a:t>
+            </a:r>
+            <a:r>
+              <a:rPr lang="zh-TW" altLang="en-US" dirty="0"/>
+              <a:t>因此安裝</a:t>
+            </a:r>
+            <a:r>
+              <a:rPr lang="en-US" altLang="zh-TW" dirty="0"/>
+              <a:t>JDK 8</a:t>
+            </a:r>
+            <a:r>
+              <a:rPr lang="zh-TW" altLang="en-US" dirty="0"/>
+              <a:t>即可</a:t>
+            </a:r>
+            <a:r>
+              <a:rPr lang="zh-TW" altLang="en-US" dirty="0" smtClean="0"/>
+              <a:t>。</a:t>
+            </a:r>
+            <a:endParaRPr lang="en-US" altLang="zh-TW" dirty="0" smtClean="0"/>
+          </a:p>
+          <a:p>
+            <a:pPr lvl="1"/>
+            <a:r>
+              <a:rPr lang="zh-TW" altLang="en-US" b="1" i="1" u="sng" dirty="0" smtClean="0">
+                <a:solidFill>
+                  <a:srgbClr val="FF0000"/>
+                </a:solidFill>
+              </a:rPr>
+              <a:t>如果安裝了</a:t>
+            </a:r>
+            <a:r>
+              <a:rPr lang="en-US" altLang="zh-TW" b="1" i="1" u="sng" dirty="0" smtClean="0">
+                <a:solidFill>
+                  <a:srgbClr val="FF0000"/>
+                </a:solidFill>
+              </a:rPr>
+              <a:t>Eclipse for Java</a:t>
+            </a:r>
+            <a:r>
+              <a:rPr lang="zh-TW" altLang="en-US" b="1" i="1" u="sng" dirty="0" smtClean="0">
+                <a:solidFill>
+                  <a:srgbClr val="FF0000"/>
+                </a:solidFill>
+              </a:rPr>
+              <a:t>完整版，則可不要自己安裝</a:t>
+            </a:r>
+            <a:r>
+              <a:rPr lang="en-US" altLang="zh-TW" b="1" i="1" u="sng" dirty="0" smtClean="0">
+                <a:solidFill>
+                  <a:srgbClr val="FF0000"/>
+                </a:solidFill>
+              </a:rPr>
+              <a:t>JDK</a:t>
+            </a:r>
+            <a:r>
+              <a:rPr lang="zh-TW" altLang="en-US" b="1" i="1" u="sng" dirty="0" smtClean="0">
+                <a:solidFill>
+                  <a:srgbClr val="FF0000"/>
+                </a:solidFill>
+              </a:rPr>
+              <a:t>。</a:t>
+            </a:r>
+            <a:endParaRPr lang="en-US" altLang="zh-TW" b="1" i="1" u="sng" dirty="0" smtClean="0">
+              <a:solidFill>
+                <a:srgbClr val="FF0000"/>
+              </a:solidFill>
+            </a:endParaRPr>
+          </a:p>
+          <a:p>
+            <a:r>
+              <a:rPr lang="zh-TW" altLang="en-US" dirty="0" smtClean="0"/>
+              <a:t>接著安裝</a:t>
+            </a:r>
+            <a:r>
+              <a:rPr lang="en-US" altLang="zh-TW" dirty="0" smtClean="0"/>
+              <a:t>Eclipse for Java</a:t>
+            </a:r>
+          </a:p>
+          <a:p>
+            <a:pPr lvl="1"/>
+            <a:r>
+              <a:rPr lang="zh-TW" altLang="en-US" dirty="0"/>
+              <a:t>萬金油</a:t>
+            </a:r>
+            <a:r>
+              <a:rPr lang="en-US" altLang="zh-TW" dirty="0"/>
+              <a:t>IDE</a:t>
+            </a:r>
+            <a:r>
+              <a:rPr lang="zh-TW" altLang="en-US" dirty="0"/>
+              <a:t>，幾乎各大程式語言他都</a:t>
+            </a:r>
+            <a:r>
+              <a:rPr lang="zh-TW" altLang="en-US" dirty="0" smtClean="0"/>
+              <a:t>支援</a:t>
+            </a:r>
+            <a:endParaRPr lang="en-US" altLang="zh-TW" dirty="0" smtClean="0"/>
+          </a:p>
+          <a:p>
+            <a:pPr lvl="1"/>
+            <a:r>
+              <a:rPr lang="zh-TW" altLang="en-US" b="1" u="sng" dirty="0"/>
+              <a:t>要記得找 </a:t>
+            </a:r>
+            <a:r>
+              <a:rPr lang="en-US" altLang="zh-TW" b="1" u="sng" dirty="0"/>
+              <a:t>for Java</a:t>
+            </a:r>
+            <a:r>
+              <a:rPr lang="zh-TW" altLang="en-US" b="1" u="sng" dirty="0"/>
+              <a:t>的來用</a:t>
+            </a:r>
+            <a:br>
+              <a:rPr lang="zh-TW" altLang="en-US" b="1" u="sng" dirty="0"/>
+            </a:br>
+            <a:endParaRPr lang="zh-TW" altLang="en-US" b="1" u="sng" dirty="0"/>
+          </a:p>
+        </p:txBody>
+      </p:sp>
+    </p:spTree>
+    <p:extLst>
+      <p:ext uri="{BB962C8B-B14F-4D97-AF65-F5344CB8AC3E}">
+        <p14:creationId xmlns:p14="http://schemas.microsoft.com/office/powerpoint/2010/main" val="2557856310"/>
       </p:ext>
     </p:extLst>
   </p:cSld>
@@ -12128,7 +13006,7 @@
       </p:grpSpPr>
       <p:sp>
         <p:nvSpPr>
-          <p:cNvPr id="2" name="標題 1"/>
+          <p:cNvPr id="4" name="標題 3"/>
           <p:cNvSpPr>
             <a:spLocks noGrp="1"/>
           </p:cNvSpPr>
@@ -12142,254 +13020,56 @@
           <a:lstStyle/>
           <a:p>
             <a:r>
-              <a:rPr lang="zh-TW" altLang="en-US" dirty="0"/>
-              <a:t>哪個語言比較有</a:t>
-            </a:r>
-            <a:r>
-              <a:rPr lang="zh-TW" altLang="en-US" b="1" dirty="0">
-                <a:solidFill>
-                  <a:srgbClr val="FF0000"/>
-                </a:solidFill>
-              </a:rPr>
-              <a:t>錢</a:t>
+              <a:rPr lang="en-US" altLang="zh-TW" dirty="0" smtClean="0"/>
+              <a:t>JDK</a:t>
             </a:r>
             <a:r>
               <a:rPr lang="zh-TW" altLang="en-US" dirty="0" smtClean="0"/>
-              <a:t>途</a:t>
+              <a:t>安裝指引</a:t>
+            </a:r>
+            <a:endParaRPr lang="zh-TW" altLang="en-US" dirty="0"/>
+          </a:p>
+        </p:txBody>
+      </p:sp>
+      <p:sp>
+        <p:nvSpPr>
+          <p:cNvPr id="5" name="文字版面配置區 4"/>
+          <p:cNvSpPr>
+            <a:spLocks noGrp="1"/>
+          </p:cNvSpPr>
+          <p:nvPr>
+            <p:ph type="body" idx="1"/>
+          </p:nvPr>
+        </p:nvSpPr>
+        <p:spPr/>
+        <p:txBody>
+          <a:bodyPr/>
+          <a:lstStyle/>
+          <a:p>
+            <a:r>
+              <a:rPr lang="zh-TW" altLang="en-US" dirty="0" smtClean="0"/>
+              <a:t>可以先跳過，建議直接安裝完整版</a:t>
             </a:r>
             <a:r>
               <a:rPr lang="en-US" altLang="zh-TW" dirty="0" smtClean="0"/>
-              <a:t>(</a:t>
-            </a:r>
-            <a:r>
-              <a:rPr lang="zh-TW" altLang="en-US" dirty="0" smtClean="0"/>
-              <a:t>續</a:t>
+              <a:t>Eclipse </a:t>
+            </a:r>
+            <a:r>
+              <a:rPr lang="en-US" altLang="zh-TW" dirty="0" err="1" smtClean="0"/>
+              <a:t>fo</a:t>
             </a:r>
             <a:r>
               <a:rPr lang="en-US" altLang="zh-TW" dirty="0" smtClean="0"/>
-              <a:t>)</a:t>
+              <a:t> Java</a:t>
             </a:r>
             <a:endParaRPr lang="zh-TW" altLang="en-US" dirty="0"/>
-          </a:p>
-        </p:txBody>
-      </p:sp>
-      <p:sp>
-        <p:nvSpPr>
-          <p:cNvPr id="3" name="文字方塊 2"/>
-          <p:cNvSpPr txBox="1"/>
-          <p:nvPr/>
-        </p:nvSpPr>
-        <p:spPr>
-          <a:xfrm>
-            <a:off x="8046720" y="900668"/>
-            <a:ext cx="1838965" cy="369332"/>
-          </a:xfrm>
-          <a:prstGeom prst="rect">
-            <a:avLst/>
-          </a:prstGeom>
-          <a:noFill/>
-        </p:spPr>
-        <p:txBody>
-          <a:bodyPr wrap="none" rtlCol="0">
-            <a:spAutoFit/>
-          </a:bodyPr>
-          <a:lstStyle/>
-          <a:p>
-            <a:r>
-              <a:rPr lang="en-US" altLang="zh-TW" dirty="0" smtClean="0"/>
-              <a:t>2019</a:t>
-            </a:r>
-            <a:r>
-              <a:rPr lang="zh-TW" altLang="en-US" dirty="0" smtClean="0"/>
-              <a:t>年</a:t>
-            </a:r>
-            <a:r>
-              <a:rPr lang="en-US" altLang="zh-TW" dirty="0" smtClean="0"/>
-              <a:t>12</a:t>
-            </a:r>
-            <a:r>
-              <a:rPr lang="zh-TW" altLang="en-US" dirty="0"/>
-              <a:t>月</a:t>
-            </a:r>
-            <a:r>
-              <a:rPr lang="zh-TW" altLang="en-US" dirty="0" smtClean="0"/>
-              <a:t>資料</a:t>
-            </a:r>
-            <a:endParaRPr lang="zh-TW" altLang="en-US" dirty="0"/>
-          </a:p>
-        </p:txBody>
-      </p:sp>
-      <p:pic>
-        <p:nvPicPr>
-          <p:cNvPr id="4098" name="Picture 2" descr="https://uploads-ssl.webflow.com/5d3a7aed4e11720246d46f49/5e030b3066a70d35871eebe8_2020%E8%81%B7%E7%BC%BA%E6%9C%80%E5%A4%9A%E7%9A%84%E7%A8%8B%E5%BC%8F%E8%AA%9E%E8%A8%80%20(2).jpg"/>
-          <p:cNvPicPr>
-            <a:picLocks noChangeAspect="1" noChangeArrowheads="1"/>
-          </p:cNvPicPr>
-          <p:nvPr/>
-        </p:nvPicPr>
-        <p:blipFill>
-          <a:blip r:embed="rId2">
-            <a:extLst>
-              <a:ext uri="{28A0092B-C50C-407E-A947-70E740481C1C}">
-                <a14:useLocalDpi xmlns:a14="http://schemas.microsoft.com/office/drawing/2010/main" val="0"/>
-              </a:ext>
-            </a:extLst>
-          </a:blip>
-          <a:srcRect/>
-          <a:stretch>
-            <a:fillRect/>
-          </a:stretch>
-        </p:blipFill>
-        <p:spPr bwMode="auto">
-          <a:xfrm>
-            <a:off x="5990652" y="1930400"/>
-            <a:ext cx="5557909" cy="4659184"/>
-          </a:xfrm>
-          <a:prstGeom prst="rect">
-            <a:avLst/>
-          </a:prstGeom>
-          <a:noFill/>
-          <a:ln>
-            <a:solidFill>
-              <a:schemeClr val="tx1"/>
-            </a:solidFill>
-          </a:ln>
-          <a:extLst>
-            <a:ext uri="{909E8E84-426E-40DD-AFC4-6F175D3DCCD1}">
-              <a14:hiddenFill xmlns:a14="http://schemas.microsoft.com/office/drawing/2010/main">
-                <a:solidFill>
-                  <a:srgbClr val="FFFFFF"/>
-                </a:solidFill>
-              </a14:hiddenFill>
-            </a:ext>
-          </a:extLst>
-        </p:spPr>
-      </p:pic>
-      <p:pic>
-        <p:nvPicPr>
-          <p:cNvPr id="4" name="圖片 3"/>
-          <p:cNvPicPr>
-            <a:picLocks noChangeAspect="1"/>
-          </p:cNvPicPr>
-          <p:nvPr/>
-        </p:nvPicPr>
-        <p:blipFill>
-          <a:blip r:embed="rId3"/>
-          <a:stretch>
-            <a:fillRect/>
-          </a:stretch>
-        </p:blipFill>
-        <p:spPr>
-          <a:xfrm>
-            <a:off x="186491" y="1930400"/>
-            <a:ext cx="5909509" cy="4659184"/>
-          </a:xfrm>
-          <a:prstGeom prst="rect">
-            <a:avLst/>
-          </a:prstGeom>
-          <a:ln>
-            <a:solidFill>
-              <a:schemeClr val="tx1"/>
-            </a:solidFill>
-          </a:ln>
-        </p:spPr>
-      </p:pic>
-      <p:sp>
-        <p:nvSpPr>
-          <p:cNvPr id="6" name="橢圓 5"/>
-          <p:cNvSpPr/>
-          <p:nvPr/>
-        </p:nvSpPr>
-        <p:spPr>
-          <a:xfrm>
-            <a:off x="5327712" y="3155283"/>
-            <a:ext cx="630936" cy="374904"/>
-          </a:xfrm>
-          <a:prstGeom prst="ellipse">
-            <a:avLst/>
-          </a:prstGeom>
-          <a:noFill/>
-          <a:ln w="38100">
-            <a:solidFill>
-              <a:srgbClr val="FF0000"/>
-            </a:solidFill>
-          </a:ln>
-        </p:spPr>
-        <p:style>
-          <a:lnRef idx="2">
-            <a:schemeClr val="accent1">
-              <a:shade val="50000"/>
-            </a:schemeClr>
-          </a:lnRef>
-          <a:fillRef idx="1">
-            <a:schemeClr val="accent1"/>
-          </a:fillRef>
-          <a:effectRef idx="0">
-            <a:schemeClr val="accent1"/>
-          </a:effectRef>
-          <a:fontRef idx="minor">
-            <a:schemeClr val="lt1"/>
-          </a:fontRef>
-        </p:style>
-        <p:txBody>
-          <a:bodyPr rtlCol="0" anchor="ctr"/>
-          <a:lstStyle/>
-          <a:p>
-            <a:pPr algn="ctr"/>
-            <a:endParaRPr lang="zh-TW" altLang="en-US"/>
-          </a:p>
-        </p:txBody>
-      </p:sp>
-      <p:sp>
-        <p:nvSpPr>
-          <p:cNvPr id="7" name="橢圓 6"/>
-          <p:cNvSpPr/>
-          <p:nvPr/>
-        </p:nvSpPr>
-        <p:spPr>
-          <a:xfrm>
-            <a:off x="6604824" y="3956907"/>
-            <a:ext cx="630936" cy="374904"/>
-          </a:xfrm>
-          <a:prstGeom prst="ellipse">
-            <a:avLst/>
-          </a:prstGeom>
-          <a:noFill/>
-          <a:ln w="38100">
-            <a:solidFill>
-              <a:srgbClr val="FF0000"/>
-            </a:solidFill>
-          </a:ln>
-        </p:spPr>
-        <p:style>
-          <a:lnRef idx="2">
-            <a:schemeClr val="accent1">
-              <a:shade val="50000"/>
-            </a:schemeClr>
-          </a:lnRef>
-          <a:fillRef idx="1">
-            <a:schemeClr val="accent1"/>
-          </a:fillRef>
-          <a:effectRef idx="0">
-            <a:schemeClr val="accent1"/>
-          </a:effectRef>
-          <a:fontRef idx="minor">
-            <a:schemeClr val="lt1"/>
-          </a:fontRef>
-        </p:style>
-        <p:txBody>
-          <a:bodyPr rtlCol="0" anchor="ctr"/>
-          <a:lstStyle/>
-          <a:p>
-            <a:pPr algn="ctr"/>
-            <a:endParaRPr lang="zh-TW" altLang="en-US"/>
           </a:p>
         </p:txBody>
       </p:sp>
     </p:spTree>
     <p:extLst>
       <p:ext uri="{BB962C8B-B14F-4D97-AF65-F5344CB8AC3E}">
-        <p14:creationId xmlns:p14="http://schemas.microsoft.com/office/powerpoint/2010/main" val="2751266355"/>
+        <p14:creationId xmlns:p14="http://schemas.microsoft.com/office/powerpoint/2010/main" val="2583162322"/>
       </p:ext>
     </p:extLst>
   </p:cSld>
@@ -12439,764 +13119,6 @@
           <a:lstStyle/>
           <a:p>
             <a:r>
-              <a:rPr lang="zh-TW" altLang="en-US" dirty="0" smtClean="0"/>
-              <a:t>常見的</a:t>
-            </a:r>
-            <a:r>
-              <a:rPr lang="en-US" altLang="zh-TW" dirty="0" smtClean="0"/>
-              <a:t>Java IDE</a:t>
-            </a:r>
-            <a:r>
-              <a:rPr lang="zh-TW" altLang="en-US" dirty="0" smtClean="0"/>
-              <a:t>工具</a:t>
-            </a:r>
-            <a:endParaRPr lang="zh-TW" altLang="en-US" dirty="0"/>
-          </a:p>
-        </p:txBody>
-      </p:sp>
-      <p:sp>
-        <p:nvSpPr>
-          <p:cNvPr id="3" name="內容版面配置區 2"/>
-          <p:cNvSpPr>
-            <a:spLocks noGrp="1"/>
-          </p:cNvSpPr>
-          <p:nvPr>
-            <p:ph idx="1"/>
-          </p:nvPr>
-        </p:nvSpPr>
-        <p:spPr/>
-        <p:txBody>
-          <a:bodyPr/>
-          <a:lstStyle/>
-          <a:p>
-            <a:r>
-              <a:rPr lang="en-US" altLang="zh-TW" dirty="0" smtClean="0"/>
-              <a:t>IntelliJ </a:t>
-            </a:r>
-            <a:r>
-              <a:rPr lang="en-US" altLang="zh-TW" dirty="0"/>
-              <a:t>IDEA</a:t>
-            </a:r>
-          </a:p>
-          <a:p>
-            <a:pPr lvl="1"/>
-            <a:r>
-              <a:rPr lang="zh-TW" altLang="en-US" dirty="0"/>
-              <a:t>兩個版本：免費的社區版和付費的終極版</a:t>
-            </a:r>
-            <a:r>
-              <a:rPr lang="zh-TW" altLang="en-US" dirty="0" smtClean="0"/>
-              <a:t>。</a:t>
-            </a:r>
-            <a:endParaRPr lang="en-US" altLang="zh-TW" dirty="0" smtClean="0"/>
-          </a:p>
-          <a:p>
-            <a:pPr lvl="1"/>
-            <a:r>
-              <a:rPr lang="zh-TW" altLang="en-US" dirty="0"/>
-              <a:t>社區版可用於</a:t>
-            </a:r>
-            <a:r>
-              <a:rPr lang="en-US" altLang="zh-TW" dirty="0"/>
-              <a:t>JVM</a:t>
-            </a:r>
-            <a:r>
-              <a:rPr lang="zh-TW" altLang="en-US" dirty="0"/>
-              <a:t>和</a:t>
-            </a:r>
-            <a:r>
-              <a:rPr lang="en-US" altLang="zh-TW" dirty="0"/>
-              <a:t>Android</a:t>
-            </a:r>
-            <a:r>
-              <a:rPr lang="zh-TW" altLang="en-US" dirty="0"/>
-              <a:t>開發。支持</a:t>
-            </a:r>
-            <a:r>
-              <a:rPr lang="en-US" altLang="zh-TW" dirty="0"/>
-              <a:t>Java</a:t>
-            </a:r>
-            <a:r>
-              <a:rPr lang="zh-TW" altLang="en-US" dirty="0"/>
-              <a:t>，</a:t>
-            </a:r>
-            <a:r>
-              <a:rPr lang="en-US" altLang="zh-TW" dirty="0" err="1"/>
-              <a:t>Kotlin</a:t>
-            </a:r>
-            <a:r>
-              <a:rPr lang="zh-TW" altLang="en-US" dirty="0"/>
-              <a:t>，</a:t>
-            </a:r>
-            <a:r>
-              <a:rPr lang="en-US" altLang="zh-TW" dirty="0"/>
-              <a:t>Groovy</a:t>
-            </a:r>
-            <a:r>
-              <a:rPr lang="zh-TW" altLang="en-US" dirty="0"/>
-              <a:t>，</a:t>
-            </a:r>
-            <a:r>
-              <a:rPr lang="en-US" altLang="zh-TW" dirty="0"/>
-              <a:t>Scala</a:t>
-            </a:r>
-            <a:r>
-              <a:rPr lang="zh-TW" altLang="en-US" dirty="0"/>
-              <a:t>；</a:t>
-            </a:r>
-            <a:r>
-              <a:rPr lang="en-US" altLang="zh-TW" dirty="0"/>
-              <a:t>Android</a:t>
-            </a:r>
-            <a:r>
-              <a:rPr lang="zh-TW" altLang="en-US" dirty="0"/>
-              <a:t>；</a:t>
-            </a:r>
-            <a:r>
-              <a:rPr lang="en-US" altLang="zh-TW" dirty="0"/>
-              <a:t>Maven</a:t>
-            </a:r>
-            <a:r>
-              <a:rPr lang="zh-TW" altLang="en-US" dirty="0"/>
-              <a:t>，</a:t>
-            </a:r>
-            <a:r>
-              <a:rPr lang="en-US" altLang="zh-TW" dirty="0" err="1"/>
-              <a:t>Gradle</a:t>
-            </a:r>
-            <a:r>
-              <a:rPr lang="zh-TW" altLang="en-US" dirty="0"/>
-              <a:t>，</a:t>
-            </a:r>
-            <a:r>
-              <a:rPr lang="en-US" altLang="zh-TW" dirty="0"/>
-              <a:t>SBT; </a:t>
-            </a:r>
-            <a:r>
-              <a:rPr lang="en-US" altLang="zh-TW" dirty="0" err="1"/>
-              <a:t>Git</a:t>
-            </a:r>
-            <a:r>
-              <a:rPr lang="zh-TW" altLang="en-US" dirty="0"/>
-              <a:t>，</a:t>
-            </a:r>
-            <a:r>
-              <a:rPr lang="en-US" altLang="zh-TW" dirty="0"/>
-              <a:t>SVN</a:t>
-            </a:r>
-            <a:r>
-              <a:rPr lang="zh-TW" altLang="en-US" dirty="0"/>
-              <a:t>，</a:t>
-            </a:r>
-            <a:r>
-              <a:rPr lang="en-US" altLang="zh-TW" dirty="0"/>
-              <a:t>Mercurial</a:t>
-            </a:r>
-            <a:r>
-              <a:rPr lang="zh-TW" altLang="en-US" dirty="0"/>
-              <a:t>和</a:t>
-            </a:r>
-            <a:r>
-              <a:rPr lang="en-US" altLang="zh-TW" dirty="0"/>
-              <a:t>CVS</a:t>
-            </a:r>
-            <a:r>
-              <a:rPr lang="zh-TW" altLang="en-US" dirty="0" smtClean="0"/>
-              <a:t>。</a:t>
-            </a:r>
-            <a:endParaRPr lang="en-US" altLang="zh-TW" dirty="0" smtClean="0"/>
-          </a:p>
-          <a:p>
-            <a:r>
-              <a:rPr lang="en-US" altLang="zh-TW" dirty="0" smtClean="0"/>
-              <a:t>Eclipse</a:t>
-            </a:r>
-          </a:p>
-          <a:p>
-            <a:pPr lvl="1"/>
-            <a:r>
-              <a:rPr lang="zh-TW" altLang="en-US" dirty="0"/>
-              <a:t>萬金油</a:t>
-            </a:r>
-            <a:r>
-              <a:rPr lang="en-US" altLang="zh-TW" dirty="0"/>
-              <a:t>IDE</a:t>
-            </a:r>
-            <a:r>
-              <a:rPr lang="zh-TW" altLang="en-US" dirty="0"/>
-              <a:t>，幾乎各大程式語言他都</a:t>
-            </a:r>
-            <a:r>
-              <a:rPr lang="zh-TW" altLang="en-US" dirty="0" smtClean="0"/>
-              <a:t>支援。可以</a:t>
-            </a:r>
-            <a:r>
-              <a:rPr lang="zh-TW" altLang="en-US" dirty="0"/>
-              <a:t>運行在</a:t>
-            </a:r>
-            <a:r>
-              <a:rPr lang="en-US" altLang="zh-TW" dirty="0"/>
-              <a:t>Linux</a:t>
-            </a:r>
-            <a:r>
-              <a:rPr lang="zh-TW" altLang="en-US" dirty="0"/>
-              <a:t>，</a:t>
-            </a:r>
-            <a:r>
-              <a:rPr lang="en-US" altLang="zh-TW" dirty="0"/>
-              <a:t>Mac OS X</a:t>
-            </a:r>
-            <a:r>
-              <a:rPr lang="zh-TW" altLang="en-US" dirty="0"/>
-              <a:t>，</a:t>
-            </a:r>
-            <a:r>
-              <a:rPr lang="en-US" altLang="zh-TW" dirty="0"/>
-              <a:t>Solaris</a:t>
-            </a:r>
-            <a:r>
-              <a:rPr lang="zh-TW" altLang="en-US" dirty="0"/>
-              <a:t>，</a:t>
-            </a:r>
-            <a:r>
-              <a:rPr lang="en-US" altLang="zh-TW" dirty="0"/>
-              <a:t>Windows</a:t>
-            </a:r>
-            <a:r>
-              <a:rPr lang="zh-TW" altLang="en-US" dirty="0"/>
-              <a:t>等</a:t>
-            </a:r>
-            <a:r>
-              <a:rPr lang="zh-TW" altLang="en-US" dirty="0" smtClean="0"/>
-              <a:t>。</a:t>
-            </a:r>
-            <a:endParaRPr lang="en-US" altLang="zh-TW" dirty="0" smtClean="0"/>
-          </a:p>
-          <a:p>
-            <a:pPr lvl="1"/>
-            <a:r>
-              <a:rPr lang="zh-TW" altLang="en-US" dirty="0"/>
-              <a:t>支持超過</a:t>
-            </a:r>
-            <a:r>
-              <a:rPr lang="en-US" altLang="zh-TW" dirty="0"/>
-              <a:t>100</a:t>
-            </a:r>
-            <a:r>
-              <a:rPr lang="zh-TW" altLang="en-US" dirty="0"/>
-              <a:t>種程式語言和近</a:t>
-            </a:r>
-            <a:r>
-              <a:rPr lang="en-US" altLang="zh-TW" dirty="0"/>
-              <a:t>200</a:t>
-            </a:r>
-            <a:r>
-              <a:rPr lang="zh-TW" altLang="en-US" dirty="0"/>
-              <a:t>個應用程式開發框架</a:t>
-            </a:r>
-            <a:r>
-              <a:rPr lang="zh-TW" altLang="en-US" dirty="0" smtClean="0"/>
-              <a:t>。</a:t>
-            </a:r>
-            <a:endParaRPr lang="en-US" altLang="zh-TW" dirty="0" smtClean="0"/>
-          </a:p>
-          <a:p>
-            <a:r>
-              <a:rPr lang="en-US" altLang="zh-TW" dirty="0" smtClean="0"/>
-              <a:t>NetBeans</a:t>
-            </a:r>
-          </a:p>
-          <a:p>
-            <a:pPr lvl="1"/>
-            <a:r>
-              <a:rPr lang="zh-TW" altLang="en-US" dirty="0" smtClean="0"/>
-              <a:t>輕量、免費</a:t>
-            </a:r>
-            <a:r>
-              <a:rPr lang="zh-TW" altLang="en-US" dirty="0"/>
-              <a:t>、</a:t>
-            </a:r>
-            <a:r>
-              <a:rPr lang="zh-TW" altLang="en-US" dirty="0" smtClean="0"/>
-              <a:t>穩定的</a:t>
-            </a:r>
-            <a:r>
-              <a:rPr lang="en-US" altLang="zh-TW" dirty="0" smtClean="0"/>
-              <a:t>Java</a:t>
-            </a:r>
-            <a:r>
-              <a:rPr lang="zh-TW" altLang="en-US" dirty="0" smtClean="0"/>
-              <a:t>開發環境</a:t>
-            </a:r>
-            <a:endParaRPr lang="en-US" altLang="zh-TW" dirty="0" smtClean="0"/>
-          </a:p>
-          <a:p>
-            <a:pPr lvl="1"/>
-            <a:endParaRPr lang="zh-TW" altLang="en-US" dirty="0"/>
-          </a:p>
-        </p:txBody>
-      </p:sp>
-    </p:spTree>
-    <p:extLst>
-      <p:ext uri="{BB962C8B-B14F-4D97-AF65-F5344CB8AC3E}">
-        <p14:creationId xmlns:p14="http://schemas.microsoft.com/office/powerpoint/2010/main" val="2816880057"/>
-      </p:ext>
-    </p:extLst>
-  </p:cSld>
-  <p:clrMapOvr>
-    <a:masterClrMapping/>
-  </p:clrMapOvr>
-  <p:timing>
-    <p:tnLst>
-      <p:par>
-        <p:cTn id="1" dur="indefinite" restart="never" nodeType="tmRoot"/>
-      </p:par>
-    </p:tnLst>
-  </p:timing>
-</p:sld>
-</file>
-
-<file path=ppt/slides/slide6.xml><?xml version="1.0" encoding="utf-8"?>
-<p:sld xmlns:a="http://schemas.openxmlformats.org/drawingml/2006/main" xmlns:r="http://schemas.openxmlformats.org/officeDocument/2006/relationships" xmlns:p="http://schemas.openxmlformats.org/presentationml/2006/main">
-  <p:cSld>
-    <p:spTree>
-      <p:nvGrpSpPr>
-        <p:cNvPr id="1" name=""/>
-        <p:cNvGrpSpPr/>
-        <p:nvPr/>
-      </p:nvGrpSpPr>
-      <p:grpSpPr>
-        <a:xfrm>
-          <a:off x="0" y="0"/>
-          <a:ext cx="0" cy="0"/>
-          <a:chOff x="0" y="0"/>
-          <a:chExt cx="0" cy="0"/>
-        </a:xfrm>
-      </p:grpSpPr>
-      <p:sp>
-        <p:nvSpPr>
-          <p:cNvPr id="2" name="標題 1"/>
-          <p:cNvSpPr>
-            <a:spLocks noGrp="1"/>
-          </p:cNvSpPr>
-          <p:nvPr>
-            <p:ph type="title"/>
-          </p:nvPr>
-        </p:nvSpPr>
-        <p:spPr/>
-        <p:txBody>
-          <a:bodyPr/>
-          <a:lstStyle/>
-          <a:p>
-            <a:r>
-              <a:rPr lang="en-US" altLang="zh-TW" dirty="0" smtClean="0"/>
-              <a:t>Java JDK</a:t>
-            </a:r>
-            <a:r>
-              <a:rPr lang="zh-TW" altLang="en-US" dirty="0" smtClean="0"/>
-              <a:t>及</a:t>
-            </a:r>
-            <a:r>
-              <a:rPr lang="en-US" altLang="zh-TW" dirty="0" smtClean="0"/>
-              <a:t>Eclipse</a:t>
-            </a:r>
-            <a:r>
-              <a:rPr lang="zh-TW" altLang="en-US" dirty="0"/>
-              <a:t>安裝指引</a:t>
-            </a:r>
-          </a:p>
-        </p:txBody>
-      </p:sp>
-      <p:sp>
-        <p:nvSpPr>
-          <p:cNvPr id="3" name="內容版面配置區 2"/>
-          <p:cNvSpPr>
-            <a:spLocks noGrp="1"/>
-          </p:cNvSpPr>
-          <p:nvPr>
-            <p:ph idx="1"/>
-          </p:nvPr>
-        </p:nvSpPr>
-        <p:spPr/>
-        <p:txBody>
-          <a:bodyPr/>
-          <a:lstStyle/>
-          <a:p>
-            <a:r>
-              <a:rPr lang="zh-TW" altLang="en-US" dirty="0" smtClean="0"/>
-              <a:t>先安裝</a:t>
-            </a:r>
-            <a:r>
-              <a:rPr lang="en-US" altLang="zh-TW" dirty="0"/>
-              <a:t>JDK(Java SE Development </a:t>
-            </a:r>
-            <a:r>
-              <a:rPr lang="en-US" altLang="zh-TW" dirty="0" smtClean="0"/>
-              <a:t>Kit)</a:t>
-            </a:r>
-          </a:p>
-          <a:p>
-            <a:pPr lvl="1"/>
-            <a:r>
-              <a:rPr lang="zh-TW" altLang="en-US" dirty="0" smtClean="0"/>
-              <a:t>因為</a:t>
-            </a:r>
-            <a:r>
-              <a:rPr lang="en-US" altLang="zh-TW" dirty="0"/>
-              <a:t>Eclipse</a:t>
-            </a:r>
-            <a:r>
-              <a:rPr lang="zh-TW" altLang="en-US" dirty="0"/>
-              <a:t>必須依靠</a:t>
-            </a:r>
-            <a:r>
-              <a:rPr lang="en-US" altLang="zh-TW" dirty="0"/>
-              <a:t>Oracle</a:t>
-            </a:r>
-            <a:r>
-              <a:rPr lang="zh-TW" altLang="en-US" dirty="0"/>
-              <a:t>的</a:t>
-            </a:r>
-            <a:r>
-              <a:rPr lang="en-US" altLang="zh-TW" dirty="0"/>
-              <a:t>Java</a:t>
-            </a:r>
-            <a:r>
-              <a:rPr lang="zh-TW" altLang="en-US" dirty="0"/>
-              <a:t>的虛擬機</a:t>
-            </a:r>
-            <a:r>
-              <a:rPr lang="en-US" altLang="zh-TW" dirty="0"/>
-              <a:t>(Java Virtual Machine)</a:t>
-            </a:r>
-            <a:r>
-              <a:rPr lang="zh-TW" altLang="en-US" dirty="0"/>
-              <a:t>來執行，所以要先安裝這個「軟體」，這個「軟體」放在</a:t>
-            </a:r>
-            <a:r>
-              <a:rPr lang="en-US" altLang="zh-TW" dirty="0"/>
-              <a:t>JDK(Java SE Development Kit)</a:t>
-            </a:r>
-            <a:r>
-              <a:rPr lang="zh-TW" altLang="en-US" dirty="0"/>
-              <a:t>裡面，中文稱為</a:t>
-            </a:r>
-            <a:r>
-              <a:rPr lang="en-US" altLang="zh-TW" dirty="0"/>
-              <a:t>Java</a:t>
-            </a:r>
-            <a:r>
-              <a:rPr lang="zh-TW" altLang="en-US" dirty="0"/>
-              <a:t>開發工具包。</a:t>
-            </a:r>
-          </a:p>
-          <a:p>
-            <a:pPr lvl="1"/>
-            <a:r>
-              <a:rPr lang="zh-TW" altLang="en-US" dirty="0"/>
-              <a:t>雖然目前</a:t>
-            </a:r>
-            <a:r>
-              <a:rPr lang="en-US" altLang="zh-TW" dirty="0"/>
-              <a:t>JDK</a:t>
-            </a:r>
-            <a:r>
-              <a:rPr lang="zh-TW" altLang="en-US" dirty="0"/>
-              <a:t>的版本已經來到</a:t>
-            </a:r>
-            <a:r>
-              <a:rPr lang="en-US" altLang="zh-TW" dirty="0"/>
-              <a:t>12(2019/5/8)</a:t>
-            </a:r>
-            <a:r>
-              <a:rPr lang="zh-TW" altLang="en-US" dirty="0"/>
-              <a:t>，但目前大多數（</a:t>
-            </a:r>
-            <a:r>
-              <a:rPr lang="en-US" altLang="zh-TW" dirty="0"/>
-              <a:t>80%</a:t>
-            </a:r>
-            <a:r>
-              <a:rPr lang="zh-TW" altLang="en-US" dirty="0"/>
-              <a:t>以上）的公司還是用</a:t>
-            </a:r>
-            <a:r>
-              <a:rPr lang="en-US" altLang="zh-TW" dirty="0"/>
-              <a:t>Java 8</a:t>
-            </a:r>
-            <a:r>
-              <a:rPr lang="zh-TW" altLang="en-US" dirty="0"/>
-              <a:t>，請</a:t>
-            </a:r>
-            <a:r>
-              <a:rPr lang="zh-TW" altLang="en-US" dirty="0" smtClean="0"/>
-              <a:t>參考，</a:t>
-            </a:r>
-            <a:r>
-              <a:rPr lang="zh-TW" altLang="en-US" dirty="0"/>
-              <a:t>因此安裝</a:t>
-            </a:r>
-            <a:r>
-              <a:rPr lang="en-US" altLang="zh-TW" dirty="0"/>
-              <a:t>JDK 8</a:t>
-            </a:r>
-            <a:r>
-              <a:rPr lang="zh-TW" altLang="en-US" dirty="0"/>
-              <a:t>即可</a:t>
-            </a:r>
-            <a:r>
-              <a:rPr lang="zh-TW" altLang="en-US" dirty="0" smtClean="0"/>
-              <a:t>。</a:t>
-            </a:r>
-            <a:endParaRPr lang="en-US" altLang="zh-TW" dirty="0" smtClean="0"/>
-          </a:p>
-          <a:p>
-            <a:pPr lvl="1"/>
-            <a:r>
-              <a:rPr lang="zh-TW" altLang="en-US" dirty="0" smtClean="0">
-                <a:solidFill>
-                  <a:schemeClr val="accent1">
-                    <a:lumMod val="75000"/>
-                  </a:schemeClr>
-                </a:solidFill>
-              </a:rPr>
-              <a:t>如果安裝了</a:t>
-            </a:r>
-            <a:r>
-              <a:rPr lang="en-US" altLang="zh-TW" dirty="0" smtClean="0">
-                <a:solidFill>
-                  <a:schemeClr val="accent1">
-                    <a:lumMod val="75000"/>
-                  </a:schemeClr>
-                </a:solidFill>
-              </a:rPr>
-              <a:t>Eclipse for Java</a:t>
-            </a:r>
-            <a:r>
-              <a:rPr lang="zh-TW" altLang="en-US" dirty="0" smtClean="0">
-                <a:solidFill>
-                  <a:schemeClr val="accent1">
-                    <a:lumMod val="75000"/>
-                  </a:schemeClr>
-                </a:solidFill>
-              </a:rPr>
-              <a:t>完整版，則可不要自己安裝</a:t>
-            </a:r>
-            <a:r>
-              <a:rPr lang="en-US" altLang="zh-TW" dirty="0" smtClean="0">
-                <a:solidFill>
-                  <a:schemeClr val="accent1">
-                    <a:lumMod val="75000"/>
-                  </a:schemeClr>
-                </a:solidFill>
-              </a:rPr>
-              <a:t>JDK</a:t>
-            </a:r>
-            <a:r>
-              <a:rPr lang="zh-TW" altLang="en-US" dirty="0" smtClean="0">
-                <a:solidFill>
-                  <a:schemeClr val="accent1">
-                    <a:lumMod val="75000"/>
-                  </a:schemeClr>
-                </a:solidFill>
-              </a:rPr>
-              <a:t>。</a:t>
-            </a:r>
-            <a:endParaRPr lang="en-US" altLang="zh-TW" dirty="0" smtClean="0">
-              <a:solidFill>
-                <a:schemeClr val="accent1">
-                  <a:lumMod val="75000"/>
-                </a:schemeClr>
-              </a:solidFill>
-            </a:endParaRPr>
-          </a:p>
-          <a:p>
-            <a:r>
-              <a:rPr lang="zh-TW" altLang="en-US" dirty="0" smtClean="0"/>
-              <a:t>接著安裝</a:t>
-            </a:r>
-            <a:r>
-              <a:rPr lang="en-US" altLang="zh-TW" dirty="0" smtClean="0"/>
-              <a:t>Eclipse for Java</a:t>
-            </a:r>
-          </a:p>
-          <a:p>
-            <a:pPr lvl="1"/>
-            <a:r>
-              <a:rPr lang="zh-TW" altLang="en-US" dirty="0"/>
-              <a:t>萬金油</a:t>
-            </a:r>
-            <a:r>
-              <a:rPr lang="en-US" altLang="zh-TW" dirty="0"/>
-              <a:t>IDE</a:t>
-            </a:r>
-            <a:r>
-              <a:rPr lang="zh-TW" altLang="en-US" dirty="0"/>
-              <a:t>，幾乎各大程式語言他都</a:t>
-            </a:r>
-            <a:r>
-              <a:rPr lang="zh-TW" altLang="en-US" dirty="0" smtClean="0"/>
-              <a:t>支援</a:t>
-            </a:r>
-            <a:endParaRPr lang="en-US" altLang="zh-TW" dirty="0" smtClean="0"/>
-          </a:p>
-          <a:p>
-            <a:pPr lvl="1"/>
-            <a:r>
-              <a:rPr lang="zh-TW" altLang="en-US" b="1" u="sng" dirty="0"/>
-              <a:t>要記得找 </a:t>
-            </a:r>
-            <a:r>
-              <a:rPr lang="en-US" altLang="zh-TW" b="1" u="sng" dirty="0"/>
-              <a:t>for Java</a:t>
-            </a:r>
-            <a:r>
-              <a:rPr lang="zh-TW" altLang="en-US" b="1" u="sng" dirty="0"/>
-              <a:t>的來用</a:t>
-            </a:r>
-            <a:br>
-              <a:rPr lang="zh-TW" altLang="en-US" b="1" u="sng" dirty="0"/>
-            </a:br>
-            <a:endParaRPr lang="zh-TW" altLang="en-US" b="1" u="sng" dirty="0"/>
-          </a:p>
-        </p:txBody>
-      </p:sp>
-    </p:spTree>
-    <p:extLst>
-      <p:ext uri="{BB962C8B-B14F-4D97-AF65-F5344CB8AC3E}">
-        <p14:creationId xmlns:p14="http://schemas.microsoft.com/office/powerpoint/2010/main" val="2557856310"/>
-      </p:ext>
-    </p:extLst>
-  </p:cSld>
-  <p:clrMapOvr>
-    <a:masterClrMapping/>
-  </p:clrMapOvr>
-  <p:timing>
-    <p:tnLst>
-      <p:par>
-        <p:cTn id="1" dur="indefinite" restart="never" nodeType="tmRoot"/>
-      </p:par>
-    </p:tnLst>
-  </p:timing>
-</p:sld>
-</file>
-
-<file path=ppt/slides/slide7.xml><?xml version="1.0" encoding="utf-8"?>
-<p:sld xmlns:a="http://schemas.openxmlformats.org/drawingml/2006/main" xmlns:r="http://schemas.openxmlformats.org/officeDocument/2006/relationships" xmlns:p="http://schemas.openxmlformats.org/presentationml/2006/main">
-  <p:cSld>
-    <p:spTree>
-      <p:nvGrpSpPr>
-        <p:cNvPr id="1" name=""/>
-        <p:cNvGrpSpPr/>
-        <p:nvPr/>
-      </p:nvGrpSpPr>
-      <p:grpSpPr>
-        <a:xfrm>
-          <a:off x="0" y="0"/>
-          <a:ext cx="0" cy="0"/>
-          <a:chOff x="0" y="0"/>
-          <a:chExt cx="0" cy="0"/>
-        </a:xfrm>
-      </p:grpSpPr>
-      <p:sp>
-        <p:nvSpPr>
-          <p:cNvPr id="4" name="標題 3"/>
-          <p:cNvSpPr>
-            <a:spLocks noGrp="1"/>
-          </p:cNvSpPr>
-          <p:nvPr>
-            <p:ph type="title"/>
-          </p:nvPr>
-        </p:nvSpPr>
-        <p:spPr/>
-        <p:txBody>
-          <a:bodyPr/>
-          <a:lstStyle/>
-          <a:p>
-            <a:r>
-              <a:rPr lang="en-US" altLang="zh-TW" dirty="0" smtClean="0"/>
-              <a:t>JDK</a:t>
-            </a:r>
-            <a:r>
-              <a:rPr lang="zh-TW" altLang="en-US" dirty="0" smtClean="0"/>
-              <a:t>安裝指引</a:t>
-            </a:r>
-            <a:endParaRPr lang="zh-TW" altLang="en-US" dirty="0"/>
-          </a:p>
-        </p:txBody>
-      </p:sp>
-      <p:sp>
-        <p:nvSpPr>
-          <p:cNvPr id="5" name="文字版面配置區 4"/>
-          <p:cNvSpPr>
-            <a:spLocks noGrp="1"/>
-          </p:cNvSpPr>
-          <p:nvPr>
-            <p:ph type="body" idx="1"/>
-          </p:nvPr>
-        </p:nvSpPr>
-        <p:spPr/>
-        <p:txBody>
-          <a:bodyPr/>
-          <a:lstStyle/>
-          <a:p>
-            <a:endParaRPr lang="zh-TW" altLang="en-US"/>
-          </a:p>
-        </p:txBody>
-      </p:sp>
-    </p:spTree>
-    <p:extLst>
-      <p:ext uri="{BB962C8B-B14F-4D97-AF65-F5344CB8AC3E}">
-        <p14:creationId xmlns:p14="http://schemas.microsoft.com/office/powerpoint/2010/main" val="2583162322"/>
-      </p:ext>
-    </p:extLst>
-  </p:cSld>
-  <p:clrMapOvr>
-    <a:masterClrMapping/>
-  </p:clrMapOvr>
-  <p:timing>
-    <p:tnLst>
-      <p:par>
-        <p:cTn id="1" dur="indefinite" restart="never" nodeType="tmRoot"/>
-      </p:par>
-    </p:tnLst>
-  </p:timing>
-</p:sld>
-</file>
-
-<file path=ppt/slides/slide8.xml><?xml version="1.0" encoding="utf-8"?>
-<p:sld xmlns:a="http://schemas.openxmlformats.org/drawingml/2006/main" xmlns:r="http://schemas.openxmlformats.org/officeDocument/2006/relationships" xmlns:p="http://schemas.openxmlformats.org/presentationml/2006/main">
-  <p:cSld>
-    <p:spTree>
-      <p:nvGrpSpPr>
-        <p:cNvPr id="1" name=""/>
-        <p:cNvGrpSpPr/>
-        <p:nvPr/>
-      </p:nvGrpSpPr>
-      <p:grpSpPr>
-        <a:xfrm>
-          <a:off x="0" y="0"/>
-          <a:ext cx="0" cy="0"/>
-          <a:chOff x="0" y="0"/>
-          <a:chExt cx="0" cy="0"/>
-        </a:xfrm>
-      </p:grpSpPr>
-      <p:sp>
-        <p:nvSpPr>
-          <p:cNvPr id="2" name="標題 1"/>
-          <p:cNvSpPr>
-            <a:spLocks noGrp="1"/>
-          </p:cNvSpPr>
-          <p:nvPr>
-            <p:ph type="title"/>
-          </p:nvPr>
-        </p:nvSpPr>
-        <p:spPr/>
-        <p:txBody>
-          <a:bodyPr/>
-          <a:lstStyle/>
-          <a:p>
-            <a:r>
               <a:rPr lang="en-US" altLang="zh-TW" dirty="0" smtClean="0"/>
               <a:t>JDK</a:t>
             </a:r>
@@ -13581,7 +13503,7 @@
 </p:sld>
 </file>
 
-<file path=ppt/slides/slide9.xml><?xml version="1.0" encoding="utf-8"?>
+<file path=ppt/slides/slide6.xml><?xml version="1.0" encoding="utf-8"?>
 <p:sld xmlns:a="http://schemas.openxmlformats.org/drawingml/2006/main" xmlns:r="http://schemas.openxmlformats.org/officeDocument/2006/relationships" xmlns:p="http://schemas.openxmlformats.org/presentationml/2006/main">
   <p:cSld>
     <p:spTree>
@@ -13922,6 +13844,783 @@
             </p:seq>
           </p:childTnLst>
         </p:cTn>
+      </p:par>
+    </p:tnLst>
+  </p:timing>
+</p:sld>
+</file>
+
+<file path=ppt/slides/slide7.xml><?xml version="1.0" encoding="utf-8"?>
+<p:sld xmlns:a="http://schemas.openxmlformats.org/drawingml/2006/main" xmlns:r="http://schemas.openxmlformats.org/officeDocument/2006/relationships" xmlns:p="http://schemas.openxmlformats.org/presentationml/2006/main">
+  <p:cSld>
+    <p:spTree>
+      <p:nvGrpSpPr>
+        <p:cNvPr id="1" name=""/>
+        <p:cNvGrpSpPr/>
+        <p:nvPr/>
+      </p:nvGrpSpPr>
+      <p:grpSpPr>
+        <a:xfrm>
+          <a:off x="0" y="0"/>
+          <a:ext cx="0" cy="0"/>
+          <a:chOff x="0" y="0"/>
+          <a:chExt cx="0" cy="0"/>
+        </a:xfrm>
+      </p:grpSpPr>
+      <p:sp>
+        <p:nvSpPr>
+          <p:cNvPr id="2" name="標題 1"/>
+          <p:cNvSpPr>
+            <a:spLocks noGrp="1"/>
+          </p:cNvSpPr>
+          <p:nvPr>
+            <p:ph type="title"/>
+          </p:nvPr>
+        </p:nvSpPr>
+        <p:spPr/>
+        <p:txBody>
+          <a:bodyPr/>
+          <a:lstStyle/>
+          <a:p>
+            <a:r>
+              <a:rPr lang="en-US" altLang="zh-TW" dirty="0"/>
+              <a:t>JDK</a:t>
+            </a:r>
+            <a:r>
+              <a:rPr lang="zh-TW" altLang="en-US" dirty="0"/>
+              <a:t>安裝</a:t>
+            </a:r>
+            <a:r>
+              <a:rPr lang="en-US" altLang="zh-TW" dirty="0" smtClean="0"/>
+              <a:t>(3/</a:t>
+            </a:r>
+            <a:r>
+              <a:rPr lang="en-US" altLang="zh-TW" dirty="0"/>
+              <a:t>10</a:t>
+            </a:r>
+            <a:r>
+              <a:rPr lang="en-US" altLang="zh-TW" dirty="0" smtClean="0"/>
+              <a:t>)</a:t>
+            </a:r>
+            <a:endParaRPr lang="zh-TW" altLang="en-US" dirty="0"/>
+          </a:p>
+        </p:txBody>
+      </p:sp>
+      <p:sp>
+        <p:nvSpPr>
+          <p:cNvPr id="3" name="內容版面配置區 2"/>
+          <p:cNvSpPr>
+            <a:spLocks noGrp="1"/>
+          </p:cNvSpPr>
+          <p:nvPr>
+            <p:ph idx="1"/>
+          </p:nvPr>
+        </p:nvSpPr>
+        <p:spPr/>
+        <p:txBody>
+          <a:bodyPr/>
+          <a:lstStyle/>
+          <a:p>
+            <a:r>
+              <a:rPr lang="zh-TW" altLang="en-US" dirty="0" smtClean="0"/>
+              <a:t>從剛才的頁面往下找到</a:t>
+            </a:r>
+            <a:r>
+              <a:rPr lang="en-US" altLang="zh-TW" dirty="0" smtClean="0"/>
+              <a:t>Java SE Development Kit 8u271 </a:t>
+            </a:r>
+            <a:r>
+              <a:rPr lang="zh-TW" altLang="en-US" dirty="0" smtClean="0"/>
+              <a:t>如下</a:t>
+            </a:r>
+            <a:r>
+              <a:rPr lang="zh-TW" altLang="en-US" dirty="0">
+                <a:sym typeface="Wingdings" panose="05000000000000000000" pitchFamily="2" charset="2"/>
+              </a:rPr>
+              <a:t>：</a:t>
+            </a:r>
+            <a:r>
+              <a:rPr lang="zh-TW" altLang="en-US" dirty="0" smtClean="0">
+                <a:sym typeface="Wingdings" panose="05000000000000000000" pitchFamily="2" charset="2"/>
+              </a:rPr>
+              <a:t> </a:t>
+            </a:r>
+            <a:r>
+              <a:rPr lang="en-US" altLang="zh-TW" dirty="0" smtClean="0">
+                <a:sym typeface="Wingdings" panose="05000000000000000000" pitchFamily="2" charset="2"/>
+              </a:rPr>
+              <a:t>(</a:t>
+            </a:r>
+            <a:r>
+              <a:rPr lang="zh-TW" altLang="en-US" dirty="0" smtClean="0"/>
+              <a:t>數字可能會變化</a:t>
+            </a:r>
+            <a:r>
+              <a:rPr lang="en-US" altLang="zh-TW" dirty="0" smtClean="0"/>
+              <a:t>)</a:t>
+            </a:r>
+          </a:p>
+          <a:p>
+            <a:endParaRPr lang="en-US" altLang="zh-TW" dirty="0"/>
+          </a:p>
+          <a:p>
+            <a:endParaRPr lang="en-US" altLang="zh-TW" dirty="0" smtClean="0"/>
+          </a:p>
+          <a:p>
+            <a:r>
+              <a:rPr lang="zh-TW" altLang="en-US" dirty="0" smtClean="0"/>
+              <a:t>再往下找，挑選適合版本：</a:t>
+            </a:r>
+            <a:endParaRPr lang="en-US" altLang="zh-TW" dirty="0"/>
+          </a:p>
+          <a:p>
+            <a:endParaRPr lang="en-US" altLang="zh-TW" dirty="0" smtClean="0"/>
+          </a:p>
+          <a:p>
+            <a:endParaRPr lang="en-US" altLang="zh-TW" dirty="0"/>
+          </a:p>
+          <a:p>
+            <a:endParaRPr lang="en-US" altLang="zh-TW" dirty="0" smtClean="0"/>
+          </a:p>
+          <a:p>
+            <a:r>
+              <a:rPr lang="zh-TW" altLang="en-US" dirty="0"/>
+              <a:t>應該大多數都是</a:t>
+            </a:r>
+            <a:r>
+              <a:rPr lang="en-US" altLang="zh-TW" dirty="0"/>
+              <a:t>Windows x64</a:t>
+            </a:r>
+            <a:r>
+              <a:rPr lang="zh-TW" altLang="en-US" dirty="0"/>
+              <a:t>了，點右邊的下載。</a:t>
+            </a:r>
+            <a:endParaRPr lang="en-US" altLang="zh-TW" dirty="0" smtClean="0"/>
+          </a:p>
+        </p:txBody>
+      </p:sp>
+      <p:pic>
+        <p:nvPicPr>
+          <p:cNvPr id="4" name="圖片 3"/>
+          <p:cNvPicPr>
+            <a:picLocks noChangeAspect="1"/>
+          </p:cNvPicPr>
+          <p:nvPr/>
+        </p:nvPicPr>
+        <p:blipFill>
+          <a:blip r:embed="rId2"/>
+          <a:stretch>
+            <a:fillRect/>
+          </a:stretch>
+        </p:blipFill>
+        <p:spPr>
+          <a:xfrm>
+            <a:off x="1038415" y="2516315"/>
+            <a:ext cx="6366891" cy="868212"/>
+          </a:xfrm>
+          <a:prstGeom prst="rect">
+            <a:avLst/>
+          </a:prstGeom>
+          <a:ln>
+            <a:solidFill>
+              <a:schemeClr val="tx1"/>
+            </a:solidFill>
+          </a:ln>
+        </p:spPr>
+      </p:pic>
+      <p:pic>
+        <p:nvPicPr>
+          <p:cNvPr id="5" name="圖片 4"/>
+          <p:cNvPicPr>
+            <a:picLocks noChangeAspect="1"/>
+          </p:cNvPicPr>
+          <p:nvPr/>
+        </p:nvPicPr>
+        <p:blipFill>
+          <a:blip r:embed="rId3"/>
+          <a:stretch>
+            <a:fillRect/>
+          </a:stretch>
+        </p:blipFill>
+        <p:spPr>
+          <a:xfrm>
+            <a:off x="1038415" y="3740253"/>
+            <a:ext cx="9004893" cy="1261515"/>
+          </a:xfrm>
+          <a:prstGeom prst="rect">
+            <a:avLst/>
+          </a:prstGeom>
+          <a:ln>
+            <a:solidFill>
+              <a:schemeClr val="tx1"/>
+            </a:solidFill>
+          </a:ln>
+        </p:spPr>
+      </p:pic>
+      <p:sp>
+        <p:nvSpPr>
+          <p:cNvPr id="6" name="矩形 5"/>
+          <p:cNvSpPr/>
+          <p:nvPr/>
+        </p:nvSpPr>
+        <p:spPr>
+          <a:xfrm>
+            <a:off x="7281942" y="4507883"/>
+            <a:ext cx="2761366" cy="493885"/>
+          </a:xfrm>
+          <a:prstGeom prst="rect">
+            <a:avLst/>
+          </a:prstGeom>
+          <a:noFill/>
+          <a:ln w="57150">
+            <a:solidFill>
+              <a:srgbClr val="FF0000"/>
+            </a:solidFill>
+          </a:ln>
+        </p:spPr>
+        <p:style>
+          <a:lnRef idx="2">
+            <a:schemeClr val="accent1">
+              <a:shade val="50000"/>
+            </a:schemeClr>
+          </a:lnRef>
+          <a:fillRef idx="1">
+            <a:schemeClr val="accent1"/>
+          </a:fillRef>
+          <a:effectRef idx="0">
+            <a:schemeClr val="accent1"/>
+          </a:effectRef>
+          <a:fontRef idx="minor">
+            <a:schemeClr val="lt1"/>
+          </a:fontRef>
+        </p:style>
+        <p:txBody>
+          <a:bodyPr rtlCol="0" anchor="ctr"/>
+          <a:lstStyle/>
+          <a:p>
+            <a:pPr algn="ctr"/>
+            <a:endParaRPr lang="zh-TW" altLang="en-US"/>
+          </a:p>
+        </p:txBody>
+      </p:sp>
+    </p:spTree>
+    <p:extLst>
+      <p:ext uri="{BB962C8B-B14F-4D97-AF65-F5344CB8AC3E}">
+        <p14:creationId xmlns:p14="http://schemas.microsoft.com/office/powerpoint/2010/main" val="2012230117"/>
+      </p:ext>
+    </p:extLst>
+  </p:cSld>
+  <p:clrMapOvr>
+    <a:masterClrMapping/>
+  </p:clrMapOvr>
+  <p:timing>
+    <p:tnLst>
+      <p:par>
+        <p:cTn id="1" dur="indefinite" restart="never" nodeType="tmRoot"/>
+      </p:par>
+    </p:tnLst>
+  </p:timing>
+</p:sld>
+</file>
+
+<file path=ppt/slides/slide8.xml><?xml version="1.0" encoding="utf-8"?>
+<p:sld xmlns:a="http://schemas.openxmlformats.org/drawingml/2006/main" xmlns:r="http://schemas.openxmlformats.org/officeDocument/2006/relationships" xmlns:p="http://schemas.openxmlformats.org/presentationml/2006/main">
+  <p:cSld>
+    <p:spTree>
+      <p:nvGrpSpPr>
+        <p:cNvPr id="1" name=""/>
+        <p:cNvGrpSpPr/>
+        <p:nvPr/>
+      </p:nvGrpSpPr>
+      <p:grpSpPr>
+        <a:xfrm>
+          <a:off x="0" y="0"/>
+          <a:ext cx="0" cy="0"/>
+          <a:chOff x="0" y="0"/>
+          <a:chExt cx="0" cy="0"/>
+        </a:xfrm>
+      </p:grpSpPr>
+      <p:sp>
+        <p:nvSpPr>
+          <p:cNvPr id="3" name="內容版面配置區 2"/>
+          <p:cNvSpPr>
+            <a:spLocks noGrp="1"/>
+          </p:cNvSpPr>
+          <p:nvPr>
+            <p:ph idx="1"/>
+          </p:nvPr>
+        </p:nvSpPr>
+        <p:spPr/>
+        <p:txBody>
+          <a:bodyPr/>
+          <a:lstStyle/>
+          <a:p>
+            <a:r>
+              <a:rPr lang="zh-TW" altLang="en-US" dirty="0" smtClean="0"/>
+              <a:t>出現如下的說明，要點選接受</a:t>
+            </a:r>
+            <a:r>
+              <a:rPr lang="en-US" altLang="zh-TW" dirty="0" smtClean="0"/>
+              <a:t>Oracle</a:t>
+            </a:r>
+            <a:r>
+              <a:rPr lang="zh-TW" altLang="en-US" dirty="0" smtClean="0"/>
+              <a:t>的條款才可以下載。點選好即可下載。</a:t>
+            </a:r>
+            <a:endParaRPr lang="en-US" altLang="zh-TW" dirty="0" smtClean="0"/>
+          </a:p>
+          <a:p>
+            <a:endParaRPr lang="en-US" altLang="zh-TW" dirty="0"/>
+          </a:p>
+          <a:p>
+            <a:endParaRPr lang="en-US" altLang="zh-TW" dirty="0" smtClean="0"/>
+          </a:p>
+          <a:p>
+            <a:endParaRPr lang="en-US" altLang="zh-TW" dirty="0"/>
+          </a:p>
+          <a:p>
+            <a:endParaRPr lang="en-US" altLang="zh-TW" dirty="0" smtClean="0"/>
+          </a:p>
+          <a:p>
+            <a:endParaRPr lang="en-US" altLang="zh-TW" dirty="0"/>
+          </a:p>
+          <a:p>
+            <a:endParaRPr lang="en-US" altLang="zh-TW" dirty="0" smtClean="0"/>
+          </a:p>
+          <a:p>
+            <a:endParaRPr lang="en-US" altLang="zh-TW" dirty="0"/>
+          </a:p>
+          <a:p>
+            <a:r>
+              <a:rPr lang="zh-TW" altLang="en-US" sz="2400" b="1" dirty="0" smtClean="0">
+                <a:solidFill>
+                  <a:srgbClr val="FF0000"/>
+                </a:solidFill>
+              </a:rPr>
+              <a:t>還沒完！</a:t>
+            </a:r>
+            <a:endParaRPr lang="zh-TW" altLang="en-US" sz="2400" b="1" dirty="0">
+              <a:solidFill>
+                <a:srgbClr val="FF0000"/>
+              </a:solidFill>
+            </a:endParaRPr>
+          </a:p>
+        </p:txBody>
+      </p:sp>
+      <p:grpSp>
+        <p:nvGrpSpPr>
+          <p:cNvPr id="7" name="群組 6"/>
+          <p:cNvGrpSpPr/>
+          <p:nvPr/>
+        </p:nvGrpSpPr>
+        <p:grpSpPr>
+          <a:xfrm>
+            <a:off x="1198245" y="2488184"/>
+            <a:ext cx="7023809" cy="2758821"/>
+            <a:chOff x="887349" y="1930400"/>
+            <a:chExt cx="7023809" cy="2758821"/>
+          </a:xfrm>
+        </p:grpSpPr>
+        <p:pic>
+          <p:nvPicPr>
+            <p:cNvPr id="4" name="圖片 3"/>
+            <p:cNvPicPr>
+              <a:picLocks noChangeAspect="1"/>
+            </p:cNvPicPr>
+            <p:nvPr/>
+          </p:nvPicPr>
+          <p:blipFill>
+            <a:blip r:embed="rId2"/>
+            <a:stretch>
+              <a:fillRect/>
+            </a:stretch>
+          </p:blipFill>
+          <p:spPr>
+            <a:xfrm>
+              <a:off x="887349" y="1930400"/>
+              <a:ext cx="7023809" cy="2758821"/>
+            </a:xfrm>
+            <a:prstGeom prst="rect">
+              <a:avLst/>
+            </a:prstGeom>
+            <a:ln>
+              <a:solidFill>
+                <a:schemeClr val="tx1"/>
+              </a:solidFill>
+            </a:ln>
+          </p:spPr>
+        </p:pic>
+        <p:sp>
+          <p:nvSpPr>
+            <p:cNvPr id="5" name="向右箭號 4"/>
+            <p:cNvSpPr/>
+            <p:nvPr/>
+          </p:nvSpPr>
+          <p:spPr>
+            <a:xfrm rot="20392875">
+              <a:off x="914212" y="2977108"/>
+              <a:ext cx="356616" cy="219456"/>
+            </a:xfrm>
+            <a:prstGeom prst="rightArrow">
+              <a:avLst/>
+            </a:prstGeom>
+            <a:noFill/>
+            <a:ln>
+              <a:solidFill>
+                <a:srgbClr val="FF0000"/>
+              </a:solidFill>
+            </a:ln>
+          </p:spPr>
+          <p:style>
+            <a:lnRef idx="2">
+              <a:schemeClr val="accent1">
+                <a:shade val="50000"/>
+              </a:schemeClr>
+            </a:lnRef>
+            <a:fillRef idx="1">
+              <a:schemeClr val="accent1"/>
+            </a:fillRef>
+            <a:effectRef idx="0">
+              <a:schemeClr val="accent1"/>
+            </a:effectRef>
+            <a:fontRef idx="minor">
+              <a:schemeClr val="lt1"/>
+            </a:fontRef>
+          </p:style>
+          <p:txBody>
+            <a:bodyPr rtlCol="0" anchor="ctr"/>
+            <a:lstStyle/>
+            <a:p>
+              <a:pPr algn="ctr"/>
+              <a:endParaRPr lang="zh-TW" altLang="en-US"/>
+            </a:p>
+          </p:txBody>
+        </p:sp>
+        <p:sp>
+          <p:nvSpPr>
+            <p:cNvPr id="6" name="向右箭號 5"/>
+            <p:cNvSpPr/>
+            <p:nvPr/>
+          </p:nvSpPr>
+          <p:spPr>
+            <a:xfrm rot="20392875">
+              <a:off x="2712532" y="3991247"/>
+              <a:ext cx="356616" cy="219456"/>
+            </a:xfrm>
+            <a:prstGeom prst="rightArrow">
+              <a:avLst/>
+            </a:prstGeom>
+            <a:noFill/>
+            <a:ln>
+              <a:solidFill>
+                <a:srgbClr val="FF0000"/>
+              </a:solidFill>
+            </a:ln>
+          </p:spPr>
+          <p:style>
+            <a:lnRef idx="2">
+              <a:schemeClr val="accent1">
+                <a:shade val="50000"/>
+              </a:schemeClr>
+            </a:lnRef>
+            <a:fillRef idx="1">
+              <a:schemeClr val="accent1"/>
+            </a:fillRef>
+            <a:effectRef idx="0">
+              <a:schemeClr val="accent1"/>
+            </a:effectRef>
+            <a:fontRef idx="minor">
+              <a:schemeClr val="lt1"/>
+            </a:fontRef>
+          </p:style>
+          <p:txBody>
+            <a:bodyPr rtlCol="0" anchor="ctr"/>
+            <a:lstStyle/>
+            <a:p>
+              <a:pPr algn="ctr"/>
+              <a:endParaRPr lang="zh-TW" altLang="en-US"/>
+            </a:p>
+          </p:txBody>
+        </p:sp>
+      </p:grpSp>
+      <p:sp>
+        <p:nvSpPr>
+          <p:cNvPr id="2" name="標題 1"/>
+          <p:cNvSpPr>
+            <a:spLocks noGrp="1"/>
+          </p:cNvSpPr>
+          <p:nvPr>
+            <p:ph type="title"/>
+          </p:nvPr>
+        </p:nvSpPr>
+        <p:spPr/>
+        <p:txBody>
+          <a:bodyPr/>
+          <a:lstStyle/>
+          <a:p>
+            <a:r>
+              <a:rPr lang="en-US" altLang="zh-TW" dirty="0"/>
+              <a:t>JDK</a:t>
+            </a:r>
+            <a:r>
+              <a:rPr lang="zh-TW" altLang="en-US" dirty="0"/>
+              <a:t>安裝</a:t>
+            </a:r>
+            <a:r>
+              <a:rPr lang="en-US" altLang="zh-TW" dirty="0" smtClean="0"/>
+              <a:t>(4/</a:t>
+            </a:r>
+            <a:r>
+              <a:rPr lang="en-US" altLang="zh-TW" dirty="0"/>
+              <a:t>10</a:t>
+            </a:r>
+            <a:r>
+              <a:rPr lang="en-US" altLang="zh-TW" dirty="0" smtClean="0"/>
+              <a:t>)</a:t>
+            </a:r>
+            <a:endParaRPr lang="zh-TW" altLang="en-US" dirty="0"/>
+          </a:p>
+        </p:txBody>
+      </p:sp>
+    </p:spTree>
+    <p:extLst>
+      <p:ext uri="{BB962C8B-B14F-4D97-AF65-F5344CB8AC3E}">
+        <p14:creationId xmlns:p14="http://schemas.microsoft.com/office/powerpoint/2010/main" val="1161824047"/>
+      </p:ext>
+    </p:extLst>
+  </p:cSld>
+  <p:clrMapOvr>
+    <a:masterClrMapping/>
+  </p:clrMapOvr>
+  <p:timing>
+    <p:tnLst>
+      <p:par>
+        <p:cTn id="1" dur="indefinite" restart="never" nodeType="tmRoot"/>
+      </p:par>
+    </p:tnLst>
+  </p:timing>
+</p:sld>
+</file>
+
+<file path=ppt/slides/slide9.xml><?xml version="1.0" encoding="utf-8"?>
+<p:sld xmlns:a="http://schemas.openxmlformats.org/drawingml/2006/main" xmlns:r="http://schemas.openxmlformats.org/officeDocument/2006/relationships" xmlns:p="http://schemas.openxmlformats.org/presentationml/2006/main">
+  <p:cSld>
+    <p:spTree>
+      <p:nvGrpSpPr>
+        <p:cNvPr id="1" name=""/>
+        <p:cNvGrpSpPr/>
+        <p:nvPr/>
+      </p:nvGrpSpPr>
+      <p:grpSpPr>
+        <a:xfrm>
+          <a:off x="0" y="0"/>
+          <a:ext cx="0" cy="0"/>
+          <a:chOff x="0" y="0"/>
+          <a:chExt cx="0" cy="0"/>
+        </a:xfrm>
+      </p:grpSpPr>
+      <p:sp>
+        <p:nvSpPr>
+          <p:cNvPr id="2" name="標題 1"/>
+          <p:cNvSpPr>
+            <a:spLocks noGrp="1"/>
+          </p:cNvSpPr>
+          <p:nvPr>
+            <p:ph type="title"/>
+          </p:nvPr>
+        </p:nvSpPr>
+        <p:spPr/>
+        <p:txBody>
+          <a:bodyPr/>
+          <a:lstStyle/>
+          <a:p>
+            <a:r>
+              <a:rPr lang="en-US" altLang="zh-TW" dirty="0"/>
+              <a:t>JDK</a:t>
+            </a:r>
+            <a:r>
+              <a:rPr lang="zh-TW" altLang="en-US" dirty="0"/>
+              <a:t>安裝</a:t>
+            </a:r>
+            <a:r>
+              <a:rPr lang="en-US" altLang="zh-TW" dirty="0" smtClean="0"/>
+              <a:t>(5/</a:t>
+            </a:r>
+            <a:r>
+              <a:rPr lang="en-US" altLang="zh-TW" dirty="0"/>
+              <a:t>10</a:t>
+            </a:r>
+            <a:r>
+              <a:rPr lang="en-US" altLang="zh-TW" dirty="0" smtClean="0"/>
+              <a:t>)</a:t>
+            </a:r>
+            <a:endParaRPr lang="zh-TW" altLang="en-US" dirty="0"/>
+          </a:p>
+        </p:txBody>
+      </p:sp>
+      <p:sp>
+        <p:nvSpPr>
+          <p:cNvPr id="3" name="內容版面配置區 2"/>
+          <p:cNvSpPr>
+            <a:spLocks noGrp="1"/>
+          </p:cNvSpPr>
+          <p:nvPr>
+            <p:ph idx="1"/>
+          </p:nvPr>
+        </p:nvSpPr>
+        <p:spPr/>
+        <p:txBody>
+          <a:bodyPr/>
+          <a:lstStyle/>
+          <a:p>
+            <a:r>
+              <a:rPr lang="zh-TW" altLang="en-US" dirty="0" smtClean="0"/>
+              <a:t>要有</a:t>
+            </a:r>
+            <a:r>
+              <a:rPr lang="en-US" altLang="zh-TW" dirty="0" smtClean="0"/>
+              <a:t>Oracle</a:t>
+            </a:r>
+            <a:r>
+              <a:rPr lang="zh-TW" altLang="en-US" dirty="0" smtClean="0"/>
+              <a:t>帳戶才可以下載！</a:t>
+            </a:r>
+            <a:r>
+              <a:rPr lang="en-US" altLang="zh-TW" dirty="0" smtClean="0"/>
+              <a:t>(</a:t>
+            </a:r>
+            <a:r>
+              <a:rPr lang="zh-TW" altLang="en-US" dirty="0" smtClean="0"/>
+              <a:t>昏</a:t>
+            </a:r>
+            <a:r>
+              <a:rPr lang="en-US" altLang="zh-TW" dirty="0" smtClean="0"/>
+              <a:t>)</a:t>
+            </a:r>
+          </a:p>
+          <a:p>
+            <a:r>
+              <a:rPr lang="zh-TW" altLang="en-US" dirty="0" smtClean="0"/>
+              <a:t>一共約</a:t>
+            </a:r>
+            <a:r>
+              <a:rPr lang="en-US" altLang="zh-TW" dirty="0" smtClean="0"/>
+              <a:t>167M</a:t>
+            </a:r>
+            <a:r>
+              <a:rPr lang="zh-TW" altLang="en-US" dirty="0" smtClean="0"/>
+              <a:t>。</a:t>
+            </a:r>
+            <a:endParaRPr lang="en-US" altLang="zh-TW" dirty="0" smtClean="0"/>
+          </a:p>
+          <a:p>
+            <a:endParaRPr lang="en-US" altLang="zh-TW" dirty="0" smtClean="0"/>
+          </a:p>
+          <a:p>
+            <a:endParaRPr lang="en-US" altLang="zh-TW" dirty="0"/>
+          </a:p>
+          <a:p>
+            <a:endParaRPr lang="en-US" altLang="zh-TW" dirty="0" smtClean="0"/>
+          </a:p>
+          <a:p>
+            <a:endParaRPr lang="en-US" altLang="zh-TW" dirty="0"/>
+          </a:p>
+          <a:p>
+            <a:endParaRPr lang="en-US" altLang="zh-TW" dirty="0" smtClean="0"/>
+          </a:p>
+          <a:p>
+            <a:endParaRPr lang="en-US" altLang="zh-TW" dirty="0">
+              <a:solidFill>
+                <a:schemeClr val="tx1"/>
+              </a:solidFill>
+            </a:endParaRPr>
+          </a:p>
+          <a:p>
+            <a:r>
+              <a:rPr lang="zh-TW" altLang="en-US" sz="1400" dirty="0" smtClean="0">
+                <a:solidFill>
+                  <a:schemeClr val="tx1"/>
+                </a:solidFill>
+              </a:rPr>
+              <a:t>網址</a:t>
+            </a:r>
+            <a:r>
+              <a:rPr lang="en-US" altLang="zh-TW" sz="1400" dirty="0" smtClean="0">
+                <a:solidFill>
+                  <a:schemeClr val="tx1"/>
+                </a:solidFill>
+              </a:rPr>
+              <a:t>:</a:t>
+            </a:r>
+            <a:r>
+              <a:rPr lang="en-US" altLang="zh-TW" sz="1400" dirty="0" smtClean="0">
+                <a:solidFill>
+                  <a:schemeClr val="tx1"/>
+                </a:solidFill>
+                <a:hlinkClick r:id="rId2"/>
+              </a:rPr>
+              <a:t>https</a:t>
+            </a:r>
+            <a:r>
+              <a:rPr lang="en-US" altLang="zh-TW" sz="1400" dirty="0">
+                <a:solidFill>
+                  <a:schemeClr val="tx1"/>
+                </a:solidFill>
+                <a:hlinkClick r:id="rId2"/>
+              </a:rPr>
+              <a:t>://drive.google.com/file/d/14OaAHNxH7OaNSuphzqvXZbeGbeAahuVI/view?usp=sharing</a:t>
+            </a:r>
+            <a:endParaRPr lang="zh-TW" altLang="en-US" sz="1400" dirty="0">
+              <a:solidFill>
+                <a:schemeClr val="tx1"/>
+              </a:solidFill>
+            </a:endParaRPr>
+          </a:p>
+        </p:txBody>
+      </p:sp>
+      <p:pic>
+        <p:nvPicPr>
+          <p:cNvPr id="4" name="圖片 3"/>
+          <p:cNvPicPr>
+            <a:picLocks noChangeAspect="1"/>
+          </p:cNvPicPr>
+          <p:nvPr/>
+        </p:nvPicPr>
+        <p:blipFill>
+          <a:blip r:embed="rId3"/>
+          <a:stretch>
+            <a:fillRect/>
+          </a:stretch>
+        </p:blipFill>
+        <p:spPr>
+          <a:xfrm>
+            <a:off x="6428803" y="849423"/>
+            <a:ext cx="3090101" cy="4421712"/>
+          </a:xfrm>
+          <a:prstGeom prst="rect">
+            <a:avLst/>
+          </a:prstGeom>
+          <a:ln>
+            <a:solidFill>
+              <a:schemeClr val="tx1"/>
+            </a:solidFill>
+          </a:ln>
+        </p:spPr>
+      </p:pic>
+    </p:spTree>
+    <p:extLst>
+      <p:ext uri="{BB962C8B-B14F-4D97-AF65-F5344CB8AC3E}">
+        <p14:creationId xmlns:p14="http://schemas.microsoft.com/office/powerpoint/2010/main" val="3669439553"/>
+      </p:ext>
+    </p:extLst>
+  </p:cSld>
+  <p:clrMapOvr>
+    <a:masterClrMapping/>
+  </p:clrMapOvr>
+  <p:timing>
+    <p:tnLst>
+      <p:par>
+        <p:cTn id="1" dur="indefinite" restart="never" nodeType="tmRoot"/>
       </p:par>
     </p:tnLst>
   </p:timing>

--- a/LCC/Java/00b_Java開發環境建置.pptx
+++ b/LCC/Java/00b_Java開發環境建置.pptx
@@ -866,7 +866,7 @@
           <a:p>
             <a:fld id="{9D5C10DA-9D88-4773-8D30-78F5C5DDFCBA}" type="datetimeFigureOut">
               <a:rPr lang="zh-TW" altLang="en-US" smtClean="0"/>
-              <a:t>2021/9/14</a:t>
+              <a:t>2021/9/24</a:t>
             </a:fld>
             <a:endParaRPr lang="zh-TW" altLang="en-US"/>
           </a:p>
@@ -1117,7 +1117,7 @@
           <a:p>
             <a:fld id="{9D5C10DA-9D88-4773-8D30-78F5C5DDFCBA}" type="datetimeFigureOut">
               <a:rPr lang="zh-TW" altLang="en-US" smtClean="0"/>
-              <a:t>2021/9/14</a:t>
+              <a:t>2021/9/24</a:t>
             </a:fld>
             <a:endParaRPr lang="zh-TW" altLang="en-US"/>
           </a:p>
@@ -1431,7 +1431,7 @@
           <a:p>
             <a:fld id="{9D5C10DA-9D88-4773-8D30-78F5C5DDFCBA}" type="datetimeFigureOut">
               <a:rPr lang="zh-TW" altLang="en-US" smtClean="0"/>
-              <a:t>2021/9/14</a:t>
+              <a:t>2021/9/24</a:t>
             </a:fld>
             <a:endParaRPr lang="zh-TW" altLang="en-US"/>
           </a:p>
@@ -1772,7 +1772,7 @@
           <a:p>
             <a:fld id="{9D5C10DA-9D88-4773-8D30-78F5C5DDFCBA}" type="datetimeFigureOut">
               <a:rPr lang="zh-TW" altLang="en-US" smtClean="0"/>
-              <a:t>2021/9/14</a:t>
+              <a:t>2021/9/24</a:t>
             </a:fld>
             <a:endParaRPr lang="zh-TW" altLang="en-US"/>
           </a:p>
@@ -2086,7 +2086,7 @@
           <a:p>
             <a:fld id="{9D5C10DA-9D88-4773-8D30-78F5C5DDFCBA}" type="datetimeFigureOut">
               <a:rPr lang="zh-TW" altLang="en-US" smtClean="0"/>
-              <a:t>2021/9/14</a:t>
+              <a:t>2021/9/24</a:t>
             </a:fld>
             <a:endParaRPr lang="zh-TW" altLang="en-US"/>
           </a:p>
@@ -2479,7 +2479,7 @@
           <a:p>
             <a:fld id="{9D5C10DA-9D88-4773-8D30-78F5C5DDFCBA}" type="datetimeFigureOut">
               <a:rPr lang="zh-TW" altLang="en-US" smtClean="0"/>
-              <a:t>2021/9/14</a:t>
+              <a:t>2021/9/24</a:t>
             </a:fld>
             <a:endParaRPr lang="zh-TW" altLang="en-US"/>
           </a:p>
@@ -2649,7 +2649,7 @@
           <a:p>
             <a:fld id="{9D5C10DA-9D88-4773-8D30-78F5C5DDFCBA}" type="datetimeFigureOut">
               <a:rPr lang="zh-TW" altLang="en-US" smtClean="0"/>
-              <a:t>2021/9/14</a:t>
+              <a:t>2021/9/24</a:t>
             </a:fld>
             <a:endParaRPr lang="zh-TW" altLang="en-US"/>
           </a:p>
@@ -2829,7 +2829,7 @@
           <a:p>
             <a:fld id="{9D5C10DA-9D88-4773-8D30-78F5C5DDFCBA}" type="datetimeFigureOut">
               <a:rPr lang="zh-TW" altLang="en-US" smtClean="0"/>
-              <a:t>2021/9/14</a:t>
+              <a:t>2021/9/24</a:t>
             </a:fld>
             <a:endParaRPr lang="zh-TW" altLang="en-US"/>
           </a:p>
@@ -3005,7 +3005,7 @@
           <a:p>
             <a:fld id="{9D5C10DA-9D88-4773-8D30-78F5C5DDFCBA}" type="datetimeFigureOut">
               <a:rPr lang="zh-TW" altLang="en-US" smtClean="0"/>
-              <a:t>2021/9/14</a:t>
+              <a:t>2021/9/24</a:t>
             </a:fld>
             <a:endParaRPr lang="zh-TW" altLang="en-US"/>
           </a:p>
@@ -3252,7 +3252,7 @@
           <a:p>
             <a:fld id="{9D5C10DA-9D88-4773-8D30-78F5C5DDFCBA}" type="datetimeFigureOut">
               <a:rPr lang="zh-TW" altLang="en-US" smtClean="0"/>
-              <a:t>2021/9/14</a:t>
+              <a:t>2021/9/24</a:t>
             </a:fld>
             <a:endParaRPr lang="zh-TW" altLang="en-US"/>
           </a:p>
@@ -3484,7 +3484,7 @@
           <a:p>
             <a:fld id="{9D5C10DA-9D88-4773-8D30-78F5C5DDFCBA}" type="datetimeFigureOut">
               <a:rPr lang="zh-TW" altLang="en-US" smtClean="0"/>
-              <a:t>2021/9/14</a:t>
+              <a:t>2021/9/24</a:t>
             </a:fld>
             <a:endParaRPr lang="zh-TW" altLang="en-US"/>
           </a:p>
@@ -3858,7 +3858,7 @@
           <a:p>
             <a:fld id="{9D5C10DA-9D88-4773-8D30-78F5C5DDFCBA}" type="datetimeFigureOut">
               <a:rPr lang="zh-TW" altLang="en-US" smtClean="0"/>
-              <a:t>2021/9/14</a:t>
+              <a:t>2021/9/24</a:t>
             </a:fld>
             <a:endParaRPr lang="zh-TW" altLang="en-US"/>
           </a:p>
@@ -3981,7 +3981,7 @@
           <a:p>
             <a:fld id="{9D5C10DA-9D88-4773-8D30-78F5C5DDFCBA}" type="datetimeFigureOut">
               <a:rPr lang="zh-TW" altLang="en-US" smtClean="0"/>
-              <a:t>2021/9/14</a:t>
+              <a:t>2021/9/24</a:t>
             </a:fld>
             <a:endParaRPr lang="zh-TW" altLang="en-US"/>
           </a:p>
@@ -4076,7 +4076,7 @@
           <a:p>
             <a:fld id="{9D5C10DA-9D88-4773-8D30-78F5C5DDFCBA}" type="datetimeFigureOut">
               <a:rPr lang="zh-TW" altLang="en-US" smtClean="0"/>
-              <a:t>2021/9/14</a:t>
+              <a:t>2021/9/24</a:t>
             </a:fld>
             <a:endParaRPr lang="zh-TW" altLang="en-US"/>
           </a:p>
@@ -4331,7 +4331,7 @@
           <a:p>
             <a:fld id="{9D5C10DA-9D88-4773-8D30-78F5C5DDFCBA}" type="datetimeFigureOut">
               <a:rPr lang="zh-TW" altLang="en-US" smtClean="0"/>
-              <a:t>2021/9/14</a:t>
+              <a:t>2021/9/24</a:t>
             </a:fld>
             <a:endParaRPr lang="zh-TW" altLang="en-US"/>
           </a:p>
@@ -4594,7 +4594,7 @@
           <a:p>
             <a:fld id="{9D5C10DA-9D88-4773-8D30-78F5C5DDFCBA}" type="datetimeFigureOut">
               <a:rPr lang="zh-TW" altLang="en-US" smtClean="0"/>
-              <a:t>2021/9/14</a:t>
+              <a:t>2021/9/24</a:t>
             </a:fld>
             <a:endParaRPr lang="zh-TW" altLang="en-US"/>
           </a:p>
@@ -5337,7 +5337,7 @@
           <a:p>
             <a:fld id="{9D5C10DA-9D88-4773-8D30-78F5C5DDFCBA}" type="datetimeFigureOut">
               <a:rPr lang="zh-TW" altLang="en-US" smtClean="0"/>
-              <a:t>2021/9/14</a:t>
+              <a:t>2021/9/24</a:t>
             </a:fld>
             <a:endParaRPr lang="zh-TW" altLang="en-US"/>
           </a:p>
@@ -5460,6 +5460,35 @@
           </a:extLst>
         </p:spPr>
       </p:pic>
+      <p:sp>
+        <p:nvSpPr>
+          <p:cNvPr id="8" name="矩形 7"/>
+          <p:cNvSpPr/>
+          <p:nvPr userDrawn="1"/>
+        </p:nvSpPr>
+        <p:spPr>
+          <a:xfrm>
+            <a:off x="349002" y="6488668"/>
+            <a:ext cx="2728632" cy="369332"/>
+          </a:xfrm>
+          <a:prstGeom prst="rect">
+            <a:avLst/>
+          </a:prstGeom>
+        </p:spPr>
+        <p:txBody>
+          <a:bodyPr wrap="none">
+            <a:spAutoFit/>
+          </a:bodyPr>
+          <a:lstStyle/>
+          <a:p>
+            <a:r>
+              <a:rPr lang="zh-TW" altLang="en-US" dirty="0" smtClean="0"/>
+              <a:t>https://reurl.cc/522ARv</a:t>
+            </a:r>
+            <a:endParaRPr lang="zh-TW" altLang="en-US" dirty="0"/>
+          </a:p>
+        </p:txBody>
+      </p:sp>
     </p:spTree>
     <p:extLst>
       <p:ext uri="{BB962C8B-B14F-4D97-AF65-F5344CB8AC3E}">
@@ -5974,7 +6003,7 @@
           <a:p>
             <a:fld id="{3BB4C709-9C31-4337-925C-74BEB5EA7E8C}" type="datetime3">
               <a:rPr lang="zh-TW" altLang="en-US" smtClean="0"/>
-              <a:t>110年9月14日</a:t>
+              <a:t>110年9月24日</a:t>
             </a:fld>
             <a:endParaRPr lang="zh-TW" altLang="en-US" dirty="0"/>
           </a:p>

--- a/LCC/Java/00b_Java開發環境建置.pptx
+++ b/LCC/Java/00b_Java開發環境建置.pptx
@@ -866,7 +866,7 @@
           <a:p>
             <a:fld id="{9D5C10DA-9D88-4773-8D30-78F5C5DDFCBA}" type="datetimeFigureOut">
               <a:rPr lang="zh-TW" altLang="en-US" smtClean="0"/>
-              <a:t>2021/9/24</a:t>
+              <a:t>2021/9/25</a:t>
             </a:fld>
             <a:endParaRPr lang="zh-TW" altLang="en-US"/>
           </a:p>
@@ -1117,7 +1117,7 @@
           <a:p>
             <a:fld id="{9D5C10DA-9D88-4773-8D30-78F5C5DDFCBA}" type="datetimeFigureOut">
               <a:rPr lang="zh-TW" altLang="en-US" smtClean="0"/>
-              <a:t>2021/9/24</a:t>
+              <a:t>2021/9/25</a:t>
             </a:fld>
             <a:endParaRPr lang="zh-TW" altLang="en-US"/>
           </a:p>
@@ -1431,7 +1431,7 @@
           <a:p>
             <a:fld id="{9D5C10DA-9D88-4773-8D30-78F5C5DDFCBA}" type="datetimeFigureOut">
               <a:rPr lang="zh-TW" altLang="en-US" smtClean="0"/>
-              <a:t>2021/9/24</a:t>
+              <a:t>2021/9/25</a:t>
             </a:fld>
             <a:endParaRPr lang="zh-TW" altLang="en-US"/>
           </a:p>
@@ -1772,7 +1772,7 @@
           <a:p>
             <a:fld id="{9D5C10DA-9D88-4773-8D30-78F5C5DDFCBA}" type="datetimeFigureOut">
               <a:rPr lang="zh-TW" altLang="en-US" smtClean="0"/>
-              <a:t>2021/9/24</a:t>
+              <a:t>2021/9/25</a:t>
             </a:fld>
             <a:endParaRPr lang="zh-TW" altLang="en-US"/>
           </a:p>
@@ -2086,7 +2086,7 @@
           <a:p>
             <a:fld id="{9D5C10DA-9D88-4773-8D30-78F5C5DDFCBA}" type="datetimeFigureOut">
               <a:rPr lang="zh-TW" altLang="en-US" smtClean="0"/>
-              <a:t>2021/9/24</a:t>
+              <a:t>2021/9/25</a:t>
             </a:fld>
             <a:endParaRPr lang="zh-TW" altLang="en-US"/>
           </a:p>
@@ -2479,7 +2479,7 @@
           <a:p>
             <a:fld id="{9D5C10DA-9D88-4773-8D30-78F5C5DDFCBA}" type="datetimeFigureOut">
               <a:rPr lang="zh-TW" altLang="en-US" smtClean="0"/>
-              <a:t>2021/9/24</a:t>
+              <a:t>2021/9/25</a:t>
             </a:fld>
             <a:endParaRPr lang="zh-TW" altLang="en-US"/>
           </a:p>
@@ -2649,7 +2649,7 @@
           <a:p>
             <a:fld id="{9D5C10DA-9D88-4773-8D30-78F5C5DDFCBA}" type="datetimeFigureOut">
               <a:rPr lang="zh-TW" altLang="en-US" smtClean="0"/>
-              <a:t>2021/9/24</a:t>
+              <a:t>2021/9/25</a:t>
             </a:fld>
             <a:endParaRPr lang="zh-TW" altLang="en-US"/>
           </a:p>
@@ -2829,7 +2829,7 @@
           <a:p>
             <a:fld id="{9D5C10DA-9D88-4773-8D30-78F5C5DDFCBA}" type="datetimeFigureOut">
               <a:rPr lang="zh-TW" altLang="en-US" smtClean="0"/>
-              <a:t>2021/9/24</a:t>
+              <a:t>2021/9/25</a:t>
             </a:fld>
             <a:endParaRPr lang="zh-TW" altLang="en-US"/>
           </a:p>
@@ -3005,7 +3005,7 @@
           <a:p>
             <a:fld id="{9D5C10DA-9D88-4773-8D30-78F5C5DDFCBA}" type="datetimeFigureOut">
               <a:rPr lang="zh-TW" altLang="en-US" smtClean="0"/>
-              <a:t>2021/9/24</a:t>
+              <a:t>2021/9/25</a:t>
             </a:fld>
             <a:endParaRPr lang="zh-TW" altLang="en-US"/>
           </a:p>
@@ -3252,7 +3252,7 @@
           <a:p>
             <a:fld id="{9D5C10DA-9D88-4773-8D30-78F5C5DDFCBA}" type="datetimeFigureOut">
               <a:rPr lang="zh-TW" altLang="en-US" smtClean="0"/>
-              <a:t>2021/9/24</a:t>
+              <a:t>2021/9/25</a:t>
             </a:fld>
             <a:endParaRPr lang="zh-TW" altLang="en-US"/>
           </a:p>
@@ -3484,7 +3484,7 @@
           <a:p>
             <a:fld id="{9D5C10DA-9D88-4773-8D30-78F5C5DDFCBA}" type="datetimeFigureOut">
               <a:rPr lang="zh-TW" altLang="en-US" smtClean="0"/>
-              <a:t>2021/9/24</a:t>
+              <a:t>2021/9/25</a:t>
             </a:fld>
             <a:endParaRPr lang="zh-TW" altLang="en-US"/>
           </a:p>
@@ -3858,7 +3858,7 @@
           <a:p>
             <a:fld id="{9D5C10DA-9D88-4773-8D30-78F5C5DDFCBA}" type="datetimeFigureOut">
               <a:rPr lang="zh-TW" altLang="en-US" smtClean="0"/>
-              <a:t>2021/9/24</a:t>
+              <a:t>2021/9/25</a:t>
             </a:fld>
             <a:endParaRPr lang="zh-TW" altLang="en-US"/>
           </a:p>
@@ -3981,7 +3981,7 @@
           <a:p>
             <a:fld id="{9D5C10DA-9D88-4773-8D30-78F5C5DDFCBA}" type="datetimeFigureOut">
               <a:rPr lang="zh-TW" altLang="en-US" smtClean="0"/>
-              <a:t>2021/9/24</a:t>
+              <a:t>2021/9/25</a:t>
             </a:fld>
             <a:endParaRPr lang="zh-TW" altLang="en-US"/>
           </a:p>
@@ -4076,7 +4076,7 @@
           <a:p>
             <a:fld id="{9D5C10DA-9D88-4773-8D30-78F5C5DDFCBA}" type="datetimeFigureOut">
               <a:rPr lang="zh-TW" altLang="en-US" smtClean="0"/>
-              <a:t>2021/9/24</a:t>
+              <a:t>2021/9/25</a:t>
             </a:fld>
             <a:endParaRPr lang="zh-TW" altLang="en-US"/>
           </a:p>
@@ -4331,7 +4331,7 @@
           <a:p>
             <a:fld id="{9D5C10DA-9D88-4773-8D30-78F5C5DDFCBA}" type="datetimeFigureOut">
               <a:rPr lang="zh-TW" altLang="en-US" smtClean="0"/>
-              <a:t>2021/9/24</a:t>
+              <a:t>2021/9/25</a:t>
             </a:fld>
             <a:endParaRPr lang="zh-TW" altLang="en-US"/>
           </a:p>
@@ -4594,7 +4594,7 @@
           <a:p>
             <a:fld id="{9D5C10DA-9D88-4773-8D30-78F5C5DDFCBA}" type="datetimeFigureOut">
               <a:rPr lang="zh-TW" altLang="en-US" smtClean="0"/>
-              <a:t>2021/9/24</a:t>
+              <a:t>2021/9/25</a:t>
             </a:fld>
             <a:endParaRPr lang="zh-TW" altLang="en-US"/>
           </a:p>
@@ -5337,7 +5337,7 @@
           <a:p>
             <a:fld id="{9D5C10DA-9D88-4773-8D30-78F5C5DDFCBA}" type="datetimeFigureOut">
               <a:rPr lang="zh-TW" altLang="en-US" smtClean="0"/>
-              <a:t>2021/9/24</a:t>
+              <a:t>2021/9/25</a:t>
             </a:fld>
             <a:endParaRPr lang="zh-TW" altLang="en-US"/>
           </a:p>
@@ -5469,7 +5469,7 @@
         <p:spPr>
           <a:xfrm>
             <a:off x="349002" y="6488668"/>
-            <a:ext cx="2728632" cy="369332"/>
+            <a:ext cx="2496196" cy="369332"/>
           </a:xfrm>
           <a:prstGeom prst="rect">
             <a:avLst/>
@@ -5482,8 +5482,8 @@
           <a:lstStyle/>
           <a:p>
             <a:r>
-              <a:rPr lang="zh-TW" altLang="en-US" dirty="0" smtClean="0"/>
-              <a:t>https://reurl.cc/522ARv</a:t>
+              <a:rPr lang="en-US" altLang="zh-TW" dirty="0" smtClean="0"/>
+              <a:t>http://lccn.io/vgENMI</a:t>
             </a:r>
             <a:endParaRPr lang="zh-TW" altLang="en-US" dirty="0"/>
           </a:p>
@@ -6003,7 +6003,7 @@
           <a:p>
             <a:fld id="{3BB4C709-9C31-4337-925C-74BEB5EA7E8C}" type="datetime3">
               <a:rPr lang="zh-TW" altLang="en-US" smtClean="0"/>
-              <a:t>110年9月24日</a:t>
+              <a:t>110年9月25日</a:t>
             </a:fld>
             <a:endParaRPr lang="zh-TW" altLang="en-US" dirty="0"/>
           </a:p>
@@ -11955,6 +11955,13 @@
   <p:clrMapOvr>
     <a:masterClrMapping/>
   </p:clrMapOvr>
+  <p:timing>
+    <p:tnLst>
+      <p:par>
+        <p:cTn id="1" dur="indefinite" restart="never" nodeType="tmRoot"/>
+      </p:par>
+    </p:tnLst>
+  </p:timing>
 </p:sld>
 </file>
 
@@ -12700,6 +12707,13 @@
   <p:clrMapOvr>
     <a:masterClrMapping/>
   </p:clrMapOvr>
+  <p:timing>
+    <p:tnLst>
+      <p:par>
+        <p:cTn id="1" dur="indefinite" restart="never" nodeType="tmRoot"/>
+      </p:par>
+    </p:tnLst>
+  </p:timing>
 </p:sld>
 </file>
 
@@ -12852,8 +12866,8 @@
               <a:t>的版本已經來到</a:t>
             </a:r>
             <a:r>
-              <a:rPr lang="en-US" altLang="zh-TW" dirty="0"/>
-              <a:t>12(2019/5/8)</a:t>
+              <a:rPr lang="en-US" altLang="zh-TW" dirty="0" smtClean="0"/>
+              <a:t>18(2022/3)</a:t>
             </a:r>
             <a:r>
               <a:rPr lang="zh-TW" altLang="en-US" dirty="0"/>

--- a/LCC/Java/00b_Java開發環境建置.pptx
+++ b/LCC/Java/00b_Java開發環境建置.pptx
@@ -866,7 +866,7 @@
           <a:p>
             <a:fld id="{9D5C10DA-9D88-4773-8D30-78F5C5DDFCBA}" type="datetimeFigureOut">
               <a:rPr lang="zh-TW" altLang="en-US" smtClean="0"/>
-              <a:t>2021/9/25</a:t>
+              <a:t>2022/1/16</a:t>
             </a:fld>
             <a:endParaRPr lang="zh-TW" altLang="en-US"/>
           </a:p>
@@ -1117,7 +1117,7 @@
           <a:p>
             <a:fld id="{9D5C10DA-9D88-4773-8D30-78F5C5DDFCBA}" type="datetimeFigureOut">
               <a:rPr lang="zh-TW" altLang="en-US" smtClean="0"/>
-              <a:t>2021/9/25</a:t>
+              <a:t>2022/1/16</a:t>
             </a:fld>
             <a:endParaRPr lang="zh-TW" altLang="en-US"/>
           </a:p>
@@ -1431,7 +1431,7 @@
           <a:p>
             <a:fld id="{9D5C10DA-9D88-4773-8D30-78F5C5DDFCBA}" type="datetimeFigureOut">
               <a:rPr lang="zh-TW" altLang="en-US" smtClean="0"/>
-              <a:t>2021/9/25</a:t>
+              <a:t>2022/1/16</a:t>
             </a:fld>
             <a:endParaRPr lang="zh-TW" altLang="en-US"/>
           </a:p>
@@ -1772,7 +1772,7 @@
           <a:p>
             <a:fld id="{9D5C10DA-9D88-4773-8D30-78F5C5DDFCBA}" type="datetimeFigureOut">
               <a:rPr lang="zh-TW" altLang="en-US" smtClean="0"/>
-              <a:t>2021/9/25</a:t>
+              <a:t>2022/1/16</a:t>
             </a:fld>
             <a:endParaRPr lang="zh-TW" altLang="en-US"/>
           </a:p>
@@ -2086,7 +2086,7 @@
           <a:p>
             <a:fld id="{9D5C10DA-9D88-4773-8D30-78F5C5DDFCBA}" type="datetimeFigureOut">
               <a:rPr lang="zh-TW" altLang="en-US" smtClean="0"/>
-              <a:t>2021/9/25</a:t>
+              <a:t>2022/1/16</a:t>
             </a:fld>
             <a:endParaRPr lang="zh-TW" altLang="en-US"/>
           </a:p>
@@ -2479,7 +2479,7 @@
           <a:p>
             <a:fld id="{9D5C10DA-9D88-4773-8D30-78F5C5DDFCBA}" type="datetimeFigureOut">
               <a:rPr lang="zh-TW" altLang="en-US" smtClean="0"/>
-              <a:t>2021/9/25</a:t>
+              <a:t>2022/1/16</a:t>
             </a:fld>
             <a:endParaRPr lang="zh-TW" altLang="en-US"/>
           </a:p>
@@ -2649,7 +2649,7 @@
           <a:p>
             <a:fld id="{9D5C10DA-9D88-4773-8D30-78F5C5DDFCBA}" type="datetimeFigureOut">
               <a:rPr lang="zh-TW" altLang="en-US" smtClean="0"/>
-              <a:t>2021/9/25</a:t>
+              <a:t>2022/1/16</a:t>
             </a:fld>
             <a:endParaRPr lang="zh-TW" altLang="en-US"/>
           </a:p>
@@ -2829,7 +2829,7 @@
           <a:p>
             <a:fld id="{9D5C10DA-9D88-4773-8D30-78F5C5DDFCBA}" type="datetimeFigureOut">
               <a:rPr lang="zh-TW" altLang="en-US" smtClean="0"/>
-              <a:t>2021/9/25</a:t>
+              <a:t>2022/1/16</a:t>
             </a:fld>
             <a:endParaRPr lang="zh-TW" altLang="en-US"/>
           </a:p>
@@ -3005,7 +3005,7 @@
           <a:p>
             <a:fld id="{9D5C10DA-9D88-4773-8D30-78F5C5DDFCBA}" type="datetimeFigureOut">
               <a:rPr lang="zh-TW" altLang="en-US" smtClean="0"/>
-              <a:t>2021/9/25</a:t>
+              <a:t>2022/1/16</a:t>
             </a:fld>
             <a:endParaRPr lang="zh-TW" altLang="en-US"/>
           </a:p>
@@ -3252,7 +3252,7 @@
           <a:p>
             <a:fld id="{9D5C10DA-9D88-4773-8D30-78F5C5DDFCBA}" type="datetimeFigureOut">
               <a:rPr lang="zh-TW" altLang="en-US" smtClean="0"/>
-              <a:t>2021/9/25</a:t>
+              <a:t>2022/1/16</a:t>
             </a:fld>
             <a:endParaRPr lang="zh-TW" altLang="en-US"/>
           </a:p>
@@ -3484,7 +3484,7 @@
           <a:p>
             <a:fld id="{9D5C10DA-9D88-4773-8D30-78F5C5DDFCBA}" type="datetimeFigureOut">
               <a:rPr lang="zh-TW" altLang="en-US" smtClean="0"/>
-              <a:t>2021/9/25</a:t>
+              <a:t>2022/1/16</a:t>
             </a:fld>
             <a:endParaRPr lang="zh-TW" altLang="en-US"/>
           </a:p>
@@ -3858,7 +3858,7 @@
           <a:p>
             <a:fld id="{9D5C10DA-9D88-4773-8D30-78F5C5DDFCBA}" type="datetimeFigureOut">
               <a:rPr lang="zh-TW" altLang="en-US" smtClean="0"/>
-              <a:t>2021/9/25</a:t>
+              <a:t>2022/1/16</a:t>
             </a:fld>
             <a:endParaRPr lang="zh-TW" altLang="en-US"/>
           </a:p>
@@ -3981,7 +3981,7 @@
           <a:p>
             <a:fld id="{9D5C10DA-9D88-4773-8D30-78F5C5DDFCBA}" type="datetimeFigureOut">
               <a:rPr lang="zh-TW" altLang="en-US" smtClean="0"/>
-              <a:t>2021/9/25</a:t>
+              <a:t>2022/1/16</a:t>
             </a:fld>
             <a:endParaRPr lang="zh-TW" altLang="en-US"/>
           </a:p>
@@ -4076,7 +4076,7 @@
           <a:p>
             <a:fld id="{9D5C10DA-9D88-4773-8D30-78F5C5DDFCBA}" type="datetimeFigureOut">
               <a:rPr lang="zh-TW" altLang="en-US" smtClean="0"/>
-              <a:t>2021/9/25</a:t>
+              <a:t>2022/1/16</a:t>
             </a:fld>
             <a:endParaRPr lang="zh-TW" altLang="en-US"/>
           </a:p>
@@ -4331,7 +4331,7 @@
           <a:p>
             <a:fld id="{9D5C10DA-9D88-4773-8D30-78F5C5DDFCBA}" type="datetimeFigureOut">
               <a:rPr lang="zh-TW" altLang="en-US" smtClean="0"/>
-              <a:t>2021/9/25</a:t>
+              <a:t>2022/1/16</a:t>
             </a:fld>
             <a:endParaRPr lang="zh-TW" altLang="en-US"/>
           </a:p>
@@ -4594,7 +4594,7 @@
           <a:p>
             <a:fld id="{9D5C10DA-9D88-4773-8D30-78F5C5DDFCBA}" type="datetimeFigureOut">
               <a:rPr lang="zh-TW" altLang="en-US" smtClean="0"/>
-              <a:t>2021/9/25</a:t>
+              <a:t>2022/1/16</a:t>
             </a:fld>
             <a:endParaRPr lang="zh-TW" altLang="en-US"/>
           </a:p>
@@ -5337,7 +5337,7 @@
           <a:p>
             <a:fld id="{9D5C10DA-9D88-4773-8D30-78F5C5DDFCBA}" type="datetimeFigureOut">
               <a:rPr lang="zh-TW" altLang="en-US" smtClean="0"/>
-              <a:t>2021/9/25</a:t>
+              <a:t>2022/1/16</a:t>
             </a:fld>
             <a:endParaRPr lang="zh-TW" altLang="en-US"/>
           </a:p>
@@ -5469,7 +5469,7 @@
         <p:spPr>
           <a:xfrm>
             <a:off x="349002" y="6488668"/>
-            <a:ext cx="2496196" cy="369332"/>
+            <a:ext cx="2800767" cy="369332"/>
           </a:xfrm>
           <a:prstGeom prst="rect">
             <a:avLst/>
@@ -5482,8 +5482,8 @@
           <a:lstStyle/>
           <a:p>
             <a:r>
-              <a:rPr lang="en-US" altLang="zh-TW" dirty="0" smtClean="0"/>
-              <a:t>http://lccn.io/vgENMI</a:t>
+              <a:rPr lang="fr-FR" altLang="zh-TW" dirty="0" smtClean="0"/>
+              <a:t>https://reurl.cc/2Dom14</a:t>
             </a:r>
             <a:endParaRPr lang="zh-TW" altLang="en-US" dirty="0"/>
           </a:p>
@@ -6003,7 +6003,7 @@
           <a:p>
             <a:fld id="{3BB4C709-9C31-4337-925C-74BEB5EA7E8C}" type="datetime3">
               <a:rPr lang="zh-TW" altLang="en-US" smtClean="0"/>
-              <a:t>110年9月25日</a:t>
+              <a:t>111年1月16日</a:t>
             </a:fld>
             <a:endParaRPr lang="zh-TW" altLang="en-US" dirty="0"/>
           </a:p>
@@ -6050,6 +6050,159 @@
           </a:extLst>
         </p:spPr>
       </p:pic>
+      <p:pic>
+        <p:nvPicPr>
+          <p:cNvPr id="5" name="圖片 4"/>
+          <p:cNvPicPr>
+            <a:picLocks noChangeAspect="1"/>
+          </p:cNvPicPr>
+          <p:nvPr/>
+        </p:nvPicPr>
+        <p:blipFill>
+          <a:blip r:embed="rId3">
+            <a:extLst>
+              <a:ext uri="{28A0092B-C50C-407E-A947-70E740481C1C}">
+                <a14:useLocalDpi xmlns:a14="http://schemas.microsoft.com/office/drawing/2010/main" val="0"/>
+              </a:ext>
+            </a:extLst>
+          </a:blip>
+          <a:stretch>
+            <a:fillRect/>
+          </a:stretch>
+        </p:blipFill>
+        <p:spPr>
+          <a:xfrm>
+            <a:off x="927354" y="457267"/>
+            <a:ext cx="1428750" cy="1428750"/>
+          </a:xfrm>
+          <a:prstGeom prst="rect">
+            <a:avLst/>
+          </a:prstGeom>
+        </p:spPr>
+      </p:pic>
+      <p:sp>
+        <p:nvSpPr>
+          <p:cNvPr id="6" name="矩形 5"/>
+          <p:cNvSpPr/>
+          <p:nvPr/>
+        </p:nvSpPr>
+        <p:spPr>
+          <a:xfrm>
+            <a:off x="827704" y="87935"/>
+            <a:ext cx="2800767" cy="369332"/>
+          </a:xfrm>
+          <a:prstGeom prst="rect">
+            <a:avLst/>
+          </a:prstGeom>
+        </p:spPr>
+        <p:txBody>
+          <a:bodyPr wrap="none">
+            <a:spAutoFit/>
+          </a:bodyPr>
+          <a:lstStyle>
+            <a:defPPr>
+              <a:defRPr lang="en-US"/>
+            </a:defPPr>
+            <a:lvl1pPr marL="0" algn="l" defTabSz="457200" rtl="0" eaLnBrk="1" latinLnBrk="0" hangingPunct="1">
+              <a:defRPr sz="1800" kern="1200">
+                <a:solidFill>
+                  <a:schemeClr val="tx1"/>
+                </a:solidFill>
+                <a:latin typeface="+mn-lt"/>
+                <a:ea typeface="+mn-ea"/>
+                <a:cs typeface="+mn-cs"/>
+              </a:defRPr>
+            </a:lvl1pPr>
+            <a:lvl2pPr marL="457200" algn="l" defTabSz="457200" rtl="0" eaLnBrk="1" latinLnBrk="0" hangingPunct="1">
+              <a:defRPr sz="1800" kern="1200">
+                <a:solidFill>
+                  <a:schemeClr val="tx1"/>
+                </a:solidFill>
+                <a:latin typeface="+mn-lt"/>
+                <a:ea typeface="+mn-ea"/>
+                <a:cs typeface="+mn-cs"/>
+              </a:defRPr>
+            </a:lvl2pPr>
+            <a:lvl3pPr marL="914400" algn="l" defTabSz="457200" rtl="0" eaLnBrk="1" latinLnBrk="0" hangingPunct="1">
+              <a:defRPr sz="1800" kern="1200">
+                <a:solidFill>
+                  <a:schemeClr val="tx1"/>
+                </a:solidFill>
+                <a:latin typeface="+mn-lt"/>
+                <a:ea typeface="+mn-ea"/>
+                <a:cs typeface="+mn-cs"/>
+              </a:defRPr>
+            </a:lvl3pPr>
+            <a:lvl4pPr marL="1371600" algn="l" defTabSz="457200" rtl="0" eaLnBrk="1" latinLnBrk="0" hangingPunct="1">
+              <a:defRPr sz="1800" kern="1200">
+                <a:solidFill>
+                  <a:schemeClr val="tx1"/>
+                </a:solidFill>
+                <a:latin typeface="+mn-lt"/>
+                <a:ea typeface="+mn-ea"/>
+                <a:cs typeface="+mn-cs"/>
+              </a:defRPr>
+            </a:lvl4pPr>
+            <a:lvl5pPr marL="1828800" algn="l" defTabSz="457200" rtl="0" eaLnBrk="1" latinLnBrk="0" hangingPunct="1">
+              <a:defRPr sz="1800" kern="1200">
+                <a:solidFill>
+                  <a:schemeClr val="tx1"/>
+                </a:solidFill>
+                <a:latin typeface="+mn-lt"/>
+                <a:ea typeface="+mn-ea"/>
+                <a:cs typeface="+mn-cs"/>
+              </a:defRPr>
+            </a:lvl5pPr>
+            <a:lvl6pPr marL="2286000" algn="l" defTabSz="457200" rtl="0" eaLnBrk="1" latinLnBrk="0" hangingPunct="1">
+              <a:defRPr sz="1800" kern="1200">
+                <a:solidFill>
+                  <a:schemeClr val="tx1"/>
+                </a:solidFill>
+                <a:latin typeface="+mn-lt"/>
+                <a:ea typeface="+mn-ea"/>
+                <a:cs typeface="+mn-cs"/>
+              </a:defRPr>
+            </a:lvl6pPr>
+            <a:lvl7pPr marL="2743200" algn="l" defTabSz="457200" rtl="0" eaLnBrk="1" latinLnBrk="0" hangingPunct="1">
+              <a:defRPr sz="1800" kern="1200">
+                <a:solidFill>
+                  <a:schemeClr val="tx1"/>
+                </a:solidFill>
+                <a:latin typeface="+mn-lt"/>
+                <a:ea typeface="+mn-ea"/>
+                <a:cs typeface="+mn-cs"/>
+              </a:defRPr>
+            </a:lvl7pPr>
+            <a:lvl8pPr marL="3200400" algn="l" defTabSz="457200" rtl="0" eaLnBrk="1" latinLnBrk="0" hangingPunct="1">
+              <a:defRPr sz="1800" kern="1200">
+                <a:solidFill>
+                  <a:schemeClr val="tx1"/>
+                </a:solidFill>
+                <a:latin typeface="+mn-lt"/>
+                <a:ea typeface="+mn-ea"/>
+                <a:cs typeface="+mn-cs"/>
+              </a:defRPr>
+            </a:lvl8pPr>
+            <a:lvl9pPr marL="3657600" algn="l" defTabSz="457200" rtl="0" eaLnBrk="1" latinLnBrk="0" hangingPunct="1">
+              <a:defRPr sz="1800" kern="1200">
+                <a:solidFill>
+                  <a:schemeClr val="tx1"/>
+                </a:solidFill>
+                <a:latin typeface="+mn-lt"/>
+                <a:ea typeface="+mn-ea"/>
+                <a:cs typeface="+mn-cs"/>
+              </a:defRPr>
+            </a:lvl9pPr>
+          </a:lstStyle>
+          <a:p>
+            <a:r>
+              <a:rPr lang="fr-FR" altLang="zh-TW" dirty="0" smtClean="0"/>
+              <a:t>https://reurl.cc/2Dom14</a:t>
+            </a:r>
+            <a:endParaRPr lang="zh-TW" altLang="en-US" dirty="0"/>
+          </a:p>
+        </p:txBody>
+      </p:sp>
     </p:spTree>
     <p:extLst>
       <p:ext uri="{BB962C8B-B14F-4D97-AF65-F5344CB8AC3E}">
@@ -8560,7 +8713,7 @@
       </p:sp>
       <p:sp>
         <p:nvSpPr>
-          <p:cNvPr id="5" name="文字版面配置區 4"/>
+          <p:cNvPr id="7" name="文字版面配置區 6"/>
           <p:cNvSpPr>
             <a:spLocks noGrp="1"/>
           </p:cNvSpPr>
@@ -8568,12 +8721,33 @@
             <p:ph type="body" idx="1"/>
           </p:nvPr>
         </p:nvSpPr>
-        <p:spPr/>
-        <p:txBody>
-          <a:bodyPr/>
-          <a:lstStyle/>
-          <a:p>
-            <a:endParaRPr lang="zh-TW" altLang="en-US"/>
+        <p:spPr>
+          <a:prstGeom prst="rect">
+            <a:avLst/>
+          </a:prstGeom>
+        </p:spPr>
+        <p:txBody>
+          <a:bodyPr wrap="none">
+            <a:spAutoFit/>
+          </a:bodyPr>
+          <a:lstStyle/>
+          <a:p>
+            <a:r>
+              <a:rPr lang="zh-TW" altLang="en-US" dirty="0" smtClean="0">
+                <a:solidFill>
+                  <a:srgbClr val="FF0000"/>
+                </a:solidFill>
+              </a:rPr>
+              <a:t>簡易下載網址：https</a:t>
+            </a:r>
+            <a:r>
+              <a:rPr lang="zh-TW" altLang="en-US" dirty="0">
+                <a:solidFill>
+                  <a:srgbClr val="FF0000"/>
+                </a:solidFill>
+              </a:rPr>
+              <a:t>://reurl.cc/qOOpX3</a:t>
+            </a:r>
           </a:p>
         </p:txBody>
       </p:sp>
@@ -8660,7 +8834,11 @@
           <a:p>
             <a:r>
               <a:rPr lang="en-US" altLang="zh-TW" dirty="0" smtClean="0"/>
-              <a:t>Eclipse Java</a:t>
+              <a:t>Eclipse </a:t>
+            </a:r>
+            <a:r>
+              <a:rPr lang="en-US" altLang="zh-TW" dirty="0" smtClean="0"/>
+              <a:t>for Java</a:t>
             </a:r>
             <a:r>
               <a:rPr lang="zh-TW" altLang="en-US" dirty="0" smtClean="0"/>
@@ -8896,186 +9074,131 @@
           </a:p>
         </p:txBody>
       </p:sp>
-      <p:grpSp>
-        <p:nvGrpSpPr>
-          <p:cNvPr id="5" name="群組 4"/>
-          <p:cNvGrpSpPr/>
+      <p:pic>
+        <p:nvPicPr>
+          <p:cNvPr id="7" name="圖片 6"/>
+          <p:cNvPicPr>
+            <a:picLocks noChangeAspect="1"/>
+          </p:cNvPicPr>
           <p:nvPr/>
-        </p:nvGrpSpPr>
-        <p:grpSpPr>
+        </p:nvPicPr>
+        <p:blipFill>
+          <a:blip r:embed="rId2"/>
+          <a:stretch>
+            <a:fillRect/>
+          </a:stretch>
+        </p:blipFill>
+        <p:spPr>
           <a:xfrm>
-            <a:off x="153212" y="3523922"/>
-            <a:ext cx="5409245" cy="2833229"/>
-            <a:chOff x="153212" y="3523922"/>
-            <a:chExt cx="5409245" cy="2833229"/>
+            <a:off x="196531" y="3523922"/>
+            <a:ext cx="4954416" cy="2833229"/>
           </a:xfrm>
-        </p:grpSpPr>
-        <p:pic>
-          <p:nvPicPr>
-            <p:cNvPr id="7" name="圖片 6"/>
-            <p:cNvPicPr>
-              <a:picLocks noChangeAspect="1"/>
-            </p:cNvPicPr>
-            <p:nvPr/>
-          </p:nvPicPr>
-          <p:blipFill>
-            <a:blip r:embed="rId2"/>
-            <a:stretch>
-              <a:fillRect/>
-            </a:stretch>
-          </p:blipFill>
-          <p:spPr>
-            <a:xfrm>
-              <a:off x="153212" y="3523922"/>
-              <a:ext cx="4954416" cy="2833229"/>
-            </a:xfrm>
-            <a:prstGeom prst="rect">
-              <a:avLst/>
-            </a:prstGeom>
-            <a:ln>
-              <a:solidFill>
-                <a:schemeClr val="tx1"/>
-              </a:solidFill>
-            </a:ln>
-          </p:spPr>
-        </p:pic>
-        <p:sp>
-          <p:nvSpPr>
-            <p:cNvPr id="8" name="向右箭號 7"/>
-            <p:cNvSpPr/>
-            <p:nvPr/>
-          </p:nvSpPr>
-          <p:spPr>
-            <a:xfrm rot="10800000">
-              <a:off x="3080874" y="4940536"/>
-              <a:ext cx="512064" cy="335506"/>
-            </a:xfrm>
-            <a:prstGeom prst="rightArrow">
-              <a:avLst/>
-            </a:prstGeom>
+          <a:prstGeom prst="rect">
+            <a:avLst/>
+          </a:prstGeom>
+          <a:ln>
+            <a:solidFill>
+              <a:schemeClr val="tx1"/>
+            </a:solidFill>
+          </a:ln>
+        </p:spPr>
+      </p:pic>
+      <p:sp>
+        <p:nvSpPr>
+          <p:cNvPr id="8" name="向右箭號 7"/>
+          <p:cNvSpPr/>
+          <p:nvPr/>
+        </p:nvSpPr>
+        <p:spPr>
+          <a:xfrm rot="10800000">
+            <a:off x="3031286" y="4940536"/>
+            <a:ext cx="512064" cy="335506"/>
+          </a:xfrm>
+          <a:prstGeom prst="rightArrow">
+            <a:avLst/>
+          </a:prstGeom>
+          <a:solidFill>
+            <a:srgbClr val="FF0000"/>
+          </a:solidFill>
+          <a:ln>
             <a:solidFill>
               <a:srgbClr val="FF0000"/>
             </a:solidFill>
-            <a:ln>
+          </a:ln>
+        </p:spPr>
+        <p:style>
+          <a:lnRef idx="2">
+            <a:schemeClr val="accent1">
+              <a:shade val="50000"/>
+            </a:schemeClr>
+          </a:lnRef>
+          <a:fillRef idx="1">
+            <a:schemeClr val="accent1"/>
+          </a:fillRef>
+          <a:effectRef idx="0">
+            <a:schemeClr val="accent1"/>
+          </a:effectRef>
+          <a:fontRef idx="minor">
+            <a:schemeClr val="lt1"/>
+          </a:fontRef>
+        </p:style>
+        <p:txBody>
+          <a:bodyPr rtlCol="0" anchor="ctr"/>
+          <a:lstStyle/>
+          <a:p>
+            <a:pPr algn="ctr"/>
+            <a:endParaRPr lang="zh-TW" altLang="en-US">
+              <a:solidFill>
+                <a:schemeClr val="accent5">
+                  <a:lumMod val="40000"/>
+                  <a:lumOff val="60000"/>
+                </a:schemeClr>
+              </a:solidFill>
+            </a:endParaRPr>
+          </a:p>
+        </p:txBody>
+      </p:sp>
+      <p:sp>
+        <p:nvSpPr>
+          <p:cNvPr id="11" name="文字方塊 10"/>
+          <p:cNvSpPr txBox="1"/>
+          <p:nvPr/>
+        </p:nvSpPr>
+        <p:spPr>
+          <a:xfrm>
+            <a:off x="3236856" y="4640776"/>
+            <a:ext cx="306494" cy="369332"/>
+          </a:xfrm>
+          <a:prstGeom prst="rect">
+            <a:avLst/>
+          </a:prstGeom>
+          <a:noFill/>
+          <a:ln>
+            <a:noFill/>
+          </a:ln>
+        </p:spPr>
+        <p:txBody>
+          <a:bodyPr wrap="none" rtlCol="0">
+            <a:spAutoFit/>
+          </a:bodyPr>
+          <a:lstStyle/>
+          <a:p>
+            <a:r>
+              <a:rPr lang="en-US" altLang="zh-TW" dirty="0" smtClean="0">
+                <a:solidFill>
+                  <a:srgbClr val="FF0000"/>
+                </a:solidFill>
+              </a:rPr>
+              <a:t>2</a:t>
+            </a:r>
+            <a:endParaRPr lang="zh-TW" altLang="en-US" dirty="0">
               <a:solidFill>
                 <a:srgbClr val="FF0000"/>
               </a:solidFill>
-            </a:ln>
-          </p:spPr>
-          <p:style>
-            <a:lnRef idx="2">
-              <a:schemeClr val="accent1">
-                <a:shade val="50000"/>
-              </a:schemeClr>
-            </a:lnRef>
-            <a:fillRef idx="1">
-              <a:schemeClr val="accent1"/>
-            </a:fillRef>
-            <a:effectRef idx="0">
-              <a:schemeClr val="accent1"/>
-            </a:effectRef>
-            <a:fontRef idx="minor">
-              <a:schemeClr val="lt1"/>
-            </a:fontRef>
-          </p:style>
-          <p:txBody>
-            <a:bodyPr rtlCol="0" anchor="ctr"/>
-            <a:lstStyle/>
-            <a:p>
-              <a:pPr algn="ctr"/>
-              <a:endParaRPr lang="zh-TW" altLang="en-US">
-                <a:solidFill>
-                  <a:schemeClr val="accent5">
-                    <a:lumMod val="40000"/>
-                    <a:lumOff val="60000"/>
-                  </a:schemeClr>
-                </a:solidFill>
-              </a:endParaRPr>
-            </a:p>
-          </p:txBody>
-        </p:sp>
-        <p:sp>
-          <p:nvSpPr>
-            <p:cNvPr id="11" name="文字方塊 10"/>
-            <p:cNvSpPr txBox="1"/>
-            <p:nvPr/>
-          </p:nvSpPr>
-          <p:spPr>
-            <a:xfrm>
-              <a:off x="3286444" y="4640776"/>
-              <a:ext cx="306494" cy="369332"/>
-            </a:xfrm>
-            <a:prstGeom prst="rect">
-              <a:avLst/>
-            </a:prstGeom>
-            <a:noFill/>
-            <a:ln>
-              <a:noFill/>
-            </a:ln>
-          </p:spPr>
-          <p:txBody>
-            <a:bodyPr wrap="none" rtlCol="0">
-              <a:spAutoFit/>
-            </a:bodyPr>
-            <a:lstStyle/>
-            <a:p>
-              <a:r>
-                <a:rPr lang="en-US" altLang="zh-TW" dirty="0" smtClean="0">
-                  <a:solidFill>
-                    <a:srgbClr val="FF0000"/>
-                  </a:solidFill>
-                </a:rPr>
-                <a:t>2</a:t>
-              </a:r>
-              <a:endParaRPr lang="zh-TW" altLang="en-US" dirty="0">
-                <a:solidFill>
-                  <a:srgbClr val="FF0000"/>
-                </a:solidFill>
-              </a:endParaRPr>
-            </a:p>
-          </p:txBody>
-        </p:sp>
-        <p:sp>
-          <p:nvSpPr>
-            <p:cNvPr id="12" name="向右箭號 11"/>
-            <p:cNvSpPr/>
-            <p:nvPr/>
-          </p:nvSpPr>
-          <p:spPr>
-            <a:xfrm rot="10800000">
-              <a:off x="4858369" y="4743382"/>
-              <a:ext cx="704088" cy="781616"/>
-            </a:xfrm>
-            <a:prstGeom prst="rightArrow">
-              <a:avLst/>
-            </a:prstGeom>
-          </p:spPr>
-          <p:style>
-            <a:lnRef idx="2">
-              <a:schemeClr val="accent1">
-                <a:shade val="50000"/>
-              </a:schemeClr>
-            </a:lnRef>
-            <a:fillRef idx="1">
-              <a:schemeClr val="accent1"/>
-            </a:fillRef>
-            <a:effectRef idx="0">
-              <a:schemeClr val="accent1"/>
-            </a:effectRef>
-            <a:fontRef idx="minor">
-              <a:schemeClr val="lt1"/>
-            </a:fontRef>
-          </p:style>
-          <p:txBody>
-            <a:bodyPr rtlCol="0" anchor="ctr"/>
-            <a:lstStyle/>
-            <a:p>
-              <a:pPr algn="ctr"/>
-              <a:endParaRPr lang="zh-TW" altLang="en-US"/>
-            </a:p>
-          </p:txBody>
-        </p:sp>
-      </p:grpSp>
+            </a:endParaRPr>
+          </a:p>
+        </p:txBody>
+      </p:sp>
       <p:pic>
         <p:nvPicPr>
           <p:cNvPr id="10" name="圖片 9"/>
@@ -9168,7 +9291,7 @@
         </p:nvSpPr>
         <p:spPr>
           <a:xfrm>
-            <a:off x="10893823" y="5867685"/>
+            <a:off x="10685797" y="5867685"/>
             <a:ext cx="306494" cy="369332"/>
           </a:xfrm>
           <a:prstGeom prst="rect">
@@ -9275,6 +9398,46 @@
           </a:fontRef>
         </p:style>
       </p:cxnSp>
+      <p:sp>
+        <p:nvSpPr>
+          <p:cNvPr id="12" name="向右箭號 11"/>
+          <p:cNvSpPr/>
+          <p:nvPr/>
+        </p:nvSpPr>
+        <p:spPr>
+          <a:xfrm rot="10800000">
+            <a:off x="4908831" y="4743382"/>
+            <a:ext cx="704088" cy="781616"/>
+          </a:xfrm>
+          <a:prstGeom prst="rightArrow">
+            <a:avLst/>
+          </a:prstGeom>
+        </p:spPr>
+        <p:style>
+          <a:lnRef idx="2">
+            <a:schemeClr val="accent1">
+              <a:shade val="50000"/>
+            </a:schemeClr>
+          </a:lnRef>
+          <a:fillRef idx="1">
+            <a:schemeClr val="accent1"/>
+          </a:fillRef>
+          <a:effectRef idx="0">
+            <a:schemeClr val="accent1"/>
+          </a:effectRef>
+          <a:fontRef idx="minor">
+            <a:schemeClr val="lt1"/>
+          </a:fontRef>
+        </p:style>
+        <p:txBody>
+          <a:bodyPr rtlCol="0" anchor="ctr"/>
+          <a:lstStyle/>
+          <a:p>
+            <a:pPr algn="ctr"/>
+            <a:endParaRPr lang="zh-TW" altLang="en-US"/>
+          </a:p>
+        </p:txBody>
+      </p:sp>
     </p:spTree>
     <p:extLst>
       <p:ext uri="{BB962C8B-B14F-4D97-AF65-F5344CB8AC3E}">
@@ -9288,75 +9451,7 @@
   <p:timing>
     <p:tnLst>
       <p:par>
-        <p:cTn id="1" dur="indefinite" restart="never" nodeType="tmRoot">
-          <p:childTnLst>
-            <p:seq concurrent="1" nextAc="seek">
-              <p:cTn id="2" dur="indefinite" nodeType="mainSeq">
-                <p:childTnLst>
-                  <p:par>
-                    <p:cTn id="3" fill="hold">
-                      <p:stCondLst>
-                        <p:cond delay="indefinite"/>
-                      </p:stCondLst>
-                      <p:childTnLst>
-                        <p:par>
-                          <p:cTn id="4" fill="hold">
-                            <p:stCondLst>
-                              <p:cond delay="0"/>
-                            </p:stCondLst>
-                            <p:childTnLst>
-                              <p:par>
-                                <p:cTn id="5" presetID="1" presetClass="entr" presetSubtype="0" fill="hold" nodeType="clickEffect">
-                                  <p:stCondLst>
-                                    <p:cond delay="0"/>
-                                  </p:stCondLst>
-                                  <p:childTnLst>
-                                    <p:set>
-                                      <p:cBhvr>
-                                        <p:cTn id="6" dur="1" fill="hold">
-                                          <p:stCondLst>
-                                            <p:cond delay="0"/>
-                                          </p:stCondLst>
-                                        </p:cTn>
-                                        <p:tgtEl>
-                                          <p:spTgt spid="5"/>
-                                        </p:tgtEl>
-                                        <p:attrNameLst>
-                                          <p:attrName>style.visibility</p:attrName>
-                                        </p:attrNameLst>
-                                      </p:cBhvr>
-                                      <p:to>
-                                        <p:strVal val="visible"/>
-                                      </p:to>
-                                    </p:set>
-                                  </p:childTnLst>
-                                </p:cTn>
-                              </p:par>
-                            </p:childTnLst>
-                          </p:cTn>
-                        </p:par>
-                      </p:childTnLst>
-                    </p:cTn>
-                  </p:par>
-                </p:childTnLst>
-              </p:cTn>
-              <p:prevCondLst>
-                <p:cond evt="onPrev" delay="0">
-                  <p:tgtEl>
-                    <p:sldTgt/>
-                  </p:tgtEl>
-                </p:cond>
-              </p:prevCondLst>
-              <p:nextCondLst>
-                <p:cond evt="onNext" delay="0">
-                  <p:tgtEl>
-                    <p:sldTgt/>
-                  </p:tgtEl>
-                </p:cond>
-              </p:nextCondLst>
-            </p:seq>
-          </p:childTnLst>
-        </p:cTn>
+        <p:cTn id="1" dur="indefinite" restart="never" nodeType="tmRoot"/>
       </p:par>
     </p:tnLst>
   </p:timing>

--- a/LCC/Java/00b_Java開發環境建置.pptx
+++ b/LCC/Java/00b_Java開發環境建置.pptx
@@ -866,7 +866,7 @@
           <a:p>
             <a:fld id="{9D5C10DA-9D88-4773-8D30-78F5C5DDFCBA}" type="datetimeFigureOut">
               <a:rPr lang="zh-TW" altLang="en-US" smtClean="0"/>
-              <a:t>2022/1/16</a:t>
+              <a:t>2022/6/29</a:t>
             </a:fld>
             <a:endParaRPr lang="zh-TW" altLang="en-US"/>
           </a:p>
@@ -1117,7 +1117,7 @@
           <a:p>
             <a:fld id="{9D5C10DA-9D88-4773-8D30-78F5C5DDFCBA}" type="datetimeFigureOut">
               <a:rPr lang="zh-TW" altLang="en-US" smtClean="0"/>
-              <a:t>2022/1/16</a:t>
+              <a:t>2022/6/29</a:t>
             </a:fld>
             <a:endParaRPr lang="zh-TW" altLang="en-US"/>
           </a:p>
@@ -1431,7 +1431,7 @@
           <a:p>
             <a:fld id="{9D5C10DA-9D88-4773-8D30-78F5C5DDFCBA}" type="datetimeFigureOut">
               <a:rPr lang="zh-TW" altLang="en-US" smtClean="0"/>
-              <a:t>2022/1/16</a:t>
+              <a:t>2022/6/29</a:t>
             </a:fld>
             <a:endParaRPr lang="zh-TW" altLang="en-US"/>
           </a:p>
@@ -1772,7 +1772,7 @@
           <a:p>
             <a:fld id="{9D5C10DA-9D88-4773-8D30-78F5C5DDFCBA}" type="datetimeFigureOut">
               <a:rPr lang="zh-TW" altLang="en-US" smtClean="0"/>
-              <a:t>2022/1/16</a:t>
+              <a:t>2022/6/29</a:t>
             </a:fld>
             <a:endParaRPr lang="zh-TW" altLang="en-US"/>
           </a:p>
@@ -2086,7 +2086,7 @@
           <a:p>
             <a:fld id="{9D5C10DA-9D88-4773-8D30-78F5C5DDFCBA}" type="datetimeFigureOut">
               <a:rPr lang="zh-TW" altLang="en-US" smtClean="0"/>
-              <a:t>2022/1/16</a:t>
+              <a:t>2022/6/29</a:t>
             </a:fld>
             <a:endParaRPr lang="zh-TW" altLang="en-US"/>
           </a:p>
@@ -2479,7 +2479,7 @@
           <a:p>
             <a:fld id="{9D5C10DA-9D88-4773-8D30-78F5C5DDFCBA}" type="datetimeFigureOut">
               <a:rPr lang="zh-TW" altLang="en-US" smtClean="0"/>
-              <a:t>2022/1/16</a:t>
+              <a:t>2022/6/29</a:t>
             </a:fld>
             <a:endParaRPr lang="zh-TW" altLang="en-US"/>
           </a:p>
@@ -2649,7 +2649,7 @@
           <a:p>
             <a:fld id="{9D5C10DA-9D88-4773-8D30-78F5C5DDFCBA}" type="datetimeFigureOut">
               <a:rPr lang="zh-TW" altLang="en-US" smtClean="0"/>
-              <a:t>2022/1/16</a:t>
+              <a:t>2022/6/29</a:t>
             </a:fld>
             <a:endParaRPr lang="zh-TW" altLang="en-US"/>
           </a:p>
@@ -2829,7 +2829,7 @@
           <a:p>
             <a:fld id="{9D5C10DA-9D88-4773-8D30-78F5C5DDFCBA}" type="datetimeFigureOut">
               <a:rPr lang="zh-TW" altLang="en-US" smtClean="0"/>
-              <a:t>2022/1/16</a:t>
+              <a:t>2022/6/29</a:t>
             </a:fld>
             <a:endParaRPr lang="zh-TW" altLang="en-US"/>
           </a:p>
@@ -3005,7 +3005,7 @@
           <a:p>
             <a:fld id="{9D5C10DA-9D88-4773-8D30-78F5C5DDFCBA}" type="datetimeFigureOut">
               <a:rPr lang="zh-TW" altLang="en-US" smtClean="0"/>
-              <a:t>2022/1/16</a:t>
+              <a:t>2022/6/29</a:t>
             </a:fld>
             <a:endParaRPr lang="zh-TW" altLang="en-US"/>
           </a:p>
@@ -3252,7 +3252,7 @@
           <a:p>
             <a:fld id="{9D5C10DA-9D88-4773-8D30-78F5C5DDFCBA}" type="datetimeFigureOut">
               <a:rPr lang="zh-TW" altLang="en-US" smtClean="0"/>
-              <a:t>2022/1/16</a:t>
+              <a:t>2022/6/29</a:t>
             </a:fld>
             <a:endParaRPr lang="zh-TW" altLang="en-US"/>
           </a:p>
@@ -3484,7 +3484,7 @@
           <a:p>
             <a:fld id="{9D5C10DA-9D88-4773-8D30-78F5C5DDFCBA}" type="datetimeFigureOut">
               <a:rPr lang="zh-TW" altLang="en-US" smtClean="0"/>
-              <a:t>2022/1/16</a:t>
+              <a:t>2022/6/29</a:t>
             </a:fld>
             <a:endParaRPr lang="zh-TW" altLang="en-US"/>
           </a:p>
@@ -3858,7 +3858,7 @@
           <a:p>
             <a:fld id="{9D5C10DA-9D88-4773-8D30-78F5C5DDFCBA}" type="datetimeFigureOut">
               <a:rPr lang="zh-TW" altLang="en-US" smtClean="0"/>
-              <a:t>2022/1/16</a:t>
+              <a:t>2022/6/29</a:t>
             </a:fld>
             <a:endParaRPr lang="zh-TW" altLang="en-US"/>
           </a:p>
@@ -3981,7 +3981,7 @@
           <a:p>
             <a:fld id="{9D5C10DA-9D88-4773-8D30-78F5C5DDFCBA}" type="datetimeFigureOut">
               <a:rPr lang="zh-TW" altLang="en-US" smtClean="0"/>
-              <a:t>2022/1/16</a:t>
+              <a:t>2022/6/29</a:t>
             </a:fld>
             <a:endParaRPr lang="zh-TW" altLang="en-US"/>
           </a:p>
@@ -4076,7 +4076,7 @@
           <a:p>
             <a:fld id="{9D5C10DA-9D88-4773-8D30-78F5C5DDFCBA}" type="datetimeFigureOut">
               <a:rPr lang="zh-TW" altLang="en-US" smtClean="0"/>
-              <a:t>2022/1/16</a:t>
+              <a:t>2022/6/29</a:t>
             </a:fld>
             <a:endParaRPr lang="zh-TW" altLang="en-US"/>
           </a:p>
@@ -4331,7 +4331,7 @@
           <a:p>
             <a:fld id="{9D5C10DA-9D88-4773-8D30-78F5C5DDFCBA}" type="datetimeFigureOut">
               <a:rPr lang="zh-TW" altLang="en-US" smtClean="0"/>
-              <a:t>2022/1/16</a:t>
+              <a:t>2022/6/29</a:t>
             </a:fld>
             <a:endParaRPr lang="zh-TW" altLang="en-US"/>
           </a:p>
@@ -4594,7 +4594,7 @@
           <a:p>
             <a:fld id="{9D5C10DA-9D88-4773-8D30-78F5C5DDFCBA}" type="datetimeFigureOut">
               <a:rPr lang="zh-TW" altLang="en-US" smtClean="0"/>
-              <a:t>2022/1/16</a:t>
+              <a:t>2022/6/29</a:t>
             </a:fld>
             <a:endParaRPr lang="zh-TW" altLang="en-US"/>
           </a:p>
@@ -5337,7 +5337,7 @@
           <a:p>
             <a:fld id="{9D5C10DA-9D88-4773-8D30-78F5C5DDFCBA}" type="datetimeFigureOut">
               <a:rPr lang="zh-TW" altLang="en-US" smtClean="0"/>
-              <a:t>2022/1/16</a:t>
+              <a:t>2022/6/29</a:t>
             </a:fld>
             <a:endParaRPr lang="zh-TW" altLang="en-US"/>
           </a:p>
@@ -5483,7 +5483,7 @@
           <a:p>
             <a:r>
               <a:rPr lang="fr-FR" altLang="zh-TW" dirty="0" smtClean="0"/>
-              <a:t>https://reurl.cc/2Dom14</a:t>
+              <a:t>https://reurl.cc/Kb1Xmg</a:t>
             </a:r>
             <a:endParaRPr lang="zh-TW" altLang="en-US" dirty="0"/>
           </a:p>
@@ -6003,7 +6003,7 @@
           <a:p>
             <a:fld id="{3BB4C709-9C31-4337-925C-74BEB5EA7E8C}" type="datetime3">
               <a:rPr lang="zh-TW" altLang="en-US" smtClean="0"/>
-              <a:t>111年1月16日</a:t>
+              <a:t>111年6月29日</a:t>
             </a:fld>
             <a:endParaRPr lang="zh-TW" altLang="en-US" dirty="0"/>
           </a:p>
@@ -6050,36 +6050,6 @@
           </a:extLst>
         </p:spPr>
       </p:pic>
-      <p:pic>
-        <p:nvPicPr>
-          <p:cNvPr id="5" name="圖片 4"/>
-          <p:cNvPicPr>
-            <a:picLocks noChangeAspect="1"/>
-          </p:cNvPicPr>
-          <p:nvPr/>
-        </p:nvPicPr>
-        <p:blipFill>
-          <a:blip r:embed="rId3">
-            <a:extLst>
-              <a:ext uri="{28A0092B-C50C-407E-A947-70E740481C1C}">
-                <a14:useLocalDpi xmlns:a14="http://schemas.microsoft.com/office/drawing/2010/main" val="0"/>
-              </a:ext>
-            </a:extLst>
-          </a:blip>
-          <a:stretch>
-            <a:fillRect/>
-          </a:stretch>
-        </p:blipFill>
-        <p:spPr>
-          <a:xfrm>
-            <a:off x="927354" y="457267"/>
-            <a:ext cx="1428750" cy="1428750"/>
-          </a:xfrm>
-          <a:prstGeom prst="rect">
-            <a:avLst/>
-          </a:prstGeom>
-        </p:spPr>
-      </p:pic>
       <p:sp>
         <p:nvSpPr>
           <p:cNvPr id="6" name="矩形 5"/>
@@ -6196,13 +6166,37 @@
           </a:lstStyle>
           <a:p>
             <a:r>
-              <a:rPr lang="fr-FR" altLang="zh-TW" dirty="0" smtClean="0"/>
-              <a:t>https://reurl.cc/2Dom14</a:t>
+              <a:rPr lang="fr-FR" altLang="zh-TW" dirty="0"/>
+              <a:t>https://reurl.cc/Kb1Xmg</a:t>
             </a:r>
             <a:endParaRPr lang="zh-TW" altLang="en-US" dirty="0"/>
           </a:p>
         </p:txBody>
       </p:sp>
+      <p:pic>
+        <p:nvPicPr>
+          <p:cNvPr id="7" name="圖片 6"/>
+          <p:cNvPicPr>
+            <a:picLocks noChangeAspect="1"/>
+          </p:cNvPicPr>
+          <p:nvPr/>
+        </p:nvPicPr>
+        <p:blipFill>
+          <a:blip r:embed="rId3"/>
+          <a:stretch>
+            <a:fillRect/>
+          </a:stretch>
+        </p:blipFill>
+        <p:spPr>
+          <a:xfrm>
+            <a:off x="827704" y="486486"/>
+            <a:ext cx="1428750" cy="1428750"/>
+          </a:xfrm>
+          <a:prstGeom prst="rect">
+            <a:avLst/>
+          </a:prstGeom>
+        </p:spPr>
+      </p:pic>
     </p:spTree>
     <p:extLst>
       <p:ext uri="{BB962C8B-B14F-4D97-AF65-F5344CB8AC3E}">
@@ -8834,11 +8828,7 @@
           <a:p>
             <a:r>
               <a:rPr lang="en-US" altLang="zh-TW" dirty="0" smtClean="0"/>
-              <a:t>Eclipse </a:t>
-            </a:r>
-            <a:r>
-              <a:rPr lang="en-US" altLang="zh-TW" dirty="0" smtClean="0"/>
-              <a:t>for Java</a:t>
+              <a:t>Eclipse for Java</a:t>
             </a:r>
             <a:r>
               <a:rPr lang="zh-TW" altLang="en-US" dirty="0" smtClean="0"/>
@@ -8977,106 +8967,9 @@
           <a:chExt cx="0" cy="0"/>
         </a:xfrm>
       </p:grpSpPr>
-      <p:sp>
-        <p:nvSpPr>
-          <p:cNvPr id="2" name="標題 1"/>
-          <p:cNvSpPr>
-            <a:spLocks noGrp="1"/>
-          </p:cNvSpPr>
-          <p:nvPr>
-            <p:ph type="title"/>
-          </p:nvPr>
-        </p:nvSpPr>
-        <p:spPr/>
-        <p:txBody>
-          <a:bodyPr/>
-          <a:lstStyle/>
-          <a:p>
-            <a:r>
-              <a:rPr lang="en-US" altLang="zh-TW" dirty="0"/>
-              <a:t>Eclipse Java</a:t>
-            </a:r>
-            <a:r>
-              <a:rPr lang="zh-TW" altLang="en-US" dirty="0"/>
-              <a:t>安裝</a:t>
-            </a:r>
-            <a:r>
-              <a:rPr lang="en-US" altLang="zh-TW" dirty="0" smtClean="0"/>
-              <a:t>(2/4)</a:t>
-            </a:r>
-            <a:endParaRPr lang="zh-TW" altLang="en-US" dirty="0"/>
-          </a:p>
-        </p:txBody>
-      </p:sp>
-      <p:sp>
-        <p:nvSpPr>
-          <p:cNvPr id="3" name="內容版面配置區 2"/>
-          <p:cNvSpPr>
-            <a:spLocks noGrp="1"/>
-          </p:cNvSpPr>
-          <p:nvPr>
-            <p:ph idx="1"/>
-          </p:nvPr>
-        </p:nvSpPr>
-        <p:spPr/>
-        <p:txBody>
-          <a:bodyPr/>
-          <a:lstStyle/>
-          <a:p>
-            <a:r>
-              <a:rPr lang="zh-TW" altLang="en-US" dirty="0" smtClean="0"/>
-              <a:t>點選右邊</a:t>
-            </a:r>
-            <a:r>
-              <a:rPr lang="en-US" altLang="zh-TW" dirty="0"/>
-              <a:t>The Eclipse Installer</a:t>
-            </a:r>
-            <a:r>
-              <a:rPr lang="zh-TW" altLang="en-US" dirty="0" smtClean="0"/>
-              <a:t>有含</a:t>
-            </a:r>
-            <a:r>
-              <a:rPr lang="en-US" altLang="zh-TW" dirty="0" smtClean="0"/>
-              <a:t>JRE</a:t>
-            </a:r>
-            <a:r>
-              <a:rPr lang="zh-TW" altLang="en-US" dirty="0" smtClean="0"/>
-              <a:t>的版本！</a:t>
-            </a:r>
-            <a:endParaRPr lang="en-US" altLang="zh-TW" dirty="0" smtClean="0"/>
-          </a:p>
-          <a:p>
-            <a:r>
-              <a:rPr lang="zh-TW" altLang="en-US" dirty="0" smtClean="0"/>
-              <a:t>點選後進入如下邊頁面再點</a:t>
-            </a:r>
-            <a:r>
-              <a:rPr lang="en-US" altLang="zh-TW" dirty="0" smtClean="0"/>
-              <a:t>Download</a:t>
-            </a:r>
-            <a:r>
-              <a:rPr lang="zh-TW" altLang="en-US" dirty="0" smtClean="0"/>
-              <a:t>就下載。</a:t>
-            </a:r>
-            <a:r>
-              <a:rPr lang="en-US" altLang="zh-TW" dirty="0" smtClean="0"/>
-              <a:t>(</a:t>
-            </a:r>
-            <a:r>
-              <a:rPr lang="zh-TW" altLang="en-US" dirty="0" smtClean="0"/>
-              <a:t>約</a:t>
-            </a:r>
-            <a:r>
-              <a:rPr lang="en-US" altLang="zh-TW" dirty="0" smtClean="0"/>
-              <a:t>102M)</a:t>
-            </a:r>
-            <a:endParaRPr lang="zh-TW" altLang="en-US" dirty="0"/>
-          </a:p>
-        </p:txBody>
-      </p:sp>
       <p:pic>
         <p:nvPicPr>
-          <p:cNvPr id="7" name="圖片 6"/>
+          <p:cNvPr id="14" name="圖片 13"/>
           <p:cNvPicPr>
             <a:picLocks noChangeAspect="1"/>
           </p:cNvPicPr>
@@ -9090,8 +8983,8 @@
         </p:blipFill>
         <p:spPr>
           <a:xfrm>
-            <a:off x="196531" y="3523922"/>
-            <a:ext cx="4954416" cy="2833229"/>
+            <a:off x="715305" y="3960929"/>
+            <a:ext cx="4420130" cy="2098357"/>
           </a:xfrm>
           <a:prstGeom prst="rect">
             <a:avLst/>
@@ -9103,6 +8996,132 @@
           </a:ln>
         </p:spPr>
       </p:pic>
+      <p:pic>
+        <p:nvPicPr>
+          <p:cNvPr id="4" name="圖片 3"/>
+          <p:cNvPicPr>
+            <a:picLocks noChangeAspect="1"/>
+          </p:cNvPicPr>
+          <p:nvPr/>
+        </p:nvPicPr>
+        <p:blipFill>
+          <a:blip r:embed="rId3"/>
+          <a:stretch>
+            <a:fillRect/>
+          </a:stretch>
+        </p:blipFill>
+        <p:spPr>
+          <a:xfrm>
+            <a:off x="5658094" y="3125599"/>
+            <a:ext cx="5384319" cy="3531274"/>
+          </a:xfrm>
+          <a:prstGeom prst="rect">
+            <a:avLst/>
+          </a:prstGeom>
+          <a:ln>
+            <a:solidFill>
+              <a:schemeClr val="tx1"/>
+            </a:solidFill>
+          </a:ln>
+        </p:spPr>
+      </p:pic>
+      <p:sp>
+        <p:nvSpPr>
+          <p:cNvPr id="2" name="標題 1"/>
+          <p:cNvSpPr>
+            <a:spLocks noGrp="1"/>
+          </p:cNvSpPr>
+          <p:nvPr>
+            <p:ph type="title"/>
+          </p:nvPr>
+        </p:nvSpPr>
+        <p:spPr/>
+        <p:txBody>
+          <a:bodyPr/>
+          <a:lstStyle/>
+          <a:p>
+            <a:r>
+              <a:rPr lang="en-US" altLang="zh-TW" dirty="0"/>
+              <a:t>Eclipse Java</a:t>
+            </a:r>
+            <a:r>
+              <a:rPr lang="zh-TW" altLang="en-US" dirty="0"/>
+              <a:t>安裝</a:t>
+            </a:r>
+            <a:r>
+              <a:rPr lang="en-US" altLang="zh-TW" dirty="0" smtClean="0"/>
+              <a:t>(2/4)</a:t>
+            </a:r>
+            <a:endParaRPr lang="zh-TW" altLang="en-US" dirty="0"/>
+          </a:p>
+        </p:txBody>
+      </p:sp>
+      <p:sp>
+        <p:nvSpPr>
+          <p:cNvPr id="3" name="內容版面配置區 2"/>
+          <p:cNvSpPr>
+            <a:spLocks noGrp="1"/>
+          </p:cNvSpPr>
+          <p:nvPr>
+            <p:ph idx="1"/>
+          </p:nvPr>
+        </p:nvSpPr>
+        <p:spPr/>
+        <p:txBody>
+          <a:bodyPr/>
+          <a:lstStyle/>
+          <a:p>
+            <a:r>
+              <a:rPr lang="zh-TW" altLang="en-US" dirty="0" smtClean="0"/>
+              <a:t>點選右邊</a:t>
+            </a:r>
+            <a:r>
+              <a:rPr lang="en-US" altLang="zh-TW" dirty="0"/>
+              <a:t>The Eclipse Installer</a:t>
+            </a:r>
+            <a:r>
+              <a:rPr lang="zh-TW" altLang="en-US" dirty="0" smtClean="0"/>
+              <a:t>有含</a:t>
+            </a:r>
+            <a:r>
+              <a:rPr lang="en-US" altLang="zh-TW" dirty="0" smtClean="0"/>
+              <a:t>JRE</a:t>
+            </a:r>
+            <a:r>
+              <a:rPr lang="zh-TW" altLang="en-US" dirty="0" smtClean="0"/>
+              <a:t>的版本！</a:t>
+            </a:r>
+            <a:endParaRPr lang="en-US" altLang="zh-TW" dirty="0" smtClean="0"/>
+          </a:p>
+          <a:p>
+            <a:r>
+              <a:rPr lang="zh-TW" altLang="en-US" dirty="0" smtClean="0"/>
+              <a:t>點選後進入如下邊頁面再點</a:t>
+            </a:r>
+            <a:r>
+              <a:rPr lang="en-US" altLang="zh-TW" dirty="0" smtClean="0"/>
+              <a:t>Download</a:t>
+            </a:r>
+            <a:r>
+              <a:rPr lang="zh-TW" altLang="en-US" dirty="0" smtClean="0"/>
+              <a:t>就下載。</a:t>
+            </a:r>
+            <a:r>
+              <a:rPr lang="en-US" altLang="zh-TW" dirty="0" smtClean="0"/>
+              <a:t>(</a:t>
+            </a:r>
+            <a:r>
+              <a:rPr lang="zh-TW" altLang="en-US" dirty="0" smtClean="0"/>
+              <a:t>約</a:t>
+            </a:r>
+            <a:r>
+              <a:rPr lang="en-US" altLang="zh-TW" dirty="0" smtClean="0"/>
+              <a:t>114M)</a:t>
+            </a:r>
+            <a:endParaRPr lang="zh-TW" altLang="en-US" dirty="0"/>
+          </a:p>
+        </p:txBody>
+      </p:sp>
       <p:sp>
         <p:nvSpPr>
           <p:cNvPr id="8" name="向右箭號 7"/>
@@ -9111,7 +9130,7 @@
         </p:nvSpPr>
         <p:spPr>
           <a:xfrm rot="10800000">
-            <a:off x="3031286" y="4940536"/>
+            <a:off x="2759372" y="4959649"/>
             <a:ext cx="512064" cy="335506"/>
           </a:xfrm>
           <a:prstGeom prst="rightArrow">
@@ -9166,7 +9185,7 @@
         </p:nvSpPr>
         <p:spPr>
           <a:xfrm>
-            <a:off x="3236856" y="4640776"/>
+            <a:off x="3140419" y="4706570"/>
             <a:ext cx="306494" cy="369332"/>
           </a:xfrm>
           <a:prstGeom prst="rect">
@@ -9199,35 +9218,6 @@
           </a:p>
         </p:txBody>
       </p:sp>
-      <p:pic>
-        <p:nvPicPr>
-          <p:cNvPr id="10" name="圖片 9"/>
-          <p:cNvPicPr>
-            <a:picLocks noChangeAspect="1"/>
-          </p:cNvPicPr>
-          <p:nvPr/>
-        </p:nvPicPr>
-        <p:blipFill>
-          <a:blip r:embed="rId3"/>
-          <a:stretch>
-            <a:fillRect/>
-          </a:stretch>
-        </p:blipFill>
-        <p:spPr>
-          <a:xfrm>
-            <a:off x="5562457" y="2988932"/>
-            <a:ext cx="5333822" cy="3673020"/>
-          </a:xfrm>
-          <a:prstGeom prst="rect">
-            <a:avLst/>
-          </a:prstGeom>
-          <a:ln>
-            <a:solidFill>
-              <a:schemeClr val="tx1"/>
-            </a:solidFill>
-          </a:ln>
-        </p:spPr>
-      </p:pic>
       <p:sp>
         <p:nvSpPr>
           <p:cNvPr id="6" name="向右箭號 5"/>
@@ -9291,7 +9281,7 @@
         </p:nvSpPr>
         <p:spPr>
           <a:xfrm>
-            <a:off x="10685797" y="5867685"/>
+            <a:off x="10741524" y="5870837"/>
             <a:ext cx="306494" cy="369332"/>
           </a:xfrm>
           <a:prstGeom prst="rect">
@@ -9371,7 +9361,7 @@
         <p:spPr>
           <a:xfrm>
             <a:off x="9032905" y="2871387"/>
-            <a:ext cx="151989" cy="1871995"/>
+            <a:ext cx="187690" cy="2743029"/>
           </a:xfrm>
           <a:prstGeom prst="straightConnector1">
             <a:avLst/>
@@ -9491,8 +9481,8 @@
         </p:blipFill>
         <p:spPr>
           <a:xfrm>
-            <a:off x="4411335" y="3061587"/>
-            <a:ext cx="3691512" cy="3796413"/>
+            <a:off x="4753955" y="3061587"/>
+            <a:ext cx="3470793" cy="3569422"/>
           </a:xfrm>
           <a:prstGeom prst="rect">
             <a:avLst/>
@@ -9610,6 +9600,17 @@
             <a:endParaRPr lang="en-US" altLang="zh-TW" dirty="0" smtClean="0"/>
           </a:p>
           <a:p>
+            <a:r>
+              <a:rPr lang="zh-TW" altLang="en-US" dirty="0"/>
+              <a:t>會花一點時間</a:t>
+            </a:r>
+            <a:r>
+              <a:rPr lang="zh-TW" altLang="en-US" dirty="0" smtClean="0"/>
+              <a:t>，耐心等待。</a:t>
+            </a:r>
+            <a:endParaRPr lang="en-US" altLang="zh-TW" dirty="0" smtClean="0"/>
+          </a:p>
+          <a:p>
             <a:endParaRPr lang="zh-TW" altLang="en-US" dirty="0"/>
           </a:p>
         </p:txBody>
@@ -9622,7 +9623,7 @@
         </p:nvSpPr>
         <p:spPr>
           <a:xfrm>
-            <a:off x="3752967" y="3867803"/>
+            <a:off x="4072906" y="3729925"/>
             <a:ext cx="658368" cy="466344"/>
           </a:xfrm>
           <a:prstGeom prst="rightArrow">
@@ -9700,176 +9701,106 @@
           </a:p>
         </p:txBody>
       </p:sp>
-      <p:grpSp>
-        <p:nvGrpSpPr>
-          <p:cNvPr id="4" name="群組 3"/>
-          <p:cNvGrpSpPr/>
+      <p:pic>
+        <p:nvPicPr>
+          <p:cNvPr id="5" name="圖片 4"/>
+          <p:cNvPicPr>
+            <a:picLocks noChangeAspect="1"/>
+          </p:cNvPicPr>
           <p:nvPr/>
-        </p:nvGrpSpPr>
-        <p:grpSpPr>
+        </p:nvPicPr>
+        <p:blipFill>
+          <a:blip r:embed="rId3"/>
+          <a:stretch>
+            <a:fillRect/>
+          </a:stretch>
+        </p:blipFill>
+        <p:spPr>
           <a:xfrm>
-            <a:off x="8229600" y="3061587"/>
-            <a:ext cx="4030398" cy="3513772"/>
-            <a:chOff x="8229600" y="3061587"/>
-            <a:chExt cx="4030398" cy="3513772"/>
+            <a:off x="8567369" y="3061587"/>
+            <a:ext cx="3484423" cy="3740310"/>
           </a:xfrm>
-        </p:grpSpPr>
-        <p:pic>
-          <p:nvPicPr>
-            <p:cNvPr id="9" name="圖片 8"/>
-            <p:cNvPicPr>
-              <a:picLocks noChangeAspect="1"/>
-            </p:cNvPicPr>
-            <p:nvPr/>
-          </p:nvPicPr>
-          <p:blipFill>
-            <a:blip r:embed="rId3"/>
-            <a:stretch>
-              <a:fillRect/>
-            </a:stretch>
-          </p:blipFill>
-          <p:spPr>
-            <a:xfrm>
-              <a:off x="8848344" y="3061587"/>
-              <a:ext cx="3411654" cy="3513772"/>
-            </a:xfrm>
-            <a:prstGeom prst="rect">
-              <a:avLst/>
-            </a:prstGeom>
-            <a:ln>
+          <a:prstGeom prst="rect">
+            <a:avLst/>
+          </a:prstGeom>
+        </p:spPr>
+      </p:pic>
+      <p:sp>
+        <p:nvSpPr>
+          <p:cNvPr id="6" name="圓角矩形圖說文字 5"/>
+          <p:cNvSpPr/>
+          <p:nvPr/>
+        </p:nvSpPr>
+        <p:spPr>
+          <a:xfrm>
+            <a:off x="8695944" y="1792224"/>
+            <a:ext cx="1819656" cy="832104"/>
+          </a:xfrm>
+          <a:prstGeom prst="wedgeRoundRectCallout">
+            <a:avLst>
+              <a:gd name="adj1" fmla="val 80183"/>
+              <a:gd name="adj2" fmla="val 285577"/>
+              <a:gd name="adj3" fmla="val 16667"/>
+            </a:avLst>
+          </a:prstGeom>
+          <a:solidFill>
+            <a:schemeClr val="bg1"/>
+          </a:solidFill>
+          <a:ln>
+            <a:solidFill>
+              <a:schemeClr val="accent1">
+                <a:lumMod val="75000"/>
+              </a:schemeClr>
+            </a:solidFill>
+          </a:ln>
+        </p:spPr>
+        <p:style>
+          <a:lnRef idx="2">
+            <a:schemeClr val="accent1">
+              <a:shade val="50000"/>
+            </a:schemeClr>
+          </a:lnRef>
+          <a:fillRef idx="1">
+            <a:schemeClr val="accent1"/>
+          </a:fillRef>
+          <a:effectRef idx="0">
+            <a:schemeClr val="accent1"/>
+          </a:effectRef>
+          <a:fontRef idx="minor">
+            <a:schemeClr val="lt1"/>
+          </a:fontRef>
+        </p:style>
+        <p:txBody>
+          <a:bodyPr rtlCol="0" anchor="ctr"/>
+          <a:lstStyle/>
+          <a:p>
+            <a:pPr algn="ctr"/>
+            <a:r>
+              <a:rPr lang="zh-TW" altLang="en-US" dirty="0" smtClean="0">
+                <a:ln>
+                  <a:solidFill>
+                    <a:schemeClr val="tx1"/>
+                  </a:solidFill>
+                </a:ln>
+                <a:solidFill>
+                  <a:schemeClr val="tx1"/>
+                </a:solidFill>
+              </a:rPr>
+              <a:t>這裡有版本訊息</a:t>
+            </a:r>
+            <a:endParaRPr lang="zh-TW" altLang="en-US" dirty="0">
+              <a:ln>
+                <a:solidFill>
+                  <a:schemeClr val="tx1"/>
+                </a:solidFill>
+              </a:ln>
               <a:solidFill>
                 <a:schemeClr val="tx1"/>
               </a:solidFill>
-            </a:ln>
-          </p:spPr>
-        </p:pic>
-        <p:sp>
-          <p:nvSpPr>
-            <p:cNvPr id="10" name="向右箭號 9"/>
-            <p:cNvSpPr/>
-            <p:nvPr/>
-          </p:nvSpPr>
-          <p:spPr>
-            <a:xfrm>
-              <a:off x="9012766" y="5181903"/>
-              <a:ext cx="658368" cy="466344"/>
-            </a:xfrm>
-            <a:prstGeom prst="rightArrow">
-              <a:avLst/>
-            </a:prstGeom>
-            <a:solidFill>
-              <a:srgbClr val="FF0000"/>
-            </a:solidFill>
-            <a:ln>
-              <a:solidFill>
-                <a:srgbClr val="FF0000"/>
-              </a:solidFill>
-            </a:ln>
-          </p:spPr>
-          <p:style>
-            <a:lnRef idx="2">
-              <a:schemeClr val="accent1">
-                <a:shade val="50000"/>
-              </a:schemeClr>
-            </a:lnRef>
-            <a:fillRef idx="1">
-              <a:schemeClr val="accent1"/>
-            </a:fillRef>
-            <a:effectRef idx="0">
-              <a:schemeClr val="accent1"/>
-            </a:effectRef>
-            <a:fontRef idx="minor">
-              <a:schemeClr val="lt1"/>
-            </a:fontRef>
-          </p:style>
-          <p:txBody>
-            <a:bodyPr rtlCol="0" anchor="ctr"/>
-            <a:lstStyle/>
-            <a:p>
-              <a:pPr algn="ctr"/>
-              <a:endParaRPr lang="zh-TW" altLang="en-US"/>
-            </a:p>
-          </p:txBody>
-        </p:sp>
-        <p:sp>
-          <p:nvSpPr>
-            <p:cNvPr id="12" name="文字方塊 11"/>
-            <p:cNvSpPr txBox="1"/>
-            <p:nvPr/>
-          </p:nvSpPr>
-          <p:spPr>
-            <a:xfrm>
-              <a:off x="9035456" y="4930108"/>
-              <a:ext cx="306494" cy="369332"/>
-            </a:xfrm>
-            <a:prstGeom prst="rect">
-              <a:avLst/>
-            </a:prstGeom>
-            <a:noFill/>
-          </p:spPr>
-          <p:txBody>
-            <a:bodyPr wrap="none" rtlCol="0">
-              <a:spAutoFit/>
-            </a:bodyPr>
-            <a:lstStyle/>
-            <a:p>
-              <a:r>
-                <a:rPr lang="en-US" altLang="zh-TW" dirty="0" smtClean="0">
-                  <a:solidFill>
-                    <a:srgbClr val="FF0000"/>
-                  </a:solidFill>
-                </a:rPr>
-                <a:t>2</a:t>
-              </a:r>
-              <a:endParaRPr lang="zh-TW" altLang="en-US" dirty="0">
-                <a:solidFill>
-                  <a:srgbClr val="FF0000"/>
-                </a:solidFill>
-              </a:endParaRPr>
-            </a:p>
-          </p:txBody>
-        </p:sp>
-        <p:sp>
-          <p:nvSpPr>
-            <p:cNvPr id="13" name="向右箭號 12"/>
-            <p:cNvSpPr/>
-            <p:nvPr/>
-          </p:nvSpPr>
-          <p:spPr>
-            <a:xfrm>
-              <a:off x="8229600" y="4681728"/>
-              <a:ext cx="438912" cy="886968"/>
-            </a:xfrm>
-            <a:prstGeom prst="rightArrow">
-              <a:avLst/>
-            </a:prstGeom>
-          </p:spPr>
-          <p:style>
-            <a:lnRef idx="2">
-              <a:schemeClr val="accent1">
-                <a:shade val="50000"/>
-              </a:schemeClr>
-            </a:lnRef>
-            <a:fillRef idx="1">
-              <a:schemeClr val="accent1"/>
-            </a:fillRef>
-            <a:effectRef idx="0">
-              <a:schemeClr val="accent1"/>
-            </a:effectRef>
-            <a:fontRef idx="minor">
-              <a:schemeClr val="lt1"/>
-            </a:fontRef>
-          </p:style>
-          <p:txBody>
-            <a:bodyPr rtlCol="0" anchor="ctr"/>
-            <a:lstStyle/>
-            <a:p>
-              <a:pPr algn="ctr"/>
-              <a:endParaRPr lang="zh-TW" altLang="en-US"/>
-            </a:p>
-          </p:txBody>
-        </p:sp>
-      </p:grpSp>
+            </a:endParaRPr>
+          </a:p>
+        </p:txBody>
+      </p:sp>
     </p:spTree>
     <p:extLst>
       <p:ext uri="{BB962C8B-B14F-4D97-AF65-F5344CB8AC3E}">
@@ -9883,75 +9814,7 @@
   <p:timing>
     <p:tnLst>
       <p:par>
-        <p:cTn id="1" dur="indefinite" restart="never" nodeType="tmRoot">
-          <p:childTnLst>
-            <p:seq concurrent="1" nextAc="seek">
-              <p:cTn id="2" dur="indefinite" nodeType="mainSeq">
-                <p:childTnLst>
-                  <p:par>
-                    <p:cTn id="3" fill="hold">
-                      <p:stCondLst>
-                        <p:cond delay="indefinite"/>
-                      </p:stCondLst>
-                      <p:childTnLst>
-                        <p:par>
-                          <p:cTn id="4" fill="hold">
-                            <p:stCondLst>
-                              <p:cond delay="0"/>
-                            </p:stCondLst>
-                            <p:childTnLst>
-                              <p:par>
-                                <p:cTn id="5" presetID="1" presetClass="entr" presetSubtype="0" fill="hold" nodeType="clickEffect">
-                                  <p:stCondLst>
-                                    <p:cond delay="0"/>
-                                  </p:stCondLst>
-                                  <p:childTnLst>
-                                    <p:set>
-                                      <p:cBhvr>
-                                        <p:cTn id="6" dur="1" fill="hold">
-                                          <p:stCondLst>
-                                            <p:cond delay="0"/>
-                                          </p:stCondLst>
-                                        </p:cTn>
-                                        <p:tgtEl>
-                                          <p:spTgt spid="4"/>
-                                        </p:tgtEl>
-                                        <p:attrNameLst>
-                                          <p:attrName>style.visibility</p:attrName>
-                                        </p:attrNameLst>
-                                      </p:cBhvr>
-                                      <p:to>
-                                        <p:strVal val="visible"/>
-                                      </p:to>
-                                    </p:set>
-                                  </p:childTnLst>
-                                </p:cTn>
-                              </p:par>
-                            </p:childTnLst>
-                          </p:cTn>
-                        </p:par>
-                      </p:childTnLst>
-                    </p:cTn>
-                  </p:par>
-                </p:childTnLst>
-              </p:cTn>
-              <p:prevCondLst>
-                <p:cond evt="onPrev" delay="0">
-                  <p:tgtEl>
-                    <p:sldTgt/>
-                  </p:tgtEl>
-                </p:cond>
-              </p:prevCondLst>
-              <p:nextCondLst>
-                <p:cond evt="onNext" delay="0">
-                  <p:tgtEl>
-                    <p:sldTgt/>
-                  </p:tgtEl>
-                </p:cond>
-              </p:nextCondLst>
-            </p:seq>
-          </p:childTnLst>
-        </p:cTn>
+        <p:cTn id="1" dur="indefinite" restart="never" nodeType="tmRoot"/>
       </p:par>
     </p:tnLst>
   </p:timing>
